--- a/CourseShanghaiJune2023/ModelValSel_Shanghai.pptx
+++ b/CourseShanghaiJune2023/ModelValSel_Shanghai.pptx
@@ -183,6 +183,615 @@
 </p:presentation>
 </file>
 
+<file path=ppt/ink/ink1.xml><?xml version="1.0" encoding="utf-8"?>
+<inkml:ink xmlns:inkml="http://www.w3.org/2003/InkML">
+  <inkml:definitions>
+    <inkml:context xml:id="ctx0">
+      <inkml:inkSource xml:id="inkSrc0">
+        <inkml:traceFormat>
+          <inkml:channel name="X" type="integer" min="-2.14748E9" max="2.14748E9" units="cm"/>
+          <inkml:channel name="Y" type="integer" min="-2.14748E9" max="2.14748E9" units="cm"/>
+          <inkml:channel name="F" type="integer" max="32767" units="dev"/>
+        </inkml:traceFormat>
+        <inkml:channelProperties>
+          <inkml:channelProperty channel="X" name="resolution" value="1000" units="1/cm"/>
+          <inkml:channelProperty channel="Y" name="resolution" value="1000" units="1/cm"/>
+          <inkml:channelProperty channel="F" name="resolution" value="0" units="1/dev"/>
+        </inkml:channelProperties>
+      </inkml:inkSource>
+      <inkml:timestamp xml:id="ts0" timeString="2023-06-28T07:19:57.614"/>
+    </inkml:context>
+    <inkml:brush xml:id="br0">
+      <inkml:brushProperty name="width" value="0.05292" units="cm"/>
+      <inkml:brushProperty name="height" value="0.05292" units="cm"/>
+      <inkml:brushProperty name="color" value="#FF0000"/>
+    </inkml:brush>
+  </inkml:definitions>
+  <inkml:trace contextRef="#ctx0" brushRef="#br0">2458 10473 24575,'0'10'0,"0"-1"0,41-6 0,-16-13 0,5-11 0,-2-6 0,-9-30 0,-21 3 0,-8 1 0,-15-4 0,-6 24 0,-3 7 0,0 15 0,-10 18 0,30 22 0,6 6 0,-2 10 0,2-6 0,1 3 0,7-3 0,0-3 0,0-2 0,3 22 0,4-46 0,11-1 0,-2-4 0,5 1 0,-8-6 0,-6-3 0,-2 0 0,-13-3 0,-2 3 0,3-12 0,6-3 0,10-7 0,2-8 0,-1-1 0,-9 3 0,-33-24 0,0 45 0,-30 19 0,39 5 0,8 21 0,12-15 0,9 4 0,34-17 0,-12-6 0,20-4 0,-26-13 0,-14 4 0,1-2 0,-2 11 0,1 0 0,1 0 0,-4-3 0,-5-10 0,-19 3 0,-14-3 0,0 12 0,1 1 0,22 13 0,4 10 0,2 0 0,1 5 0,3-15 0,9 2 0,-1-8 0,5 2 0,4-12 0,-11 2 0,5 1 0,-11 6 0,0 6 0,0-16 0,-2 6 0,-5-16 0,-3 13 0,-16 1 0,9 6 0,-2-2 0,13 2 0</inkml:trace>
+  <inkml:trace contextRef="#ctx0" brushRef="#br0" timeOffset="1804">2668 9516 10605,'4'15'0,"22"45"2518,-13-30 1,2 2-2519,8 18 0,-1-4 2430,4-6-2430,-10-5 1401,-13-43-1401,-3 2 5102,0-10-5102,0 4 0,5-11 0,0 7 0,4-9 0,0 7 0,-2 10 0,-1-6 0,2 3 0,-4 0 0,11-22 0,-8 10 0,8-21 0,-8 24 0,0-4 0,-2 21 0,-2 0 0,3 3 0,0 0 0,12 15 0,-6-6 0,10 13 0,-9-8 0,6 7 0,-8-9 0,3 5 0,-8-5 0,0-5 0,-3 4 0,2-8 0,-2 0 0,14-47 0,-12 2 0,4 3 0,0-6 0,-5 1 0,-2-5 0,1 5 0,0 6 0,0 0 0,3-23 0,0 4 0,-2 16 0,0 19 0,2 3 0,-3 16 0,0 3 0,0 0 0</inkml:trace>
+  <inkml:trace contextRef="#ctx0" brushRef="#br0" timeOffset="2787">2826 9928 8191,'7'0'0,"16"0"5063,13 0-5063,8 0 0,3 0 0,8 0 0,-10 0 0,-3 0 0,-3 0 0,5 0 0,1 0 0,-8 0 1409,3 0 0,-2 0-1409,-19 0 429,-3 0 1,-5 0 0,-8 0 0</inkml:trace>
+  <inkml:trace contextRef="#ctx0" brushRef="#br0" timeOffset="5570">2694 10420 8191,'-1'-5'0,"11"-2"5063,6-11-5063,-1 6 2818,2-6-2818,-10 8 1719,19-15-1719,4-3 6784,7-1-6784,9-5 0,5-2 0,-8 11 0,5-1 0,-4 1 0,7-5 0,1 1 0,-4 3 0,-1 2 0,-2 3 0,3 0 0,6-1 0,4 0 0,0 1 0,-8 4 0,1 1 0,-3 4 0,13-2 0,0 3 0,-6 8 0,-3 6 0,-13 6 0,0 1 0,15-4 0,-1 4 0,-8 14 0,-8 4 0,0 1 0,12 9 0,-13-5 0,-22-19 0,17 14 0,-24-18 0,18 19 0,-11-8 0,19 23 0,-1 5 0,-10-11 0,4 6 0,-11-9 0,-6-8 0,4 4 0,0 1 0,-1 12 0,0-9 0,0-2 0,-4-4 0,4 2 0,-9-17 0,-2-9 0,-16 0 0,-1-10 0,-9-5 0,3-2 0,4 1 0,-9-10 0,12 9 0,-3-2 0,12 8 0,-12-9 0,6 3 0,-10-4 0,4 2 0,-13-13 0,6 11 0,-9-16 0,13 18 0,8 3 0,29 14 0,19 20 0,5 8 0,-3-8 0,1 0 0,14 14 0,-5-2 0,-8-6 0,-15-11 0,-15-9 0,-5-3 0,4 0 0,-2 2 0,0-4 0,3 4 0,-3-4 0,6 6 0,-2-5 0,1 4 0,-2-6 0,5-6 0,0-14 0,10-11 0,2-5 0,-8 2 0,1-2 0,7-3 0,4-3 0,-5 3 0,11-20 0,-12 28 0,-1 4 0,-4 4 0,-8 15 0,1-4 0,-9 9 0</inkml:trace>
+  <inkml:trace contextRef="#ctx0" brushRef="#br0" timeOffset="7720">4737 10405 24575,'34'-43'0,"1"-1"0,0 0 0,-1 0 0,0 2 0,0 2 0,0 0 0,2 0 0,5-3 0,3 0 0,0 2 0,0 3 0,2 2 0,0 3 0,8 2 0,-9 9 0,8-2 0,3 0 0,0 4 0,-2 3 0,-6 7 0,7 7 0,-5 7 0,4 6 0,-4 2 0,7 2 0,0 4 0,-5 2 0,-10 2 0,1 18 0,-7 5 0,-1 0 0,1 3 0,-11-6 0,-11 14 0,-6-22 0,-2 2 0,-2 10 0,-1-3 0,3 3 0,-1 2 0,2-1 0,1-9 0,0 0 0,0 1 0,2 3 0,-1-6 0,0-1 0,-1-4 0,-1-6 0,-5 2 0,-2-17 0,-24-18 0,8 0 0,-17-20 0,12 12 0,-6-7 0,7 8 0,-7-7 0,14 10 0,1-6 0,3 11 0,6-4 0,15 22 0,25 27 0,-5-5 0,13 15 0,-32-34 0,6-6 0,-2-17 0,9-15 0,2-5 0,1-7 0,-5 4 0,0-1 0,4-17 0,-11 24 0,9-12 0,-20 26 0,0 9 0,-6 0 0</inkml:trace>
+  <inkml:trace contextRef="#ctx0" brushRef="#br0" timeOffset="37617">19758 9656 24575,'0'28'0,"0"4"0,0 9 0,0 4 0,0-9 0,0 1-1434,0 20 1,0 1 1433,0-11 0,0 0 0,0 6 0,0 1 0,0-1 0,0-2 0,0-9 0,0 0-72,0 2 1,0 0 71,0 22 354,0-31 0,0 1-354,0 6 0,0-1 0,0 17 0,0-23 0,0-1 1424,0 15-1424,0-7 878,0-8-878,0-10 0,0-4 0,0-13 0,0-7 0,0-13 0,0-4 0,0 0 0,0-1 0,0 5 0,0-3 0,3 2 0,0 4 0,1 2 0,-2 7 0,-2-1 0</inkml:trace>
+  <inkml:trace contextRef="#ctx0" brushRef="#br0" timeOffset="57648">9800 10739 24575,'-36'0'0,"0"0"0,-11 0 0,-6 0 0,2 0 0,-3 0 0,-3 0-1234,7 0 0,-2 0 1,-2 0-1,-1 0 1234,-9 0 0,-2 0 0,-1 0 0,4 0-579,10 0 0,2 0 0,1 0 0,0 0 579,-15 0 0,1 0 0,4 0 0,-2 0 0,4 0 603,0 0 0,0 0-603,-4 0 0,2 0 0,8 5 0,1 0-321,2-3 1,2 3 320,10 3 0,3 2 0,-27 9 0,5 4 0,1 5 0,15 0 0,0 3 0,11-7 0,0 1 0,-11 12 0,3 3 1019,13-8 1,3 1-1020,-10 17 0,1 6 0,13-14 0,2 3 0,1 1 837,-1 6 1,3 1 0,1 1-838,2 6 0,2 1 0,3-2 0,2-8 0,1-2 0,4 1 0,5 4 0,4 0 0,4-3 0,10 8 0,10-5 0,1-17 0,7-3 0,7-4 0,1-9 0,6-3 0,3-4 0,0 0-578,-2 0 0,1-2 1,1-1-1,4-1 578,-8-2 0,3-1 0,3 1 0,-1-2 0,-1 0 0,-4-1-921,7 0 0,-3-2 0,-1 0 0,1 0 921,-5 0 0,0 0 0,1 0 0,0-1 0,-1 0 0,7-1 0,1-1 0,-3-1 0,-1 1-836,7 0 1,-2 0 0,1 0 835,-10 0 0,2 0 0,-1 0 0,-3 0-321,0 0 1,-3 0-1,-1 0 321,15 0 0,2 0 0,-18-1 0,4 1 0,0-2 0,-5 0 0,14-2 0,-3-2 0,-4 0 0,2 0 0,-7-3 566,-13-2 1,-4-3-567,-1-2 0,0-2 0,5-7 0,-1-1 0,-7 5 0,0-1 0,2-3 0,-1-3 1796,3-8 0,-1-2-1796,-9 10 0,1-2 1731,10-17 1,0-2-1732,-8 10 0,-4 1 0,-3-3 0,-3-1 0,-1-8 0,-9-3 0,-10 8 0,-8-3 0,-3 0-422,-5-5 1,-5-1 0,-2 1 421,2 10 0,-2-1 0,-2 2 0,0 0 0,-10-9 0,-2 1 0,-3-1 0,1 5 0,-4-1 0,0 0 0,2 3-198,7 7 0,3 1 0,-1 1 0,-3 0 198,-1-1 0,-2 0 0,-2-1 0,2 3 0,4 3 0,-3-2 0,4 5 0,0 1 0,-16-8 0,2 6-129,13 16 1,3 4 128,-6-5 0,-9 6 0,33 8 918,2 6 1,4-4 0,5 4 0</inkml:trace>
+  <inkml:trace contextRef="#ctx0" brushRef="#br0" timeOffset="62532">12641 13870 8191,'-5'-3'0,"-9"0"5063,-18 3-5063,-10 4 2818,-22 4-2818,30-2 0,-2 1 0,-10 3 0,1 0 0,-20 4 0,31-6 0,3-1 1719,3 1-1719,2 0 6784,4-1-6784,-10 4 0,11-4 0,-6 4 0,10-4 0,3-1 0,-4 1 0,5 3 0,-1 0 0,1 4 0,-5 4 0,3-4 0,-4 13 0,0-7 0,2 11 0,-14 17 0,4 7 0,7-18 0,-1 1 0,5 2 0,1 0 0,-1-4 0,0 0 0,5 1 0,1-1 0,-1-3 0,2-2 0,0 33 0,2-15 0,7-2 0,0 4 0,0-15 0,0 15 0,7-4 0,6 2 0,8 2 0,10 6 0,-4-25 0,0 9 0,-4-16 0,-3 2 0,-1-7 0,3-2 0,-3-4 0,-1 0 0,3 1 0,-4-5 0,20 11 0,7-3 0,-9-5 0,4 2 0,7-1 0,4-2 0,3 0 0,3 0 0,-12-3 0,0 1 0,0-1-224,14 2 1,1-2 223,-13-2 0,2 1 0,0-2 0,1-2 0,2-1 0,-1-1 0,1 0 0,0 0 0,0-1 0,-1 0 0,1-2 0,-3 1-681,7 0 1,-3 0 680,-1 0 0,0 0 0,7 2 0,1 0 0,-13-1 0,1-1 0,5 2 0,-3 0 0,10-2 0,-19 0 0,2 0 0,-9 0 0,-6 0 416,-1 0-416,-4 0 1392,0 0-1392,6 0 0,-8 0 0,7 0 0,-13-3 0,3-1 0,10-9 0,-4-2 0,15-6 0,-10-2 0,9 1 0,-4-2 0,10 2 0,1 3 0,-4 8 0,2 0 0,-1 7 0,-2 0 0,4 0 0,-7 4 0,-4-3 0,-5 2 0,0-6 0,-5 6 0,0-5 0,0-2 0,-4 0 0,-1-5 0,-3-7 0,-3 0 0,-1-8 0,-3-9 0,-2-12 0,-2-12 0,-3 24 0,0 0 0,0 2 0,0 0 0,0-3 0,0 1 0,-5 1 0,-1 1 0,-3-25 0,-13 7 0,3 9 0,-6 4 0,-5-5 0,2 14 0,-1 1 0,0 2 0,0 6 0,-6-7 0,-11-8 0,4 3 0,16 13 0,0 0 0,-16-11 0,-3 0 0,0 2 0,-2 0-526,10 7 1,-6-3 0,5 4 525,-19-5 0,14 5 0,-1 1 0,8 7 0,2 2 0,0 0 0,-2 0 0,-17-2 0,-2 3 0,7 2 0,-2 1 0,5 2 0,-2 1 0,1 1 0,-9 1 0,2 2 0,2 1 0,2 0 0,7 0 0,3 0 0,-26 0 0,6 0 0,5 4 0,-4 4 0,13 0 1576,-2 4-1576,-3 3 0,17-2 0,-16 3 0,25-5 0,-2 0 0,-2 0 0,8 0 0,0-1 0,8-4 0,1 0 0,1 1 0,-2-1 0,-7 1 0,10-3 0,-6 0 0</inkml:trace>
+</inkml:ink>
+</file>
+
+<file path=ppt/ink/ink10.xml><?xml version="1.0" encoding="utf-8"?>
+<inkml:ink xmlns:inkml="http://www.w3.org/2003/InkML">
+  <inkml:definitions>
+    <inkml:context xml:id="ctx0">
+      <inkml:inkSource xml:id="inkSrc0">
+        <inkml:traceFormat>
+          <inkml:channel name="X" type="integer" min="-2.14748E9" max="2.14748E9" units="cm"/>
+          <inkml:channel name="Y" type="integer" min="-2.14748E9" max="2.14748E9" units="cm"/>
+          <inkml:channel name="F" type="integer" max="32767" units="dev"/>
+        </inkml:traceFormat>
+        <inkml:channelProperties>
+          <inkml:channelProperty channel="X" name="resolution" value="1000" units="1/cm"/>
+          <inkml:channelProperty channel="Y" name="resolution" value="1000" units="1/cm"/>
+          <inkml:channelProperty channel="F" name="resolution" value="0" units="1/dev"/>
+        </inkml:channelProperties>
+      </inkml:inkSource>
+      <inkml:timestamp xml:id="ts0" timeString="2023-06-28T07:52:28.333"/>
+    </inkml:context>
+    <inkml:brush xml:id="br0">
+      <inkml:brushProperty name="width" value="0.05292" units="cm"/>
+      <inkml:brushProperty name="height" value="0.05292" units="cm"/>
+      <inkml:brushProperty name="color" value="#FF0000"/>
+    </inkml:brush>
+  </inkml:definitions>
+  <inkml:trace contextRef="#ctx0" brushRef="#br0">9108 13052 24575,'-32'-53'0,"-1"0"0,1-2 0,-2-4 0,1 6 0,-2-4 0,0-2-2220,6 9 0,0-2 0,0-1 0,1 3 2220,-5-9 0,2 2 0,0-1 0,7 8 0,-1-2 0,1 0 0,2 2-69,-2-6 1,2 2-1,2 2 69,5 6 0,3 2 0,-1 0 505,-5-13 1,1 2-506,8 11 0,2 4-363,-3-18 363,5 8 3959,5 13-3959,0 5 2693,0-11-2693,0 9 1187,8-14-1187,5 10 599,13-2-599,4 10 0,14 0 0,-9 9 0,0 10 0,3 2 0,21-3 0,-18 10 0,0 7 0,14 30 0,-31-10 0,-4 4 0,-6 8 0,-3 1 0,-1-1 0,0-3 0,2 17 0,-5-21 0,-4-12 0,-3-11 0,0 2 0,3-5 0,-3 1 0,5-5 0,-2 3 0,3-3 0,0 0 0,0-3 0,13-13 0,3-6 0,13-13 0,11-6 0,2-2 0,0 4 0,-19 17 0,-1 1 0,14-11 0,-5 9 0,2 0 0,10-3 0,-18 11 0,1 2 0,24 8 0,-9 2 0,-15 12 0,0 3 0,10 9 0,-2 20 0,-10 12 0,-18-20 0,-1 2 0,0 8 0,-1 3 0,-5 0 0,-2 0-956,0-4 0,-2-1 956,0-2 0,-2-2 0,0-2 0,-2-1-293,-3 1 0,-3 0 293,-2 3 0,-4 0 0,-2 0 0,-2 0-1248,-2 7 0,-1 1 1248,-2-2 0,0 0 0,-2 3 0,0 1-724,-2 1 0,-2 0 724,2-2 0,-1-2 263,5-8 1,0 0-264,-2 2 0,0-2 0,-12 12 0,14-16 0,2 0 0,-11 15 475,-3-2-475,14-17 2423,-7 4-2423,9-9 1801,-7 14-1801,3 1 1216,-2 11-1216,10 8 0,5-13 0,7-13 0,4-18 0</inkml:trace>
+</inkml:ink>
+</file>
+
+<file path=ppt/ink/ink11.xml><?xml version="1.0" encoding="utf-8"?>
+<inkml:ink xmlns:inkml="http://www.w3.org/2003/InkML">
+  <inkml:definitions>
+    <inkml:context xml:id="ctx0">
+      <inkml:inkSource xml:id="inkSrc0">
+        <inkml:traceFormat>
+          <inkml:channel name="X" type="integer" min="-2.14748E9" max="2.14748E9" units="cm"/>
+          <inkml:channel name="Y" type="integer" min="-2.14748E9" max="2.14748E9" units="cm"/>
+          <inkml:channel name="F" type="integer" max="32767" units="dev"/>
+        </inkml:traceFormat>
+        <inkml:channelProperties>
+          <inkml:channelProperty channel="X" name="resolution" value="1000" units="1/cm"/>
+          <inkml:channelProperty channel="Y" name="resolution" value="1000" units="1/cm"/>
+          <inkml:channelProperty channel="F" name="resolution" value="0" units="1/dev"/>
+        </inkml:channelProperties>
+      </inkml:inkSource>
+      <inkml:timestamp xml:id="ts0" timeString="2023-06-28T08:05:29.739"/>
+    </inkml:context>
+    <inkml:brush xml:id="br0">
+      <inkml:brushProperty name="width" value="0.05292" units="cm"/>
+      <inkml:brushProperty name="height" value="0.05292" units="cm"/>
+      <inkml:brushProperty name="color" value="#FF0000"/>
+    </inkml:brush>
+  </inkml:definitions>
+  <inkml:trace contextRef="#ctx0" brushRef="#br0">14993 7222 24575,'0'34'0,"0"0"0,0 4 0,0 29 0,0-16 0,0-2 0,0 0 0,0 6 0,0-36 0,0 9 0,0 5 0,0-14 0,0 19 0,0-3 0,0-11 0,0 10 0,0-13 0,0-13 0,0 10 0,0-15 0,0 0 0</inkml:trace>
+  <inkml:trace contextRef="#ctx0" brushRef="#br0" timeOffset="1135">14958 7245 11859,'21'-25'0,"-6"9"1844,20-7 1,5 1-1845,-2 9 1224,-7 4 0,3 1-1224,4 7 0,-1 2 0,5-1 707,-6 1 0,-2 2-707,-7 4 4203,2 12-4203,-12-6 962,1 12-962,-16-14 0,-17 25 0,-8-12 0,-11 2 0,-4 0 0,8-11 0,-1-1 0,-23 7 0,0-1 0,-5 0 0,19-11 0,3 0 0,6 1 0,3-4 0,19 0 0,6-3 0,0 0 0</inkml:trace>
+  <inkml:trace contextRef="#ctx0" brushRef="#br0" timeOffset="1984">16143 6639 24575,'-38'0'0,"14"3"0,-10 17 0,0 6 0,7 2 0,8 1 0,2 4 0,3 3 0,3-2 0,3 3 0,-5-1 0,1 2 0,8-1 0,2-2 0,-7 13 0,7-8 0,1-1 0,1-5 0,6 12 0,7 2 0,17 11 0,-6-23 0,4 5 0,0-7 0,1-10 0,1-4 0,17 3 0,-3-5 0,-11-7 0,0-5 0,-27-6 0</inkml:trace>
+  <inkml:trace contextRef="#ctx0" brushRef="#br0" timeOffset="2716">16298 7024 24575,'35'27'0,"0"0"0,-5-2 0,1 2 0,15 9 0,0 1 0,-11-6 0,1-1 0,16 5 0,-2-3 0,-20-9 0,-3-4 0,11-2 0,-23-6 0,-11-10 0,-2 2 0</inkml:trace>
+  <inkml:trace contextRef="#ctx0" brushRef="#br0" timeOffset="3515">16350 7433 24575,'42'-31'0,"-9"1"0,4-6 0,2-1 0,3-4 0,-1 0-723,-2 2 0,-2-1 0,1 0 723,2-4 0,-1-1 0,-3 4 0,-5 5 0,-3 4 0,-7 2 0,-3 4 696,0 0-696,-11 14 0,0 3 0,-5 9 0</inkml:trace>
+  <inkml:trace contextRef="#ctx0" brushRef="#br0" timeOffset="4366">17018 7259 24575,'0'37'0,"0"11"0,0-21 0,0 3 0,0-15 0,0-12 0,0 0 0</inkml:trace>
+  <inkml:trace contextRef="#ctx0" brushRef="#br0" timeOffset="5182">17205 7121 24575,'30'0'0,"-3"13"0,21 3 0,-10 17 0,-12-13 0,1 3 0,-16-13 0,0 1 0,0 3 0,-7-3 0,6-1 0,-7-1 0,3-8 0,-5 4 0,4-4 0,-2 4 0,3-2 0,0 1 0,3-2 0,-5-2 0,1 0 0</inkml:trace>
+  <inkml:trace contextRef="#ctx0" brushRef="#br0" timeOffset="5865">17582 7101 24575,'0'27'0,"-8"16"0,0-2 0,0 2 0,2-6 0,0-1 0,-4 5 0,1 1 0,8-4 0,1-2 0,-4 14 0,4 16 0,0-28 0,0 10 0,0-9 0,0-9 0,0-5 0,0-17 0,-3 8 0,2-9 0,-2 5 0,1-3 0,1 0 0,-2-2 0,3-5 0</inkml:trace>
+  <inkml:trace contextRef="#ctx0" brushRef="#br0" timeOffset="6682">17649 6433 24575,'21'19'0,"8"7"0,5 4 0,4 3 0,1 0 0,-2 1 0,1 1 0,4 0 0,-6-4 0,-10-4 0,2 1 0,-3 3 0,-10 11 0,1 14 0,-16 6 0,1-26 0,-2 1 0,-2 4 0,-2 1 0,-1 11 0,-2 0 0,-5-8 0,-1-1 0,-1 6 0,-2-1 0,2-12 0,0-3 0,-12 23 0,12-28 0,5-16 0,7-10 0</inkml:trace>
+  <inkml:trace contextRef="#ctx0" brushRef="#br0" timeOffset="7450">18721 7147 8191,'36'-3'0,"-1"1"0,4 1 2368,18 1 1,4 0-2369,-15 0 0,1 0 0,-2 0 0,1 0 0,-3 0 0,-3 0 0,-5 0 2858,2 0-2858,-10 0 1759,-4 0-1759,-10 0 6662,0 0-6662,-6 0 92,-1-8 0,-3 5 0,-3-5 0</inkml:trace>
+  <inkml:trace contextRef="#ctx0" brushRef="#br0" timeOffset="8216">18814 6852 24575,'31'0'0,"8"0"0,17 0 0,-22 0 0,2 0 0,2 0 0,2 0 0,11 0 0,2 0 0,4 0 0,-1 0 0,-5 0 0,-1 0 0,-4 0 0,-4 0 0,-3 0 0,-15 0 0,-18 0 0,-4 0 0</inkml:trace>
+  <inkml:trace contextRef="#ctx0" brushRef="#br0" timeOffset="9365">19470 6642 24575,'55'0'0,"-21"5"0,0 1 0,28 4 0,-26-3 0,-3-1 0,10 4 0,-11-9 0,-19 1 0,-7 1 0,-3 0 0,-3 10 0,0 18 0,0 10 0,-4 20 0,-11 3 0,5-32 0,-2 1 0,-5 2 0,-3 0 0,2-4 0,0-2 0,-2 0 0,-1-2 0,-17 20 0,8-11 0,2-11 0,12-7 0,5-8 0,3-1 0,8-3 0,-3 0 0,0 0 0,3 0 0,-3-3 0,3-1 0</inkml:trace>
+  <inkml:trace contextRef="#ctx0" brushRef="#br0" timeOffset="12801">20482 6700 24575,'0'43'0,"0"16"0,0-8 0,0 4 0,0-3 0,0 0 0,0 13 0,0-2-456,0-23 1,0-2 455,2 3 0,0-4 224,-1 2-224,3-7 0,-4-9 0,0-6 0,0-4 0,0-3 687,0-1-687,0-14 0,0-44 0,-6 11 0,-1-6 0,1-14 0,0-4 0,-3 18 0,-1 0 0,1 2 0,1-11 0,0 3 0,-1 6 0,1 4 0,4-10 0,1 25 0,3 6 0,0 6 0,0 2 0,0-4 0,3 2 0,-3-1 0,6 1 0,3-5 0,1 7 0,8-11 0,2 9 0,8-4 0,12 10 0,26 0 0,-32 6 0,0 2 0,4 5 0,0 2 0,21 5 0,-22 9 0,-12-8 0,-13-5 0,-6-3 0,-3 0 0,0 0 0,-3 2 0,0-1 0,0 2 0,0 3 0,0-2 0,0 6 0,-6 4 0,-2-2 0,-6 2 0,0-2 0,-4 0 0,-1-3 0,-18 11 0,-7-2 0,-1 0 0,3-2 0,2-6 0,8-2 0,-4 0 0,12-6 0,14 0 0,5-5 0,5 1 0,0-2 0</inkml:trace>
+  <inkml:trace contextRef="#ctx0" brushRef="#br0" timeOffset="13767">21226 6092 24575,'-10'30'0,"-6"10"0,6-4 0,1 4 0,-1 2 0,2 1 0,2-5 0,2-1 0,1-2 0,2-2 0,1 5 0,0 10 0,0 5 0,0-15 0,0 1 0,0 25 0,0-29 0,0-2 0,4 5 0,4-1 0,4-5 0,6 1 0,3-6 0,-3 0 0,-2-13 0,-7-2 0,0-6 0,-3-3 0,0 0 0,-4-3 0</inkml:trace>
+  <inkml:trace contextRef="#ctx0" brushRef="#br0" timeOffset="15581">21453 6605 8191,'10'-1'0,"13"13"5063,12 7-5063,6 11 2818,-8-5-2818,-12-11 1719,-12-2-1719,-6-9 6784,-3 6-6784,2-3 0,2 0 0,2 3 0,-2-5 0,-1 5 0,-1-3 0,-1 0 0,4 0 0,-2-3 0,9-14 0,-4-3 0,8-9 0,-5 2 0,0 7 0,2-4 0,-5 1 0,4 6 0,-1-9 0,1 10 0,-5-3 0,1 4 0,-7 3 0,4 0 0,-4 1 0,-7 11 0,-4 8 0,-11 10 0,0 8 0,0-4 0,1 5 0,4-1 0,4 0 0,-3-4 0,0 18 0,3-20 0,1 12 0,5-17 0,2-7 0,-3 13 0,0-5 0,3 2 0,-2-8 0,5 0 0,-4-6 0,4 5 0,-1-6 0,2 0 0,0-3 0,0 2 0,0 1 0,0 4 0,0-4 0,0 1 0,0-4 0,0 0 0,0-3 0,0 0 0</inkml:trace>
+  <inkml:trace contextRef="#ctx0" brushRef="#br0" timeOffset="16581">21926 6141 24575,'0'34'0,"0"9"0,0 1 0,0 16 0,0 5 0,-2-24 0,0 2 0,2 1 0,-1 0 0,-1-4 0,0-3 0,2 23 0,0-20 0,0-12 0,0-5 0,0-7 0,0-4 0,0-3 0,0-3 0,0-3 0,0-1 0</inkml:trace>
+  <inkml:trace contextRef="#ctx0" brushRef="#br0" timeOffset="17466">22207 6608 24575,'21'34'0,"-1"5"0,14 0 0,-14-7 0,2-4 0,1-3 0,0-4 0,-1 7 0,-4-15 0,-11-3 0,2-4 0,-3 5 0,3-3 0,-2 4 0,2 0 0,-3-5 0,0 1 0,0-2 0,-3 0 0,-1-3 0,-2-1 0</inkml:trace>
+  <inkml:trace contextRef="#ctx0" brushRef="#br0" timeOffset="18332">22266 6978 12780,'-3'-11'0,"8"-16"4651,10-18-4651,-1-1 2050,8 4-2050,-3-2 0,-9 17 1141,11-18-1141,-17 26 3953,4-3-3953,-2 9 0,-2 3 0,-1 0 0,3 1 0,-3 2 0,4-5 0,1 2 0,2-5 0,3-5 0,0-11 0,-5 14 0,-2-2 0</inkml:trace>
+  <inkml:trace contextRef="#ctx0" brushRef="#br0" timeOffset="19185">22486 5996 24575,'17'39'0,"8"10"0,-7-21 0,0 1 0,2 6 0,-2 0 0,-3-5 0,-1 1 0,-1 5 0,-2 0 0,1 25 0,-7-22 0,-2 1 0,-1 1 0,0 0 0,-2 6 0,0 0 0,-2 0 0,0-1 0,2-12 0,-1-1 0,-11 28 0,7-32 0,-7 3 0,8-11 0,-2-2 0,2-6 0,-3 4 0,4-10 0,-3 7 0,5-8 0,-2 0 0,3 0 0,0 0 0,0-3 0,0 0 0</inkml:trace>
+  <inkml:trace contextRef="#ctx0" brushRef="#br0" timeOffset="23264">21946 5373 8191,'4'-3'0,"-23"0"5063,-40 3-5063,10 2 0,-7 5 0,1 3 0,-4 4 0,0 1-266,-3 3 0,0 1 0,3 1 266,8-2 0,3 0 0,-1 1 0,-8 5 0,-2 1 0,8-2 676,14-6 0,3 0-676,-23 8 0,0-1 0,23-6 0,2-1 2406,-3 0 0,0 1-2406,-8 8 0,1 0 0,9-7 0,0 1-401,-13 13 0,1 1 401,16-13 0,3-1 0,-4 8 0,1 1 4245,-13 14-4245,16-13 0,0 5 0,-1 10 0,1 5 0,-2 6 0,2 2-51,6 0 0,4-1 51,5-5 0,5-3 0,4-13 0,2 0 0,-2 3 0,0 2 0,1 14 0,2 3 0,-2-5 0,2 2 0,1-7 0,1 2 0,0-2 0,1 12 0,3-1 0,3 0 0,2-2 0,0-6 0,3-3 0,7 4 0,6-3 0,5-3 0,5-3 0,-5-10 0,3 1 0,1-3 79,0-2 0,1-1 1,1-1-80,6 3 0,3 0 0,-2-2 0,-5-5 0,0-2 0,1 0 0,7 2 0,2-2 0,-1-3 0,-2-4 0,-1-2 0,0-2-929,19 2 0,-2-3 929,0-3 0,-3-3 0,-10-3 0,-3 0 0,3 0 0,0 0 0,3 0 0,0 0 0,6-2 0,0-2 0,3-3 0,3-4 0,-10 0 0,2-2 0,0-3 0,1-2 0,0-2 0,0-1 0,-4 2 0,0-1 0,-2 0 0,-6 1 0,-1 0 0,0-1 0,-1-3 0,0-1 0,-1-1 187,-3 1 0,-1-2 0,2-1-187,10-8 0,2-3 0,-2 0 0,-11 6 0,-3 1 0,1-3 0,3-4 0,0-2 0,-4 1 0,3-6 0,-3 0 0,-2 2 0,-2 1 0,-4-2 0,-4 4 0,-5-4 0,0 5 0,-2-3 0,-7-2 0,-4-2 0,2-3 0,-2-1-735,0-7 0,-3-1 735,-4 3 0,-2 2 0,2 6 0,-2-2 0,-3-2 0,-3-5 0,-2 3 0,-1-7 0,-6-2 0,1 11 0,-5-5 0,-1-1 0,-2 2 0,0 6 0,-2 2 0,-1 0 0,-2-2-634,-1 3 0,-2-1 0,-2-1 0,1 1 0,1 3 634,-2-2 0,1 2 0,0 1 0,-2 3 0,0 2 0,-2 1 0,0 2 0,0 3 210,-7-2 0,0 5 1,-4 2-211,-7 1 0,-5 3 0,-1 2 0,9 5 0,-2 2 0,0 0 0,-1 3 0,2 3 0,-1 1 0,0 3 0,0 1 0,-15 1 0,1 2 0,2 5 0,9 4 0,2 4 0,3 5 0,7 4 0,4 5 0,3-2 0,-3 0 0,8 1 0,1 30 0</inkml:trace>
+  <inkml:trace contextRef="#ctx0" brushRef="#br0" timeOffset="26414">23866 5016 8191,'0'22'0,"0"10"5063,0 32-5063,0-11 2818,0-11-2818,0-19 1719,33-17-1719,25 0 3392,-17-6 0,3 0-3392,10 1 0,1-2 0,-9-6 0,-3-2 0,-4 3 0,-3-3 0,16-16 0,-19-18 0,-16 19 0,2-22 0,-16 10 0,-6 1 0,-5-5 0,-6-3 0,-6 3 0,-22 11 0,14 12 0,-2 1 0,-31-3 0,15 10 0,-19 4 0,6 5 0,4 0 0,-11 0 0,15 23 0,8-6 0,-2 24 0,24 8 0,7 8 0,21-19 0,9-1 0,7-1 0,7-5 0,16-5 0,6-6 0,9-2 0,1-8 0,-6-10 0,0-8 0,3-8 0,-4-9 0,-13-6 0,-5-4-357,-5 3 1,-4-2 356,-9 1 0,-3 1 0,6-11 0,-12 9 0,1 6 0,-8 14 0,-3 4 0,0 4 713,2 3-713,2 6 0,3 18 0,9 14 0,0 9 0,2 7 0,8 7 0,1 4 0,-8-17 0,0 1 0,0 1 0,0 2 0,0 1 0,-1-4 0,1 5 0,-2-5 0,-3-2 0,-1-4 0,5 7 0,-10-17 0,-3-14 0,-10-6 0,-6-15 0,-14-19 0,-3-23 0,11 19 0,1-3-542,2-3 0,3-1 542,-9-23 0,10 22 0,1 0 0,-1-24-291,4 25 1,1-1 290,1-26 0,4 12 0,0 6 0,0 7 0,3-1 1051,11 3-1051,8 2 614,19 11-614,4 11 0,9 7 0,-4 15 0,-8 7 0,-12 16 0,-16-7 0,-8 4 0,-6-11 0,-6-1 0,-5 1 0,-7-10 0,-9 1 0,4-3 0,-4-1 0,9-3 0,1 0 0,3-4 0,1 0 0,3 0 0,4-13 0,7-4 0,21-20 0,-2 8 0,4 0 0,0 6 0,2-2 0,20-21 0,1-3 0,-14 19 0,-2 0 0,11-15 0,-1 0 0,-13 15 0,-3 2 0,8-23 0,-8 18 0,-18 9 0,-1 12 0,-6 38 0,4 11 0,1 7 0,1 3 0,1 2-1160,2 4 1,1 0 1159,0-8 0,1-3 0,8 17-218,-9-23 0,0-1 218,8 16 0,-5-9 0,-2-18 0,-4-2 0,0-12 2263,-4 2-2263,0-11 492,-12-4-492,-1-8 0,-10-2 0,6 7 0,2 3 0,24-3 0,-2-2 0,17-6 0,-3-10 0,16-13 0,-11-5 0,0 7 0,-3-1 0,-4-3 0,7-9 0,-20 28 0,-2 6 0,2 4 0,-3 5 0,2 11 0,7 23 0,3 8 0,2 17 0,-5-15 0,-4-11 0,-2-8 0,-2-10 0,0 2 0,-2-6 0,-4 0 0,1-2 0,-2-2 0</inkml:trace>
+  <inkml:trace contextRef="#ctx0" brushRef="#br0" timeOffset="26931">25670 4644 24575,'0'0'0</inkml:trace>
+  <inkml:trace contextRef="#ctx0" brushRef="#br0" timeOffset="29296">25909 4820 24575,'0'39'0,"0"6"0,4 11 0,-4-5 0,7-15 0,-7-30 0,3-40 0,-3-7 0,0-17 0,0 16 0,0 9 0,3 0 0,4 0 0,1 17 0,5-4 0,3 14 0,8 2 0,20 8 0,-15 19 0,-1 7 0,3-2 0,-1 4 0,7 22 0,-4 4 0,-8-14 0,-3-2 0,-1-1 0,-2-2 0,3 11 0,-11-22 0,-5-20 0,-3-13 0,-6-13 0,-1-18 0,0 11 0,0-11 0,4 14 0,0 0 0,0 0 0,0 0 0,0 3 0,4-2 0,2 7 0,5-4 0,2 5 0,1-1 0,9 1 0,-7 2 0,17 4 0,-11 4 0,5 3 0,-1 0 0,-9 12 0,4 16 0,-7 19 0,5 7 0,-6-9 0,1-9 0,-7-18 0,0-1 0,-1-7 0,0-1 0,3 0 0,4-5 0,0 1 0,3-5 0,-6-6 0,4-5 0,-3-11 0,4-1 0,0-4 0,-4 9 0,8-8 0,-7 13 0,13-3 0,-1 13 0,20 10 0,12 6 0,-22-3 0,2 1 0,1-2 0,1-1 0,-3-1 0,0-2 0,19-1 0,-12-4 0,-5-14 0,-16-1 0,4-12 0,-18 3 0,-4 1 0,-14 0 0,-11-1 0,-8 7 0,-11-3 0,-3 11 0,6-7 0,-5 10 0,11-4 0,8 9 0,2-6 0,12 6 0,1-2 0,23 32 0,9-1 0,15 18 0,-1-12 0,-6-14 0,-8-7 0,0-6 0,-1-5 0,-4-2 0,1 0 0,8 0 0,0-13 0,8-6 0,-3-23 0,-10 1 0,-3-20-590,-1 3 590,-12 22 0,-1-3-1071,3-3 0,-1-1 1071,-1 1 0,-2-2-776,0-15 0,-1-1 776,-1 14 0,0 0-260,-1-4 0,-2 2 260,1-16 465,0 25-465,-6-2 1948,-4 27-1948,-10-5 1734,0 19-1734,-4 26 657,13 29-657,4-11 0,4 5 0,2-5 0,2 3 0,3 0-145,5 3 1,3 0 0,2 0 144,-1 6 0,1 0 0,3-1 0,4-6 0,1-3 0,1-1 0,-3-3 0,1-2 0,-1-3 0,6 4 0,0-5 0,14 9 0,-13-19 0,-11-20 0,-13-3 0,0-3 0</inkml:trace>
+  <inkml:trace contextRef="#ctx0" brushRef="#br0" timeOffset="30897">25071 6213 8191,'4'23'0,"-1"33"2315,-3-10 1,0 6-2316,0 10 0,0 0 1435,0-10 0,0-3-1435,0-4 0,0-4 1772,0 11-1772,0-28 6622,0-10-6622,0-7 489,0 1-489,0-2 0,0 3 0,2-8 0,5-12 0,9-11 0,-1-7 0,2 5 0,-8 11 0,-2 7 0,-1 0 0,6 6 0,1-3 0,1 3 0,1 0 0,-5 0 0,0 0 0,3 0 0,-3 0 0,0 6 0,3 5 0,-5 7 0,9 14 0,-8-8 0,8 7 0,-6-3 0,3 1 0,0 3 0,-4-8 0,2-5 0,-2-10 0,2-3 0,6-3 0,6-3 0,8-6 0,-6 1 0,-3-8 0,-10 6 0,0-3 0,-2 0 0,-1 0 0,-7 2 0,0 2 0</inkml:trace>
+  <inkml:trace contextRef="#ctx0" brushRef="#br0" timeOffset="32931">25626 6737 24575,'0'26'0,"0"8"0,7 16 0,4-4 0,7-10 0,6-15 0,-4-9 0,15-8 0,3-2 0,-2-8 0,1-7 0,-14-7 0,1-4 0,-8 1 0,3 0 0,-11 1 0,2 4 0,-3 1 0,-1 7 0,1 0 0,-4 4 0,6 27 0,4 14 0,4 9 0,2 1 0,4 4 0,2 3-559,-2-3 1,2 2 0,1 1 0,0-2 558,-2-3 0,1-2 0,0 0 0,0-1 0,8 12 0,0-2 0,-4-5 0,-4-5 0,-2-5 0,-3-7 0,-3-4 0,-6-4 0,-5-12 0,-9-8 0,-36-2 0,-18-28 0,25 18 0,-1-2 1116,0-11 1,3-3-1117,-6-12 0,10 6 0,3-7 0,13 0 0,5 2 0,2-22 0,2 22 0,2-2 0,7-5 0,4-2 0,1-9 0,3 1 0,7 6 0,3 3 0,-3 5 0,0 3 0,17-17 0,-15 23 0,-5 12 0,-14 8 0,2 5 0,-5 2 0,4 11 0,12 37 0,2 6-464,-3-8 1,2 1 463,10 15 0,-13-23 0,1-1 0,15 18-231,-16-25 0,0 0 231,12 22 0,-4-16 0,-9-3 0,1-12 0,-6-5 0,-2-3 0,-6-6 905,0-3-905,-25-44 242,4 4 0,-3-6-242,-7-15 0,-1-2 0,2 2 0,1 2 0,5 10 0,2 2 0,8 5 0,2 2 0,-8-12 0,8-7 0,5 18 0,4 13 0,3-2 0,17 6 0,8 2 0,10 0 0,-5 8 0,-6 4 0,5 6 0,-8-2 0,8 3 0,-14 3 0,-1 4 0,-7 3 0,0 8 0,-2 0 0,-1 4 0,-3-4 0,-1 3 0,-3-1 0,-3 5 0,-10-4 0,-16-4 0,-9-11 0,-11-2 0,16-4 0,6-5 0,17-9 0,4-4 0,6-6 0,12-4 0,1 4 0,28-21 0,7 3 0,-7 4 0,-3 9 0,-28 23 0,-1 0 0,-5 5 0,-2-1 0</inkml:trace>
+  <inkml:trace contextRef="#ctx0" brushRef="#br0" timeOffset="33731">27050 6843 8191,'8'4'0,"-17"-2"5063,11-2-5063,-20 0 2818,11 0-2818,3 3 1719,7-3-1719,6 5 1696,1-4 0,-4 2 0,-4-3 0</inkml:trace>
+  <inkml:trace contextRef="#ctx0" brushRef="#br0" timeOffset="40334">14533 6552 8191,'-2'-8'0,"7"0"5063,18-4-5063,6 8 2818,2-3-2818,-2 7 1719,-12 0-1719,-4 0 6784,-7 0-6784,0 0 0,0 3 0,-3 7 0,-1 7 0,-2 7 0,0 3 0,0-4 0,0-3 0,0-5 0,0-5 0,0-2 0,6-5 0,1 0 0,5-3 0,2-3 0,-1-1 0,0-3 0,1 1 0,8-4 0,-7 3 0,4-2 0,-4 2 0,-4 0 0,-1 4 0,-4 0 0</inkml:trace>
+  <inkml:trace contextRef="#ctx0" brushRef="#br0" timeOffset="41083">14858 6871 24575,'3'0'0,"-1"0"0</inkml:trace>
+  <inkml:trace contextRef="#ctx0" brushRef="#br0" timeOffset="42699">15344 6860 24575,'0'0'0</inkml:trace>
+  <inkml:trace contextRef="#ctx0" brushRef="#br0" timeOffset="43133">14913 6947 24575,'-20'0'0,"3"0"0,6 0 0,5 0 0</inkml:trace>
+  <inkml:trace contextRef="#ctx0" brushRef="#br0" timeOffset="43666">14548 7678 8191,'-4'10'0,"1"7"5063,3-2-5063,0 11 2818,0-1-2818,0-2 429,0-3 1,0-10 0,0-5 0</inkml:trace>
+  <inkml:trace contextRef="#ctx0" brushRef="#br0" timeOffset="44217">14920 8105 8191,'-2'4'0,"6"-2"5063,7-2-5063,1 0 2818,15 0-2818,-9 0 0,-6 0 0,-2 0 0</inkml:trace>
+  <inkml:trace contextRef="#ctx0" brushRef="#br0" timeOffset="44751">15506 7749 8191,'0'-6'0,"0"-17"5063,3 0-5063,4-24 0,2-4 0,2 1 0,-6 17 0,-2 14 0</inkml:trace>
+  <inkml:trace contextRef="#ctx0" brushRef="#br0" timeOffset="45466">15564 6995 24575,'0'-12'0,"0"-3"0,0 2 0,0 3 0,0-6 0,0 9 0,0 1 0,0 3 0</inkml:trace>
+  <inkml:trace contextRef="#ctx0" brushRef="#br0" timeOffset="104632">15720 11417 24575,'0'13'0,"0"11"0,0 15 0,0 6 0,0 15 0,0-25 0,0 2 0,0 2 0,0 2 0,0 3 0,0 0 0,0-4 0,0-1 0,0 18 0,0 4 0,0-27 0,0 8 0,0-10 0,0-4 0,0-4 0,0-8 0,0-3 0,0 0 0,0 1 0,0 3 0,3-3 0,0 3 0,4-3 0,0-1 0,-4 0 0,3-3 0,-5 0 0,1-2 0,-2-4 0,0 2 0</inkml:trace>
+  <inkml:trace contextRef="#ctx0" brushRef="#br0" timeOffset="105598">16022 11858 24575,'-15'0'0,"-4"0"0,-9 3 0,4 4 0,-14 4 0,12 10 0,-5-9 0,13 4 0,2-9 0,10-1 0,21 0 0,-3 4 0,29 7 0,-2 5 0,7 9 0,-12-11 0,1 0 0,17 20 0,-22-20 0,0-1 0,9 12 0,-10-10 0,-5-2 0,-11-9 0,-3 0 0,-4-4 0,0 0 0,0-3 0,-3 2 0,0-1 0,-3-1 0,0 0 0</inkml:trace>
+  <inkml:trace contextRef="#ctx0" brushRef="#br0" timeOffset="107116">16442 12066 24575,'-13'0'0,"4"7"0,18 24 0,9 0 0,12 13 0,-2-23 0,4-2 0,2-1 0,1 0 0,0-2 0,1-2 0,26 6 0,-20-16 0,-4-4 0,0 0 0,-6 0 0,-1-7 0,-11-5 0,7-13 0,-11 5 0,3-6 0,-5-2 0,-6-7 0,-1 1 0,-7 2 0,-8-4 0,-19-2 0,6 11 0,-2 1 0,-8 2 0,-2 2 0,1 1 0,-2 4 0,1 4 0,1 4 0,-23-1 0,12 10 0,11 0 0,7 12 0,-1 15 0,10 16 0,2 1 0,14-3 0,0 1 0,0-13 0,6 4 0,2-19 0,5-2 0,0-4 0,7 1 0,-6-5 0,6-1 0,3-3 0,3-17 0,11-4 0,-4-15 0,-1-1 0,-6-2 0,-5-1 0,-3-1 0,-4 6 0,-7 11 0,-1 5 0,-3 12 0,-2-1 0,4 7 0,-2 4 0,3 8 0,1 11 0,1 6 0,10 13 0,3 8 0,13 2 0,-4-6 0,2-13 0,-8-12 0,2-7 0,1-3 0,8 0 0,5 2 0,4 2 0,-4 1 0,-1-1 0,-13-3 0,-3-1 0,-16-7 0,-1 0 0</inkml:trace>
+  <inkml:trace contextRef="#ctx0" brushRef="#br0" timeOffset="108665">17478 11854 24575,'-3'19'0,"0"5"0,3 12 0,0 4 0,-3 0 0,5-5 0,5-10 0,10-6 0,3-12 0,4-1 0,-7-6 0,0 0 0,5 0 0,-7 0 0,10 0 0,0-3 0,2-5 0,-4-3 0,1-4 0,-15 2 0,4-5 0,-3 6 0,-2-8 0,2-5 0,-6-14 0,-19-12 0,-23-2 0,12 29 0,-4 3 0,-6 0 0,-3 4 0,4 7 0,0 3 0,-31-4 0,11 13 0,18 15 0,19 28 0,18-10 0,6 0 0,0-2 0,4 0 0,7 4 0,7-4 0,2-9 0,3-4 0,6 1 0,0-2 0,-1-5 0,0-2 0,23-1 0,-20-11 0,-10-3 0,1-14 0,-9 1 0,1-12 0,-9 6 0,0 4 0,-5 3 0,-2 6 0,-1 3 0,-3 0 0,0 5 0,3 32 0,7 5 0,8 20 0,3 7 0,-2-13 0,1 1 0,-2-6 0,1 3 0,-1-3 0,-1 2 0,-2-4 0,-2-8 0,-2-4 0,-3 5 0,-2-13 0,-6-10 0,-3-1 0,-4-5 0,-3 3 0,-7-3 0,-2 0 0,-3 0 0,0-3 0,4-1 0,1-3 0,0 0 0,5 0 0,-4 0 0,6 0 0,-4-6 0,4-1 0,0-11 0,3-10 0,2-15 0,2 6 0,3-3 0,10 3 0,3-1 0,1-9 0,4 1 0,11 7 0,3 4 0,-3 3 0,1 4 0,-1 5 0,-1 4 0,2-1 0,-11 14 0</inkml:trace>
+  <inkml:trace contextRef="#ctx0" brushRef="#br0" timeOffset="110115">18162 11816 8191,'-7'-1'0,"1"9"5063,6 6-5063,0 4 2818,0-1-2818,0-4 1719,9 4-1719,6-3 6784,9-4-6784,11-4 0,-2-6 0,6 0 0,-7 0 0,-1-9 0,-7-9 0,-6-23 0,-8-1 0,-7-16 0,-10 4 0,-6 22 0,-3 0 0,-5 3 0,-2 3 0,-26-13 0,2 16 0,15 18 0,4 2 0,-3 3 0,8 0 0,0 0 0,6 6 0,3 5 0,3 17 0,-1 11 0,7 6 0,1-2 0,3-10 0,2 1 0,3 10 0,8 20 0,22-14 0,8-18 0,15 1 0,1-22 0,-6-29 0,-12 3 0,-11-18 0,-11 1 0,-3 9 0,1-5 0,-9 16 0,-2 13 0,-1 12 0,1 29 0,9 18-518,-4-22 1,1 2 517,4 5 0,2 0-797,-1 1 0,2 1 797,3 3 0,1-1 0,-8-8 0,0-1-398,7 3 1,-1-2 397,-9-8 0,0-2 0,5 2 0,0-1 0,7 29 0,-6-22 907,0 0-907,-12-21 1604,1 1-1604,-16-6 913,-12 1-913,-16-7 0,-8 0 0,2-20 0,14-14 0,9-20 0,15 14 0,4-3 0,0 1 0,0 0 0,2-26 0,4 22 0,4 0 0,4 6 0,3 1 0,-1-5 0,1 1 0,18-18 0,-13 22 0,-12 20 0,-2 2 0</inkml:trace>
+  <inkml:trace contextRef="#ctx0" brushRef="#br0" timeOffset="111382">18734 11017 24575,'0'49'0,"0"1"0,0 6 0,0 3 0,0-15 0,0 2 0,0-2-1097,0 12 1,0-3 1096,0-5 0,0-4 0,0 7 703,0-1-703,0-18 362,0-5-362,0-5 0,0-8 0,0 2 1128,0-9-1128,0 1 0,0-2 0,6-3 0,0 5 0,6-4 0,1 7 0,2-1 0,-2-1 0,-1-3 0,-3 0 0,-3-6 0,-1 3 0,1-1 0,0 2 0,3 2 0,11 4 0,-1 0 0,4 3 0,-10-4 0,-5 0 0,1-3 0,-5 0 0,4-3 0,-2 2 0,3-4 0,3 1 0,3-2 0,4 0 0,-1 0 0,1-6 0,-6-8 0,-5 5 0,-2-3 0</inkml:trace>
+  <inkml:trace contextRef="#ctx0" brushRef="#br0" timeOffset="112601">19167 11794 24575,'21'0'0,"8"-4"0,11-6 0,-4-5 0,-8-3 0,-9 5 0,-12 1 0,-5 5 0,-5 1 0,-7 0 0,0 6 0,-3-3 0,-1 0 0,-2-1 0,-4 0 0,0 2 0,-3 2 0,0 0 0,3 3 0,-4 6 0,4 12 0,3 8 0,-1 6 0,7-3 0,1-2 0,4-6 0,2-7 0,1-2 0,3-2 0,0 1 0,0 2 0,0 0 0,0-2 0,0 2 0,0-3 0,0 1 0,3-1 0,0 0 0,4-2 0,2 4 0,1-7 0,0 4 0,8-3 0,-3 1 0,11 0 0,1-3 0,1-4 0,6-3 0,-10 0 0,6 0 0,-18 0 0,0 0 0</inkml:trace>
+  <inkml:trace contextRef="#ctx0" brushRef="#br0" timeOffset="113282">19607 12134 24575,'0'0'0</inkml:trace>
+  <inkml:trace contextRef="#ctx0" brushRef="#br0" timeOffset="114149">20367 11752 8191,'-5'0'0,"-18"0"5063,-19 0-5063,-12 3 0,13 4 2818,6-2-2818,15 10 1719,4-10-1719,-2 12 6784,14 0-6784,-2 19 0,6-8 0,0 12 0,0-7 0,7 0 0,6 0 0,8-1 0,2-11 0,1 3 0,-6-10 0,-1-3 0,-3-2 0,5-5 0,-4-1 0,4-3 0,-6 0 0,1 0 0,9-10 0,-2-4 0,-2 1 0,-7 1 0</inkml:trace>
+  <inkml:trace contextRef="#ctx0" brushRef="#br0" timeOffset="116915">20704 11776 24575,'0'33'0,"0"-6"0,0 14 0,0-19 0,0 13 0,0-21 0,0 0 0,0-5 0,0-3 0,6 1 0,2-1 0,9-2 0,1 5 0,0-7 0,-1 4 0,0-2 0,8-4 0,4 3 0,-1-3 0,0 0 0,-12-3 0,7-9 0,-5-10 0,3-13 0,-7-6 0,-7-7 0,-7 2 0,-16 5 0,3 12 0,-14 12 0,3 4 0,-10 8 0,8-1 0,-5 6 0,13 0 0,-4 0 0,0 0 0,-1 0 0,-14 9 0,12 2 0,-6 4 0,19-3 0,9-6 0,0 0 0,3 6 0,0 1 0,6 7 0,11-3 0,9-1 0,9-8 0,4-2 0,-2-6 0,-4 0 0,-5-6 0,-10-6 0,4-3 0,-7-7 0,3 7 0,2-15 0,-7 13 0,6-10 0,-12 14 0,3-1 0,-3 1 0,-1 5 0,1-4 0,-4 8 0,9 32 0,5 17 0,-2-2 0,1 2 0,-2-9 0,0-3 0,-1-1 0,-1-1 0,7 12 0,-8-16 0,1-2 0,-7-13 0,-5-6 0,0-7 0,0-7 0,0-14 0,0-5 0,0-1 0,0-3 0,0 3 0,0-4 0,0-5 0,0 2 0,10-4 0,11 12 0,9 4 0,17 14 0,-9 3 0,5 12 0,-13 15 0,-6 6 0,-10 12 0,-7-14 0,-4-5 0,-3-8 0,0-5 0,0 3 0,0-4 0,0 0 0,0-1 0,0 7 0,0-2 0,0 9 0,0-7 0,0 1 0,6-16 0,1-8 0,3-20 0,0-2 0,-3-2 0,-1 4 0,3 7 0,1 5 0,6 0 0,15 4 0,8-1 0,5 4 0,-7 1 0,4 7 0,-19 0 0,13 4 0,-21 0 0,0 0 0,-6 0 0,-2 0 0,-2 10 0,-2 2 0,-2 15 0,4 0 0,-3 4 0,2 1 0,-3 0 0,3-5 0,-2 6 0,5-8 0,-5-1 0,2-5 0,-3-10 0,0 0 0,0-6 0,0 0 0</inkml:trace>
+</inkml:ink>
+</file>
+
+<file path=ppt/ink/ink12.xml><?xml version="1.0" encoding="utf-8"?>
+<inkml:ink xmlns:inkml="http://www.w3.org/2003/InkML">
+  <inkml:definitions>
+    <inkml:context xml:id="ctx0">
+      <inkml:inkSource xml:id="inkSrc0">
+        <inkml:traceFormat>
+          <inkml:channel name="X" type="integer" min="-2.14748E9" max="2.14748E9" units="cm"/>
+          <inkml:channel name="Y" type="integer" min="-2.14748E9" max="2.14748E9" units="cm"/>
+          <inkml:channel name="F" type="integer" max="32767" units="dev"/>
+        </inkml:traceFormat>
+        <inkml:channelProperties>
+          <inkml:channelProperty channel="X" name="resolution" value="1000" units="1/cm"/>
+          <inkml:channelProperty channel="Y" name="resolution" value="1000" units="1/cm"/>
+          <inkml:channelProperty channel="F" name="resolution" value="0" units="1/dev"/>
+        </inkml:channelProperties>
+      </inkml:inkSource>
+      <inkml:timestamp xml:id="ts0" timeString="2023-06-28T08:10:51.314"/>
+    </inkml:context>
+    <inkml:brush xml:id="br0">
+      <inkml:brushProperty name="width" value="0.05292" units="cm"/>
+      <inkml:brushProperty name="height" value="0.05292" units="cm"/>
+      <inkml:brushProperty name="color" value="#FF0000"/>
+    </inkml:brush>
+  </inkml:definitions>
+  <inkml:trace contextRef="#ctx0" brushRef="#br0">1817 13180 24575,'0'-45'0,"0"-2"0,0-15-1783,0-1 1783,0 25 0,0-1 0,0 1 0,0 0 0,0-28 0,0 27 0,0 0 0,0-21 0,0 22 0,0 0 0,0 2 0,0 2 543,0-24-543,0-2 303,0-3-303,0 29 0,0 0 0,0-4 0,0 1 0,0 1 0,0 2 911,0-25-911,0-4 13,0 29 0,0-1-13,0-3 0,0 0 0,0-5 0,0-1 0,0 1 0,0 0 0,0-19 0,0 1 0,0 23 0,0 0 0,0-13 0,0 15 0,0-10 0,0 19 0,0-4 0,0 8 0,0-13 0,0 11 0,0-6 0,0 12 0,0 2 0,0-6 0,0 1 0,0-5 0,3 1 0,-2 2 0,2 1 0,-3 3 0,0 8 0,0 3 0,0 3 0,0 0 0,-3 3 0,-9 3 0,-6 17 0,-3-4 0,0 14 0,2-7 0,0 5 0,-1-5 0,5-2 0,5-6 0,1-2 0,3-4 0,0-4 0,3 1 0,-2-2 0,4-1 0,-1-3 0,2-6 0,2 0 0,5-10 0,3-1 0,0-7 0,2 7 0,-5 1 0,-1 9 0,-1 2 0,-4 2 0,4 3 0,-2 0 0,3 3 0,0 0 0,-3-3 0,2 3 0,-1-3 0,2 3 0,0 0 0,0 0 0,0 0 0,3 0 0,0 0 0,6 0 0,-1 0 0,-2 3 0,4 3 0,-3 4 0,7 3 0,-4-1 0,-1-2 0,-3 1 0,-2-4 0,-2 1 0,-2-2 0,-3-1 0,-1-1 0,-2-2 0</inkml:trace>
+  <inkml:trace contextRef="#ctx0" brushRef="#br0" timeOffset="5032">9848 8316 24575,'0'12'0,"0"4"0,0 7 0,0 0 0,0 12 0,0 14 0,0 12 0,0-19 0,0 3 0,0 1 0,0 2 0,-1 11 0,2 1 0,1 5 0,1 0 0,0 0 0,-1-1 0,2 3 0,-1-1 0,-1-6 0,0-1 0,-2-3 0,0 0 0,0 2 0,0-1 0,0-7 0,0-1 0,0 0 0,0 0 0,0-2 0,0-3 0,0 14 0,0-4 0,0-26 0,0-1 0,0 4 0,0-8 0,0 3 0,0 1 0,0-4 0,0 7 0,0-7 0,0 8 0,0-8 0,0 14 0,0-7 0,0 3 0,0-10 0,0-8 0,0-5 0,0-2 0,0-2 0,0-1 0,0 1 0,0 0 0,0 3 0,0-3 0,0 3 0,0 0 0,0 1 0,0 4 0,0 3 0,0 7 0,0 4 0,0 1 0,0-3 0,0 1 0,0-4 0,0 17 0,0-12 0,0 11 0,0-19 0,0-4 0,0-25 0,0-1 0,0-13 0,-7-8 0,-4 0 0,-1 1 0,-1 3 0,3 13 0,3 4 0,-3-2 0,6 5 0,-1-3 0,1 4 0,-2 0 0,0 0 0,0 0 0,0 0 0,3 1 0,-2-1 0,4 0 0,-4 2 0,2-1 0,-1 2 0,-1 0 0,2-2 0,-3 2 0,0-3 0,0-3 0,3 3 0,-2 0 0,4 1 0,-2 7 0,3 5 0,4 12 0,4 28 0,12 4 0,-12-19 0,1 0 0,14 22 0,-9-13 0,-1-10 0,-2-12 0,-3-4 0,-2-3 0,-2-2 0,1-4 0,-4-9 0,4-18 0,0-3 0,3-13 0,3-9 0,1 5 0,3-9 0,-2 22 0,-5 5 0,0 16 0,-8-1 0,3 8 0,-3-3 0</inkml:trace>
+  <inkml:trace contextRef="#ctx0" brushRef="#br0" timeOffset="31663">23904 11027 24575,'-23'28'0,"1"1"0,2 3 0,2 2 0,0 2 0,4 0 0,6 2 0,2-1 0,-6 19 0,12-21 0,0-13 0,0-11 0,0-1 0,0-1 0,0 0 0,-2-2 0,7 3 0,8-3 0,10 0 0,9-3 0,10 0 0,3-4 0,16 0 0,-14 0 0,-6-1 0,1-2 0,9-7 0,-14 6 0,1-2 0,19-10 0,-7 1 0,0-1 0,-7-5 0,-11 0 0,-5-7 0,-9-2 0,-5 1 0,-8-21 0,-2-7 0,-15-1 0,-2-3 0,-12 25 0,1 3 0,-18-4 0,5 14 0,-10-4 0,6 13 0,3 6 0,-8 4 0,12 4 0,0 0 0,-18 0 0,17-1 0,-1 2 0,-27 15 0,5 10 0,25-4 0,4 6 0,8 5 0,6 2 0,4-2 0,4 2 0,2 7 0,4-1 0,8 17 0,2 0 0,12-28 0,13-13 0,13-22 0,-8-27 0,-1-13 0,3-4 0,-3-5-1447,-13 11 1,-2-2 0,0-4 1446,0 0 0,1-4 0,-1 0 0,-4 5 0,0-11 0,0-1-731,-2 9 1,3-5-1,1-1 1,-4 5 730,-1 4 0,-3 4 0,0 0 0,0-1 0,0 0 0,-1 0 0,3-3 0,1 1 0,-3 3-433,-2 1 1,-2 2 432,6-14 0,1 1-95,-5 20 1,-1 2 94,6-30 3270,-3 28-3270,-4 0 3412,-4 19-3412,-5 27 0,-4 46 0,2-8 0,1 6 0,0-12 0,0 2 0,1 4-1341,1 2 1,-1 5 0,1-1 0,1-3 1340,2-3 0,1-3 0,-1 2 0,0 14 0,0 2 0,4-4 105,7 2 0,2 0-105,-4-11 0,1 3 0,-1-2 0,2 7 0,0-1-255,0 7 1,-1-8 254,-5-14 0,0-12 0,-4-5 6533,0-13-6533,-4 3 0,0-10 0,2 2 190,-1-3 0,2-3 0,-3 0 0</inkml:trace>
+  <inkml:trace contextRef="#ctx0" brushRef="#br0" timeOffset="34262">25002 11562 24575,'45'-25'0,"0"-5"0,-2-11 0,-17 17 0,-2 0 0,7-18 0,-1 8 0,-20 17 0,-6 7 0,2 0 0,-6 4 0,3-7 0,-3 2 0,-6-6 0,-19 7 0,-21 0 0,-10 5 0,-7 2 0,17 3 0,9 5 0,16 13 0,12 20 0,9 13 0,12 4 0,10-7 0,-3-20 0,4-2 0,29 16 0,-21-18 0,0-2 0,20 3 0,-10-14 0,-10-7 0,-8-4 0,4 0 0,5-7 0,1-7 0,3-7 0,-4-5 0,-1-13 0,-9 13 0,9-21 0,-7-1 0,3-13 0,-14 24 0,-2-1 0,-1 2 0,-3 2 0,1-26 0,-4 14 0,-4 15 0,-9 14 0,-2 7 0,-12 7 0,0 3 0,-1 0 0,4 0 0,7 0 0,1 9 0,4 7 0,1 16 0,4 6 0,3 17 0,9 10 0,5-23 0,6 5 0,0-3-1405,5 8 0,4 0 1405,2-2 0,3 3 0,0-3 0,-7-12 0,0-2 0,0-2 0,16 18 0,0-3 0,-7-5 0,-2-4 0,-7-12 0,-3-5 0,5 4 0,-30-35 0,-35-37 0,10 12 0,-3-3 0,0 2 0,-3-1 0,3 2 979,-2-2 0,2 1-979,-4-1 0,3 2-431,-6-2 431,10 12 0,6 4 0,11 15 0,3-1 0,2 2 833,1-3-833,3 0 450,16-7-450,2 4 0,12-12 0,16-4 0,3-17 0,-18 15 0,2-2 0,-3 0 0,-1-2 0,-4-1 0,-4-2 0,-3 1 0,-3 0 0,-3-2 0,-4-1 0,-3 1 0,-2 0 0,0 0 0,-2 1 0,-1-11 0,-6 8 0,-4 17 0,-4 6 0,-2 1 0,2 6 0,4 1 0,-3 2 0,7 1 0,-7 0 0,6 3 0,-6 0 0,6 0 0,-2 0 0,0 0 0,1 16 0,1 7 0,4 12 0,3 5 0,9 24 0,-4-24 0,4 2 0,8 4 0,3 0 0,2-7 0,0 1 0,1 8 0,1 0 0,-4-11 0,-2-5 0,5 10 0,-12-15 0,-3-8 0,-7-2 0,5-1 0,1 15 0,4 1 0,11 21 0,-5-18 0,5 6 0,0-4 0,-2-2 0,-1-1 0,-6-11 0,-7-13 0,1 0 0,-1-4 0,-3 0 0,-12-27 0,-12-8 0,4-1 0,-1-3 0,0 3 0,-1 1 0,-12-19 0,11 11 0,8 26 0,10 3 0,10 8 0,7 0 0,3 0 0,3-7 0,-4-1 0,1-6 0,-4-3 0,-7 9 0,-4-2 0</inkml:trace>
+  <inkml:trace contextRef="#ctx0" brushRef="#br0" timeOffset="34930">27014 10506 8191,'0'29'0,"-9"24"0,-4 13 392,3-7 1,-2 4 0,0 1-393,1-9 0,-1 2 0,0 0 0,0 0 0,0-1 0,0-1 0,1 0 0,1-3 0,0 7 0,1-3 0,1-1 0,0-5 0,-1 0 0,3-3 1131,1 9 0,1-3-1131,-4 2 0,1-2 0,6-10 0,1-2 0,-3-4 0,1-3 0,2 29 534,0-44 1,0-9 0,0-7 0</inkml:trace>
+  <inkml:trace contextRef="#ctx0" brushRef="#br0" timeOffset="36480">27278 11590 24575,'0'25'0,"0"14"0,4 11 0,2 2 0,-4-18 0,2 0-956,3 22 0,0-1 956,3 3 0,-1-2 0,3-6 617,-6-18-617,1-5 316,-4-12-316,-3 1 0,3-14 0,-3-11 979,0-38-979,3 15 0,2-4 0,-1-14 0,2-1 0,2 3 0,1 1 0,0 2 0,0 3 0,9-20 0,0 18 0,0 22 0,-5 6 0,5 10 0,-3-1 0,5 3 0,-4 2 0,-3 2 0,0 0 0,1 2 0,0 9 0,-3 8 0,3 9 0,-5 9 0,3 1 0,1 5 0,-4 1 0,4-2 0,-1 16 0,0-7 0,3 0 0,-6-19 0,-3-13 0,-4-12 0,1-2 0,7-29 0,-6-11 0,-1-2 0,0-2 0,1-19 0,-3-6 0,10 13 0,-3 14 0,3-2 0,-1 16 0,-3 13 0,2 0 0,1 7 0,4 0 0,3 3 0,-3 0 0,4 0 0,-5 0 0,0 0 0,3 0 0,1 5 0,0 13 0,-1 7 0,-1 23 0,4 8 0,-8-22 0,-1 2 0,2-3 0,1-1 0,9 23 0,-3-16 0,-6-17 0,-3-7 0,-4-9 0,-3 0 0,2-3 0,-4 0 0,2-3 0</inkml:trace>
+  <inkml:trace contextRef="#ctx0" brushRef="#br0" timeOffset="37079">28410 12105 8191,'4'16'0,"-2"25"5063,-2 14-5063,0-17 0,0 1 2818,0 22-2818,0-13 429,0-17 1,0-21 0,0-5 0</inkml:trace>
+  <inkml:trace contextRef="#ctx0" brushRef="#br0" timeOffset="38013">28221 12301 24575,'16'0'0,"1"0"0,5 0 0,-4 0 0,9 0 0,-1 0 0,-1 0 0,-2 0 0,-14 0 0,1 0 0,-5 0 0,-2 0 0,0 0 0</inkml:trace>
+  <inkml:trace contextRef="#ctx0" brushRef="#br0" timeOffset="39196">28609 12301 24575,'0'12'0,"0"7"0,0-1 0,0 2 0,0-8 0,0 0 0,0-3 0,0 6 0,0-5 0,0 5 0,0-5 0,0 3 0,0 3 0,0-3 0,0-1 0,0-3 0,0-3 0,0 0 0,2-3 0,-1-12 0,1-18 0,1-11 0,-2-2 0,5 9 0,1 11 0,0 7 0,1 7 0,-2 1 0,0 1 0,3-2 0,1 3 0,3-3 0,0 5 0,1-2 0,-1 3 0,0-3 0,1 2 0,-1-2 0,0 3 0,1 0 0,-4 0 0,-1 0 0,-6 0 0,0 0 0</inkml:trace>
+  <inkml:trace contextRef="#ctx0" brushRef="#br0" timeOffset="40713">29066 12312 24575,'0'12'0,"0"0"0,0-3 0,5-3 0,2 0 0,13-6 0,4 3 0,3-3 0,9 0 0,7 0 0,-3 0 0,-2 0 0,-2 0 0,-16-12 0,11-3 0,-16-19 0,-6-7 0,-12-8 0,-20-3 0,0 12 0,-15 11 0,8 11 0,-4 10 0,2 0 0,8 5 0,7 3 0,2 10 0,6 2 0,-8 14 0,9 1 0,-4 0 0,8 9 0,-3-7 0,6 4 0,-6-7 0,7-4 0,-4 6 0,4-9 0,0 8 0,0-12 0,0 6 0,3-1 0,10 5 0,9-4 0,9-2 0,8-8 0,-3-4 0,3-6 0,-10-18 0,-4-9 0,-8-15 0,-6 1 0,-3 14 0,-5 7 0,-3 13 0,0 0 0,0 7 0,3 12 0,2 10 0,6 9 0,-2 0 0,6-5 0,-4 0 0,3-9 0,3 5 0,0-9 0,-1 0 0,3-9 0,-3-5 0,7-3 0,-6-6 0,2-2 0,-9-2 0,6-3 0,-9 5 0,6-2 0,-4 1 0,-2 2 0,2 0 0,-3 1 0,-3 5 0,0 2 0</inkml:trace>
+  <inkml:trace contextRef="#ctx0" brushRef="#br0" timeOffset="41314">29680 12438 24575,'0'57'0,"0"-14"0,7-2 0,-2-13 0,3 9 0,1-9 0,-7-3 0,3-16 0,-5-6 0</inkml:trace>
+  <inkml:trace contextRef="#ctx0" brushRef="#br0" timeOffset="41779">29709 12376 8191,'0'-9'0,"0"2"0,0 5 0</inkml:trace>
+  <inkml:trace contextRef="#ctx0" brushRef="#br0" timeOffset="42713">29986 12358 24575,'5'38'0,"-1"1"0,2-6 0,1 1 0,4 10 0,1-1 0,8 17 0,-4-18 0,-9-17 0,-4-28 0,-3-8 0,-7-23 0,1 5 0,-6-13 0,3-1 0,4-15 0,1-8 0,4 14 0,0 6 0,0 22 0,12 2 0,11 8 0,21 5 0,7 16 0,-21 5 0,1 5 0,-1 4 0,-3 2 0,13 21 0,-5-1 0,-21-21 0,-2 0 0,1 6 0,-8 1 0,1 0 0,-6-5 0,0-3 0,4 2 0,-3 0 0,6 17 0,-3-14 0,0-1 0,-1-15 0</inkml:trace>
+  <inkml:trace contextRef="#ctx0" brushRef="#br0" timeOffset="44446">22156 10959 8191,'0'-66'0,"0"0"0,0 13 0,0-3 0,0-6 0,0-5 0,0 15 0,0-4 0,0-4 0,0-2 0,0-2 0,0 1 0,0 1 0,0 2 0,0-3 0,0 2 0,0 0 0,0 0 0,0 0 0,0-1 0,0 0 0,0 2 0,0-1 0,-1-2 0,1 0 0,0 1 0,0 2 0,0 4 0,1 4 0,0-15 0,0 6 0,1 4 0,-1 0 259,-1 2 0,1 1 0,-1 2 1,0 3-260,2 1 0,0 4 0,0 1 922,-2-20 0,0 1-922,3-6 0,-2 7 3456,-7 8-3456,-16 105 0,8-15 0,0 6 0,2 0 0,-1 5 0,0-2 0,-4 7 0,1-3 0,5-9 0,1-2 0,-2-1 0,1-3 5168,3 2-5168,5-23 3016,0-4-3016,3-10 1863,-3-12-1863,3-30 0,2-4 0,1-7 0,5-7 0,4-5-387,-3 13 0,1-3 1,2 1 386,1 7 0,0 1 0,2 2 0,5-9 0,-1 6 0,-6 12 0,-1 6 0,6 7 0,-10 14 0,1 8 0,-5 5 0,4 7 1160,-4 6-1160,4 8 0,2-3 0,3 13 0,3-7 0,1 12 0,-4-2 0,2 3 0,-5-4 0,5-1 0,-6-5 0,2-5 0,-3-4 0,-1-6 0,-4-7 0,3 0 0,-5-4 0,4 6 0,-4-8 0,2 5 0</inkml:trace>
+</inkml:ink>
+</file>
+
+<file path=ppt/ink/ink13.xml><?xml version="1.0" encoding="utf-8"?>
+<inkml:ink xmlns:inkml="http://www.w3.org/2003/InkML">
+  <inkml:definitions>
+    <inkml:context xml:id="ctx0">
+      <inkml:inkSource xml:id="inkSrc0">
+        <inkml:traceFormat>
+          <inkml:channel name="X" type="integer" min="-2.14748E9" max="2.14748E9" units="cm"/>
+          <inkml:channel name="Y" type="integer" min="-2.14748E9" max="2.14748E9" units="cm"/>
+          <inkml:channel name="F" type="integer" max="32767" units="dev"/>
+        </inkml:traceFormat>
+        <inkml:channelProperties>
+          <inkml:channelProperty channel="X" name="resolution" value="1000" units="1/cm"/>
+          <inkml:channelProperty channel="Y" name="resolution" value="1000" units="1/cm"/>
+          <inkml:channelProperty channel="F" name="resolution" value="0" units="1/dev"/>
+        </inkml:channelProperties>
+      </inkml:inkSource>
+      <inkml:timestamp xml:id="ts0" timeString="2023-06-28T08:12:02.412"/>
+    </inkml:context>
+    <inkml:brush xml:id="br0">
+      <inkml:brushProperty name="width" value="0.05292" units="cm"/>
+      <inkml:brushProperty name="height" value="0.05292" units="cm"/>
+      <inkml:brushProperty name="color" value="#FF0000"/>
+    </inkml:brush>
+  </inkml:definitions>
+  <inkml:trace contextRef="#ctx0" brushRef="#br0">12320 12284 8191,'-3'24'0,"1"38"2456,1-22 1,2 2-2457,-1 17 0,0-1 0,0-19 0,0-3 0,0 28 2837,0-18-2837,0-20 1737,0 4-1737,0-14 6729,0-6-6729,0 0 168,0 3-168,0-4 0,0 1 0,0-1 0,0-3 0,0 0 0,0 2 0,0-1 0,0 1 0,0 1 0,0 0 0,0 1 0,0-2 0,0 1 0,0-3 0,0 5 0,0-2 0,-3 4 0,2-1 0,-2-3 0,3 0 0,-2-6 0,-1-3 0,-5-6 0,1 2 0,-1-4 0,2 5 0,0-1 0,-2-1 0,4 2 0,-4-1 0,4-4 0,-2 4 0,3-4 0,-2 5 0,4-3 0,-4 3 0,4-3 0,-2 0 0,3 0 0,0 1 0,-2 1 0,1 4 0,-1 7 0,4-1 0,5 10 0,-1-9 0,1 5 0,-2-6 0,-4 0 0,1 0 0,1-3 0,-2 2 0,4-2 0,-2 3 0,0-1 0,2 1 0,-4 0 0,4-3 0,-2 0 0,3-3 0,0 0 0,-1 0 0,1 0 0,0 0 0,0 0 0,3-3 0,-2-4 0,5 0 0,-2-6 0,1 3 0,2-8 0,-3 7 0,4-6 0,-1 7 0,-2-4 0,1 4 0,-4 1 0,1 2 0,-3 1 0,3 0 0,0-3 0,0 5 0,0-4 0,-6 7 0,0-2 0</inkml:trace>
+  <inkml:trace contextRef="#ctx0" brushRef="#br0" timeOffset="2349">12356 12310 24575,'0'16'0,"0"-1"0,0-3 0,0 0 0,0 1 0,0-4 0,0 3 0,0-6 0,0 3 0,0-1 0,0-2 0,0 3 0,0-3 0,0-1 0,-6-1 0,4 1 0,-9 1 0,7 1 0,-8 2 0,2-1 0,-3 2 0,1-1 0,0 3 0,0-6 0,-1 3 0,4-3 0,-3 3 0,6-5 0,-3 1 0,6-13 0,0-13 0,3-16 0,0-8 0,5-16 0,0 9 0,9-10 0,-4 12 0,6-9 0,-7 18 0,1 2 0,-6 19 0,-6 23 0,-6 2 0,-2 19 0,-17 24 0,4 9 0,8-24 0,-1 0 0,-12 24 0,14-19 0,-5-5 0,11-7 0,-2-8 0,6-1 0,-2-4 0,3 0 0,-1-12 0,12-21 0,8-15 0,11-15 0,-1 1 0,-7 15 0,-6 5 0,-4 12 0,-2 7 0,2 1 0,-3 3 0,-3 0 0,3 3 0,-6-2 0,6 4 0,-6-4 0,6 4 0,-3-1 0,3 2 0,4 5 0,7 8 0,2 7 0,8 8 0,-12-7 0,4-4 0,-12-8 0,5 0 0,-2 3 0,2 1 0,-3-1 0,3 3 0,0-2 0,2 7 0,7 1 0,-10-7 0,0 0 0,-8-8 0,-1 0 0,-1-1 0,1-2 0,-2 0 0</inkml:trace>
+  <inkml:trace contextRef="#ctx0" brushRef="#br0" timeOffset="3905">13042 12189 8191,'0'4'0,"0"10"5063,0 35-5063,0 14 1409,0-20 0,0 0-1409,0-7 0,0-3 1719,0 22-1719,0-26 6784,0-13-6784,0-7 0,0-1 0,0 1 0,0 0 0,0-8 0,0-9 0,0-14 0,7-5 0,2-5 0,6 4 0,8-13 0,3 8 0,-5-1 0,2 13 0,-10 11 0,7 3 0,8 4 0,3 0 0,5 9 0,-5 8 0,0 7 0,-10 2 0,-2 3 0,-12-8 0,-1 5 0,-6-8 0,0 6 0,0-3 0,0 4 0,0 0 0,-6 0 0,-7 1 0,-3-1 0,-6-2 0,3-2 0,-3-4 0,-10 1 0,8-4 0,-4 0 0,0-4 0,10-3 0,-9-1 0,10-3 0,7 0 0,4 0 0</inkml:trace>
+  <inkml:trace contextRef="#ctx0" brushRef="#br0" timeOffset="5284">13750 12451 8191,'-12'0'0,"2"0"5063,4 8-5063,4 9 2818,2 4-2818,0 6 1719,0 4-1719,0-6 6784,0 10-6784,7 12 0,16-4 0,17 10 0,8-19 0,5-17 0,-13-7 0,-1-10 0,-3-21 0,-9-4 0,-5-10 0,-15-1 0,-1 3 0,-5-2 0,2 5 0,-3 7 0,-3 3 0,-7 5 0,-2-2 0,-5 4 0,-6 2 0,-7-3 0,-16 6 0,11 4 0,0 1 0,-9 3 0,-9 0 0,30 3 0,4 13 0,5 15 0,4 24 0,28 2 0,-4-25 0,3-2 0,22 7 0,5-9 0,-2-17 0,-6-7 0,8-21 0,-17-3 0,-5-18 0,-7 6 0,-6 4 0,2 5 0,-7 6 0,2 3 0,-6 4 0,3 1 0,0 6 0,-2 8 0,5 21 0,2 16 0,8 13 0,15 1 0,1-6 0,13-14 0,-3-6 0,-2-16 0,-11-6 0,-12-5 0,-11-3 0</inkml:trace>
+  <inkml:trace contextRef="#ctx0" brushRef="#br0" timeOffset="6583">14573 12449 8191,'-5'-4'0,"-12"2"5063,-3 2-5063,-12 0 2818,8 0-2818,7 0 1719,8 11-1719,6-2 6784,3 9-6784,0-5 0,0 1 0,0-4 0,3 2 0,1-5 0,-1 2 0,3-2 0,-3 1 0,0-1 0,0 1 0,0-4 0,0 1 0,6 1 0,0 0 0,6 6 0,8-2 0,6 4 0,6-4 0,-9 0 0,-4-3 0,-8 0 0,-1-1 0,3 4 0,-5-3 0,4 2 0,-5 0 0,0 3 0,-4 1 0,-3 2 0,-3 0 0,-3-2 0,-14 6 0,-10-1 0,-13 0 0,-4 0 0,4-7 0,7 0 0,12-8 0,12 0 0,6-3 0</inkml:trace>
+  <inkml:trace contextRef="#ctx0" brushRef="#br0" timeOffset="8317">14742 12522 24575,'12'0'0,"0"0"0,12 0 0,-6 0 0,9 0 0,-11 0 0,-4 0 0,-3-3 0,-6 0 0,-1-5 0,-2 1 0,0-4 0,0 4 0,-2-1 0,-2-1 0,-11 2 0,7-2 0,-11 3 0,6-4 0,-4 3 0,3-2 0,2 6 0,4 0 0,-2 3 0,1 0 0,0 0 0,3 0 0,-4 0 0,3 0 0,-2 0 0,-1 0 0,4 0 0,-4 3 0,1 0 0,2 7 0,-6 3 0,3 0 0,3 2 0,2-2 0,5 2 0,0 4 0,9 8 0,6 5 0,6 0 0,-1-8 0,-2-3 0,-5-8 0,5 4 0,-6-7 0,0 2 0,-3-6 0,0 0 0,-2 0 0,3 1 0,-1-1 0,-2 0 0,5 0 0,-3 0 0,1 0 0,6 6 0,-5-5 0,3 2 0,-2-4 0,-3-4 0,3 1 0,3-2 0,1 0 0,4 0 0,2 0 0,2 0 0,6 0 0,-14 0 0,0 0 0</inkml:trace>
+  <inkml:trace contextRef="#ctx0" brushRef="#br0" timeOffset="9365">15186 11955 8191,'-4'17'0,"2"1"5063,2 21-5063,0 9 0,0 4 0,0-18 0,0 1 624,0 8 1,0 5 0,0-5-625,0-8 0,0-3 0,-1 4 0,2-2 1845,7 21-1845,-2-6 0,7-4 6380,-4 1-6380,-5-17 0,0-1 0,-4-14 1222,0-2-1222,0-5 0,0 3 0,0-4 0,0 0 0,0 2 0,0-1 0,5-1 0,5-3 0,17-3 0,2-7 0,4 2 0,-5-6 0,-10 1 0,3-1 0,-6 0 0,2-2 0,-4 3 0,0-4 0,1 4 0,-4 0 0,5-2 0,-8 5 0,2-5 0,-7 9 0,-2 0 0</inkml:trace>
+  <inkml:trace contextRef="#ctx0" brushRef="#br0" timeOffset="10032">15586 12455 24575,'6'39'0,"0"0"0,0 3 0,2-2 0,2-5 0,1-2 0,5 21 0,-9-25 0,-4-20 0,-3-6 0</inkml:trace>
+  <inkml:trace contextRef="#ctx0" brushRef="#br0" timeOffset="10782">15616 12346 24575,'0'0'0</inkml:trace>
+  <inkml:trace contextRef="#ctx0" brushRef="#br0" timeOffset="12299">15821 12455 24575,'0'37'0,"0"-10"0,0-1 0,0-4 0,0 1 0,0 0 0,0 4 0,0-9 0,0 3 0,0-6 0,0-9 0,0 5 0,0-39 0,0-3 0,0-1 0,0-3 0,7-19 0,-3 5 0,6 17 0,-3 5 0,-1 13 0,1 2 0,-2 9 0,-1-2 0,4 1 0,-4-2 0,4 3 0,2-3 0,3 5 0,2-2 0,2 3 0,2 0 0,-4 0 0,1 0 0,-7 0 0,0 0 0,-2 0 0,6 0 0,-6 10 0,13 12 0,-1 13 0,8 14 0,-8-14 0,-5 1 0,-4-12 0,-3 1 0,0-2 0,-4 0 0,-3-4 0,0 1 0,0-4 0,0 3 0,0-9 0,0 2 0,0-6 0,0-3 0,0-1 0</inkml:trace>
+  <inkml:trace contextRef="#ctx0" brushRef="#br0" timeOffset="14032">16332 12580 24575,'22'0'0,"5"0"0,10 0 0,-3 0 0,8-3 0,-15-5 0,0 0 0,-9-3 0,-1 4 0,-4-5 0,-3 7 0,-3-7 0,-2 5 0,-4-2 0,2-1 0,-3-5 0,0 8 0,0-7 0,-8 10 0,-10-4 0,-11 1 0,-2 3 0,0-6 0,7 9 0,4-2 0,4 3 0,0 0 0,1 0 0,-1 0 0,-3 0 0,4 3 0,-1 1 0,3 3 0,3 4 0,-3-2 0,3 3 0,0-6 0,4 0 0,-3 3 0,2-3 0,-1 3 0,1 0 0,1 0 0,3 1 0,0-2 0,0 1 0,3 0 0,-3 3 0,3 0 0,0 1 0,0-4 0,0 0 0,0 3 0,3-5 0,0 5 0,6-2 0,2-3 0,8 11 0,6 1 0,0 2 0,-1-1 0,-3-5 0,-2-1 0,-1 0 0,-1-3 0,-7-2 0,-1-2 0,-3-1 0,3 2 0,-2-4 0,-1 4 0,-1-5 0,-2 0 0,0 3 0,2-6 0,-1 6 0,7-6 0,-4 6 0,5-6 0,3 3 0,-3-3 0,7 0 0,4 0 0,-3 0 0,10 0 0,-9-3 0,2 3 0,-2-3 0,-4 3 0,-2 0 0,-9 0 0,-4 0 0</inkml:trace>
+  <inkml:trace contextRef="#ctx0" brushRef="#br0" timeOffset="49168">1523 10286 24575,'0'0'0</inkml:trace>
+  <inkml:trace contextRef="#ctx0" brushRef="#br0" timeOffset="50900">19808 9569 8191,'-3'0'0,"0"0"0</inkml:trace>
+  <inkml:trace contextRef="#ctx0" brushRef="#br0" timeOffset="51201">19802 9569 24575,'0'0'0</inkml:trace>
+  <inkml:trace contextRef="#ctx0" brushRef="#br0" timeOffset="51884">19802 9569 24575,'46'-35'0,"0"1"0,-8 3 0,3-1-3277,3-3 0,5-3 0,-3 3 2532,-5 3 0,1 0 745,-1-2 0,5-4 0,2 0-146,-1 4 0,3-2 0,0 2 0,-6 3 146,5-6 0,0 0 244,-2 4 0,6-4 0,-1 2 0,-9 6-244,-12 10 0,-1 2 0,13-7 0,7-2 0,-6 3 0,-8 4 0,0 2 0,9-5 0,5-3 0,-3 3 0,4-2 0,-3 3 0,-10 5 0,-2 1 0,0-1 0,-6 4 0,-16 8 0</inkml:trace>
+  <inkml:trace contextRef="#ctx0" brushRef="#br0" timeOffset="52636">19978 9447 24575,'64'14'0,"0"0"0,0 0 0,0 0 0,0 0 0,-1 0 0,-1 1 0,0-1 0,1-2 0,1 0 0,-7-4 0,1-2 0,1 0 0,-1-1 0,-1 0 0,-3 0 0,10 1 0,-3 0 0,0 0 0,2-1 0,2-2 0,4 0 0,1-1 0,-5 0 0,-10-1 0,9-1 0,-12 0 0,-12 0 0,-10 0 0,-17 0 0,-11 0 0</inkml:trace>
+  <inkml:trace contextRef="#ctx0" brushRef="#br0" timeOffset="53684">21497 8266 8191,'-10'16'0,"4"19"0,4 4 0,1 16 0,0 11 0,2 4 0,-1-2 0,0-8 0,0 2 0,0-5 0,0 0 0,0 7 36,0-9 0,0 6 1,0 3-1,-1 0 1,1 0-1,1-3 1,-1-6-37,1 8 0,-1-6 0,1 0 0,4 6 80,1-7 0,2 4 1,2 4-1,1 1 0,0-1 1,-1-3-1,-1-5-80,0 9 0,-1-6 0,0 1 0,3 6 244,1-6 0,1 9 0,2 3 0,1 0 0,0-3 0,-2-8 1,-1-11-245,4 11 0,3-9 1093,2-5 0,5 0 0,0-9-1093,0-13 0,4-6 2125,25 2 0,4-6-2125,-18-5 0,-1-12 0,2-27 0,0-18 0,-7 2 0,-7 4 0,-7-6 275,-7 3 0,-1-7 1,-3-2-1,-3 3-275,-3 1 0,-4 3 0,-2-8 0,0-5 0,-3-8 0,0-4 0,-1 0 0,0 7 0,0 5 0,0 4 0,-1 0 0,-2-7 0,2 8 0,-2-6 0,0-2 0,-1-2 0,0 0 0,-1 3 0,0 3 0,-3-7 0,-1 3 0,0 2 0,-1 1 0,2 1 417,-1-7 0,0 2 1,1 1-1,-1 0-417,-1 0 0,0-1 0,0 3 0,3 11 0,5 7 0,-3 9 0,-38-12 0,5 35 0,-11 2 0,-4 2 0,20 3 0,0-1 0,-22-4 0,5 1 0,11 2 0,1 1 3559,29 4-3559,4 0 0,3 0 0,5 0 0</inkml:trace>
+  <inkml:trace contextRef="#ctx0" brushRef="#br0" timeOffset="54784">22962 8693 12754,'-3'2'0,"-5"33"0,-1 31 0,2-1 1123,3-14 0,2 0 0,-1 9-1123,0-5 0,-1 9 0,0 6 0,0 2 0,0-1 0,1-4 0,2-8-262,1 2 1,1-6 0,1-2 0,0 4 261,-2 0 0,0 4 0,1 1 0,1-4 0,3-5 183,8 6 1,3-6 0,0-9-184,7 16 1231,0 1 1,-1-6-1232,-3-29 730,21-2-730,-12-9 3283,16 4-3283,-3-19 2029,14 4-2029,-19-20 0,0-5 0,21-7 220,-27-6 1,-5-12-221,-6-5 0,-3-9 0,-3-1 0,-1 5 0,-3-1 0,-3-9-548,-3 14 1,-3-7 0,0-5 0,-2-2 0,-1 0 0,-2 2 0,0 5 547,-3-3 0,-2 4 0,-2 1 0,-1-2 0,-1-4 0,1 7 0,-1-4 0,-2-3 0,-1-1 0,0 1 0,0 2 0,1 3 0,0 7 0,-6-12 0,0 7 0,0 2 0,0 0 0,-3-6 0,0-2 0,0 5 0,5 11 0,-13-11 0,8 28 0,14 29 0,-15 33 0,-2 12 0,-4 11 0,11-18 0,-2 6 0,3-1 0,2 18 0,4-6 0,-4 0 0,11-20 0,0 0 0</inkml:trace>
+  <inkml:trace contextRef="#ctx0" brushRef="#br0" timeOffset="55850">24088 8259 15587,'0'50'0,"0"-8"0,0 9 0,0-3 0,0 9 0,0 5 0,0-1 0,0-6 0,0 7 0,0-5 0,0 4 0,0 4 0,0 6 0,0-3 0,0-9 1924,0-8 1,0-2-1925,0 0 0,0 3 0,0-3 0,0-2 0,0 0 3,0 18 0,0-3-3,-2-22 0,4-3 203,10 4 1,2 0-204,-6-2 0,2-2 1224,8-4 0,3-5-1224,9 6 0,28-7 0,-12-12 679,4-15 0,2-10-679,-21-4 0,-2-9-1955,5-19 0,1-12 1,-7 1 1954,-4-3 0,-6-2 0,-2 2 0,-3-5 0,-4-8-757,-7 15 1,-3-7 0,-3-4 0,-1 1 0,0 2 0,0 6 756,-2-12 0,-1 7 0,-1-7-374,3 9 1,-2-7 0,1-4-1,-1 1 1,0 5 0,0 9 373,-3 0 0,0 9 0,-1-2-263,0-10 1,-2-2-1,2 5 263,0 0 0,1 3 0,-1-6 0,0 8 3037,0 16-3037,-7 6 4542,6 16-4542,-23 0 2219,2 30 0,0 12-2219,6-1 0,1 5 0,0 2 0,0 4 0,5-3 0,8-5 0,4-2 0,-2 20 0</inkml:trace>
+  <inkml:trace contextRef="#ctx0" brushRef="#br0" timeOffset="56950">24957 8232 24575,'0'54'0,"0"-1"0,0-6 0,0 8 0,-1 3 0,1 0 0,1-2 0,1 4 0,-1-2 0,2 1 0,2 5-666,0-10 1,1 5 0,1 3-1,0 0 1,1-1 0,1-4-1,-1-7 666,4 19 0,0-9 0,5 1-35,4-6 1,3 1 0,1-3-1,-4-11 35,-4-10 0,1-7 541,6 3 0,2-6-541,17-12 0,-1-5 0,3-8 0,0-5 0,13-18 900,-25 11 0,-2-4-900,11-31 0,-16 2 0,-2-4 0,-8 11 0,-1-2-713,-1-1 0,1-3 1,-4 2 712,-3-2 0,-5-7 0,-2 6 0,-1-10 0,-2-8 0,0-4 0,-1-1 0,-1 3 0,0 7 0,-1-1 0,-1 5 0,0 1 0,-2-3 0,-1-7 0,1 10 0,-1-6 0,0-5 0,-1-2 0,-1-2 0,0 0 0,0 3 0,-1 3 0,1 6 0,-1 6 0,-7-17 0,0 9 0,-1 4 0,-3-1 0,0 6 0,-3-4 0,-1 2 0,1 8 0,1 11 0,-27-5 0,17 39 0,0 14 0,7 19 0,3 12 0,2-1 0,-5 1 0,2 2 0,1 0 0,-1 5 0,2 1 0,1 8 0,1 3 0,4-10 0,6-21 0,0-1 0,-1 13 0,-1-1 0,0 1 0</inkml:trace>
+  <inkml:trace contextRef="#ctx0" brushRef="#br0" timeOffset="57684">25686 8276 24575,'55'9'0,"0"1"0,-1-2 0,3 2 0,-11 3 0,4 4 0,0 1 0,-5-3 0,11 0 0,-1 0-1016,3 3 0,5 1 0,-11-3 1016,4 1 962,8-7-962,-27 1 500,3-6-500,-28-2 0,-8-3 0,-2 0 0</inkml:trace>
+  <inkml:trace contextRef="#ctx0" brushRef="#br0" timeOffset="61037">25634 9043 24575,'54'-16'0,"-1"1"0,0-1 0,3 0 0,2-2 0,-1 0 0,8-4 0,-1 0 0,-9 4 0,-4 0 0,-5 3 0,10-1 0,-6 3 0,-16 6 0,-14 6 0,9-2 0,-18 3 0,3 0 0,-5 0 0,23 0 0,-7-3 0,33-1 0,-28 0 0,25 1 0,-28 3 0,2 0 0,-17 0 0,-17-5 0,-5-3 0,-15-6 0,-2-2 0,-10-12 0,-1-2 0,4 5 0,0-4 0,3-2 0,11-5 0,10 10 0,-2-28 0,12 28 0,44-18 0,1 24 0,-3 12 0,10 2 0,-5 2 0,-12 3 0,0 2 0,17-1 0,-3 4 0,-8 15 0,-23-12 0,10 8 0,-22-12 0,0-2 0,-1 1 0,1-2 0,-3 3 0,5 26 0,-3 4 0,0 13 0,-3 4 0,-4-16 0,-4 0 0,-10 24 0,-5-3 0,-5-5 0,6-22 0,-2-3 0,-7 4 0,15-12 0,-8 5 0,16-13 0,0 0 0,2-3 0,-1 3 0,2-4 0,6-19 0,13-25 0,7-9 0,-6 11 0,2-2 0,4-7 0,4-4 0,-4 7 0,-4 13 0,-3 2 0,15-29 0,-31 46 0,-5-3 0,-26 4 0,-7 2 0,6-6 0,-5 3 0,0 0 0,3-3 0,16 9 0,-7-4 0,19 8 0,0-1 0,0 2 0,0 0 0,0 0 0,1 0 0,-10 0 0,7 0 0,-10 0 0,-8-9 0,9 4 0,-8-7 0,7 5 0,10 4 0,-9 0 0,11 3 0,33 61 0,-12-30 0,1 1 0,7 9 0,0 0 0,-4-6 0,-4-4 0,-4 0 0,-4-9 0,-4-1 0,-1-26 0,-1-5 0,1-15 0,-2-3 0,-5-6 0,-1-2 0,-4-5 0,0 7 0,0 2 0,-2 5 0,-1 6 0,42 68 0,1 0 0,8 11 0,-1 0 0,-5-7 0,-2-1 0,3 4 0,2 1 0,3 5 0,-1-2 0,-7-10 0,-5-7 0,-5-7 0,6 11 0,-30-47 0,-11-18 0,4 7 0,-4-1 0,-9-7 0,10 11 0,-19-20 0,10 14 0,-2-6 0,0-1 0,-5 2 0,-18-24 0,33 30 0,-11-8 0,16 12 0,-1-9 0,17 10 0,4-31 0,-3 8 0,-1-13 0,-6 2 0,-3 23 0,0-8 0,-19 15 0,12 7 0,-13 1 0,19 6 0,-1 0 0</inkml:trace>
+  <inkml:trace contextRef="#ctx0" brushRef="#br0" timeOffset="64999">25604 12104 24575,'0'65'0,"0"1"0,-3-6 0,0 7 0,3-18 0,1 9 0,0 5 0,0 1 0,0-1 0,-1-6 0,0 5 0,-2-3 0,1-1 0,0 3 0,2 2 0,0 6 0,1-1 0,-1-4 0,0-8-1065,-1 14 0,0-10 1065,0-3 0,0-12 684,0-25-684,0-5 352,0-4-352,-5-8 0,-41 21 0,18-5 0,-3 6 0,-3 8 0,-7 9 0,-1 4 0,3-2 0,7-5 0,2-2 0,0 3 0,-2 3-161,-4 6 0,-3 7 0,0 1 0,1-2 1,4-6 160,-1 3 0,4-5 0,0-1 0,1 1 0,1-1 0,4-7 0,-8 13 0,20-30 0,4-1 0,6-15 0,0-3 0,3 0 0,-3-3 0</inkml:trace>
+  <inkml:trace contextRef="#ctx0" brushRef="#br0" timeOffset="65950">25342 13649 10483,'3'53'0,"0"-16"2524,10 19 1,6 1-2525,9-10 1226,16-13 0,6-8-1226,8-16 472,-18-19 0,6-8 0,-6-1-472,-8 0 0,-3-2 0,10-12 0,-3-4 2587,-13 3 1,-5 2-2588,0-8 0,4-9 0,-15 8 0,-6 19 0,-17-10 0,-15 15 0,-5 4 0,-3 0 0,-25-5 0,14 6 0,-4 1 0,5 5 0,0 1 0,8 0 0,0 3 0,-12 9 0,4 8 0,25 6 0,4 7 0,-1 21 0,6 2 0,3 7 0,12 5 0</inkml:trace>
+  <inkml:trace contextRef="#ctx0" brushRef="#br0" timeOffset="66700">25873 13842 24575,'51'32'0,"-17"-5"0,4 6 0,-2-3 0,3-1 0,1 2 0,4 7 0,3 3 0,-6-3 0,-11-9 0,-2-2 0,-1-1 0,0 0 0,7 11 0,-1 0 0,-8-11 0,1 0 0,14 16 0,1 1 0,-11-13 0,-3-3 0,18 21 0,-33-35 0,-12-10 0</inkml:trace>
+  <inkml:trace contextRef="#ctx0" brushRef="#br0" timeOffset="67549">26539 14622 9132,'33'23'0,"10"5"0,6 3 2560,-2 1 0,1 1-2560,-6-6 0,2 1 0,-6-3 0,9 10 2674,-15-13-2674,-26-16 1591,-3-50-1591,0-9 0,-2 6 0,-2-8 0,1 5 0,0 3 0,0 2 1211,0-17 1,0 7-1,0 26 1,0 11 0</inkml:trace>
+  <inkml:trace contextRef="#ctx0" brushRef="#br0" timeOffset="68770">24563 14379 8191,'-4'-1'0,"2"13"4854,2 53-4854,0-12 0,0-10 0,0-2 0,0 2 0,0 20 0,0-32 2844,0 17-2844,0-36 1744,10-6-1744,47-1 0,-2-5 0,-9 0 0,8 0 0,-6 0 0,-8 0 0,-2 0 3110,23 2 1,-4 1-3111,-12-2 201,16 6-201,-36-6 0,14 3 0,-27-4 0,-4 0 0,0 0 0</inkml:trace>
+  <inkml:trace contextRef="#ctx0" brushRef="#br0" timeOffset="72734">1536 8396 8191,'0'6'0,"0"41"2292,0-9 0,0 5-2292,0 20 0,0 5 0,0-19 0,0 1 0,0 0 0,0-2 0,0-1 0,0 2 0,0 4 0,0 1 0,0-2 0,0 11 0,0-2 0,0 5 0,0-1 0,0-16 0,0-2 0,0-10 0,0-3 0,0 17 2875,0-19-2875,0 0 1778,0 14-1778,0-5 6604,0 6-6604,0-5 0,0-9 543,0 3-543,0-4 0,-3-4 0,2 2 0,-2-6 0,0 2 0,2-4 0,-6 14 0,3 4 0,-3 14 0,3-8 0,-3-10 0,3-9 0,-2-11 0,2-3 0,2-5 0,2-2 0,-3 0 0,2 0 0,-1 3 0,2 6 0,0 10 0,0 7 0,0-1 0,0 0 0,0-8 0,0 0 0,0-6 0,-6-4 0,4 2 0,-4-7 0,6 4 0,0-6 0,0-5 0,0-5 0,0-8 0,-3-2 0,-4-10 0,-12-9 0,-5-11 0,5 13 0,-2 1 0,0 0 0,0 2 0,0 0 0,1 2 0,-18-16 0,17 18 0,3 8 0,5 10 0,4 3 0,3 11 0,3 4 0,7 7 0,0 8 0,7-4 0,1 8 0,3-8 0,0 8 0,8 10 0,-2 4 0,2 9 0,-5-9 0,-4-13 0,-1-9 0,-6-10 0,1-5 0,-8-2 0,6-3 0,-3 3 0,3-6 0,0 3 0,-1-3 0,4 0 0,4 0 0,0 0 0,3 0 0,7-10 0,-7 2 0,7-9 0,-9 0 0,4-2 0,-2-8 0,8-3 0,-7 2 0,3-4 0,-5 9 0,3-13 0,0 12 0,0-3 0,-8 14 0,-2 6 0,-5-1 0,0 7 0,0-5 0</inkml:trace>
+  <inkml:trace contextRef="#ctx0" brushRef="#br0" timeOffset="76833">9884 8358 24575,'0'35'0,"0"13"0,0 1 0,0 4 0,0-9 0,0 0-1854,2 21 0,1 0 1854,-3-17 0,1-2 0,4 1 0,0 0 107,-4 0 1,-1-2-108,5 22 0,-5-30 0,0-1 0,0 21 0,0 1 0,0-4 813,0-16-813,0-6 0,0-5 0,0-9 1869,0-1-1869,0 3 811,0 12-811,0 15 0,1-14 0,2 3 0,0 4 0,2 2 0,2 6 0,0 2 0,2 3 0,0-1 0,0-10 0,0-3 0,-2-1 0,0-2 0,9 20 0,-3-4 0,-1 2 0,-5-14 0,-3-9 0,-4-7 0,0-3 0,0 0 0,0-3 0,0 4 0,0 4 0,0-3 0,0 7 0,0-7 0,0 18 0,-3-19 0,2 13 0,-2-15 0,0 4 0,2-3 0,-5-2 0,5-10 0,-2 3 0,1-5 0,1 2 0,-1-4 0,-1-1 0,2-4 0,-1-4 0,2-5 0,-3-1 0,-7-10 0,-2 2 0,-9-8 0,1 4 0,0-6 0,-3 3 0,2-2 0,-14-8 0,9 8 0,-5-7 0,3 9 0,9 3 0,-8-2 0,7 7 0,6 4 0,2 7 0,6 1 0,3 7 0,0-2 0,3 9 0,7 10 0,10 5 0,9 10 0,15 11 0,-8-7 0,-10-11 0,1 3 0,-2-1 0,1 0 0,0-1 0,0 0 0,-1 1 0,-2-2 0,4 3 0,-10-8 0,-8-10 0,-3-2 0,-3-2 0,2-2 0,1 2 0,3 2 0,0 2 0,0-3 0,0 0 0,0-6 0,0 2 0,0-4 0,0 2 0,-1-3 0,1 0 0,0 0 0,19-19 0,-2-1 0,14-22 0,-14 15 0,0-2 0,-3-3 0,1-2 0,5-4 0,0 1 0,-6 5 0,-3 2 0,10-16 0,-11 25 0,-8 8 0,-3 11 0</inkml:trace>
+  <inkml:trace contextRef="#ctx0" brushRef="#br0" timeOffset="98396">1532 8627 24575,'-4'35'0,"0"0"0,0 0 0,-2 2 0,-5 19 0,-1 3 0,1-3 0,1 1 0,-1-6 0,0 2 0,2-1-292,2-5 1,1-1-1,0 2 292,-1 9 0,-1 3 0,2-2 0,3-9 0,2-1 0,-1 0-782,0-2 1,1-1 0,-1-1 781,2 12 0,0-3 0,0-10 0,0-2-312,0 2 1,0 0 311,0-7 0,0-1 0,0 2 0,0 0 0,0 4 0,0 0 0,0 20 0,0-20 0,0-3 0,0 7 554,0 4-554,0-12 0,0-5 2548,0-6-2548,0-4 740,0-4-740,0 2 0,0-6 0,0-2 0,0-3 0,0-4 0,0 1 0,0 0 0,-6 3 0,5 0 0,-5 4 0,6-4 0,0 4 0,-3-3 0,2 13 0,-2-8 0,0 12 0,2-9 0,-2 4 0,3 0 0,0-4 0,0 3 0,0-3 0,0 4 0,0-4 0,0-1 0,0-7 0,0 3 0,0-4 0,0 1 0,0-9 0,0-8 0,0-9 0,0-1 0,0 1 0,-3-1 0,-1 2 0,-7-10 0,0 6 0,-5-8 0,2 5 0,-1 0 0,0 0 0,4 4 0,-3-3 0,7 6 0,-7-8 0,4 2 0,-4-5 0,4-1 0,-3 0 0,3 6 0,0-1 0,-2 9 0,5 0 0,-2 6 0,3 5 0,0 2 0,3 2 0,4 18 0,19 21 0,-5-13 0,2 3-411,7 10 0,1 0 411,-4-11 0,-1 1 0,4 8 0,-1 0 0,-5-8 0,-1-1 0,3 0 0,0 1 0,-3-2 0,0 0 0,16 19 0,-12-11 0,-4-8 0,-8-13 0,-5-10 0,4-6 822,5-42-822,4 4 0,2-6 0,0-13 0,2-3 0,-2 13 0,2 0 0,-2 2 0,3-9 0,-1 4 0,-4 11 0,-2 4 0,4-7 0,-10 25 0,-2 10 0,-1 2 0,-4 5 0</inkml:trace>
+</inkml:ink>
+</file>
+
+<file path=ppt/ink/ink14.xml><?xml version="1.0" encoding="utf-8"?>
+<inkml:ink xmlns:inkml="http://www.w3.org/2003/InkML">
+  <inkml:definitions>
+    <inkml:context xml:id="ctx0">
+      <inkml:inkSource xml:id="inkSrc0">
+        <inkml:traceFormat>
+          <inkml:channel name="X" type="integer" min="-2.14748E9" max="2.14748E9" units="cm"/>
+          <inkml:channel name="Y" type="integer" min="-2.14748E9" max="2.14748E9" units="cm"/>
+          <inkml:channel name="F" type="integer" max="32767" units="dev"/>
+        </inkml:traceFormat>
+        <inkml:channelProperties>
+          <inkml:channelProperty channel="X" name="resolution" value="1000" units="1/cm"/>
+          <inkml:channelProperty channel="Y" name="resolution" value="1000" units="1/cm"/>
+          <inkml:channelProperty channel="F" name="resolution" value="0" units="1/dev"/>
+        </inkml:channelProperties>
+      </inkml:inkSource>
+      <inkml:timestamp xml:id="ts0" timeString="2023-06-28T08:14:26.659"/>
+    </inkml:context>
+    <inkml:brush xml:id="br0">
+      <inkml:brushProperty name="width" value="0.05292" units="cm"/>
+      <inkml:brushProperty name="height" value="0.05292" units="cm"/>
+      <inkml:brushProperty name="color" value="#FF0000"/>
+    </inkml:brush>
+  </inkml:definitions>
+  <inkml:trace contextRef="#ctx0" brushRef="#br0">17622 4984 24575,'-21'0'0,"-2"15"0,-7 8 0,10 3 0,2 3 0,-7 25 0,10-23 0,3-1 0,-1 18 0,8 0 0,1 2 0,24-16 0,24-8 0,18-23 0,-21-6 0,-1-5 0,15-15 0,-7-13 0,-28-14 0,-9-5 0,-8-4 0,-13-1 0,1 16 0,-18 14 0,-2 15 0,-23 7 0,-9 3 0,6 2 0,-1 3 0,31 2 0,1 5 0,14 7 0,6 4 0,1 4 0,3 6 0,14-11 0,-1 3 0,32-9 0,-5-6 0,7 2 0,-15-7 0,-16 0 0,-21 0 0,-6 0 0</inkml:trace>
+  <inkml:trace contextRef="#ctx0" brushRef="#br0" timeOffset="1199">19216 5024 9438,'0'6'0,"0"13"5117,0-8-5117,0 15 2626,20-19-2626,23 2 775,-8-10 0,3-6-775,13-11 0,0-5 2922,-12 1 0,-3-3-2922,5-10 0,-7-1 0,-9-12 0,-6 18 0,-22 17 0,-17 11 0,-5 2 0,-12 0 0,1 0 0,3 7 0,-5 2 0,5 11 0,4 1 0,5 3 0,-3 18 0,13-6 0,-6 12 0,12-11 0,4-10 0,0 10 0,4-10 0,0 2 0,0-12 0,2-11 0,16-14 0,-5-5 0,16-11 0,-7-8 0,-2 5 0,-3-1 0,-13 15 0,-12 7 0,-11 6 0,-14 0 0,0 4 0,-1 7 0,3 2 0,11 5 0,-5 3 0,17-7 0,-1 5 0,15-12 0,15-2 0,1-14 0,9 1 0,-12-5 0,-4 7 0,-8 3 0,-1 3 0</inkml:trace>
+  <inkml:trace contextRef="#ctx0" brushRef="#br0" timeOffset="2050">18505 5396 11870,'0'17'0,"0"30"2422,0-14 0,0 4-2422,0 11 0,0 2 0,0-8 0,0-1 1105,0 5 0,0-2-1105,0-7 0,0-2 0,0 17 1247,0-12-1247,0-20 4404,0 6-4404,0-8 0,0 1 0,0-12 0,0 2 0,0-3 0,0 0 0,0 0 0,0 0 0,0 0 0,0-2 0,0-2 0</inkml:trace>
+  <inkml:trace contextRef="#ctx0" brushRef="#br0" timeOffset="2833">17514 6398 24575,'0'53'0,"9"-18"0,2 2 0,-2 8 0,3 0 0,11 3 0,5-2 0,-4-7 0,2-2 0,1-7 0,0-3 0,0-1 0,1-3 0,22 10 0,8 0-1356,-28-19 1,2 0 1355,3 2 0,-1-2 0,0-1 0,1-1-50,7-2 0,0 1 50,-6 1 0,1-1 0,4-6 0,2-2 0,-1 4 0,-1-1 0,-6-3 0,2-2-79,20 0 1,3 0 78,-3 1 0,1 0 0,1-1 0,1-2 0,2-5 0,-1-3 0,1-3 0,-1-3 0,-1-7 0,1-3 0,-17 9 0,1 0 0,-2-1 0,7-8 0,-4 1 0,-8 5 0,-5 0 0,6-7 0,-18 11 0,-15 9 0</inkml:trace>
+  <inkml:trace contextRef="#ctx0" brushRef="#br0" timeOffset="4234">19950 2995 24575,'-22'0'0,"-22"0"0,1-2 0,-13 0 0,-7-1 0,2 3-1236,10 3 0,0 1 0,-2 2 0,-1 0 0,-3 0 1236,-2-1 0,-2 0 0,-3 1 0,0 1 0,0 1 0,1 1 0,-1 2 0,0 2 0,-1 1 0,2 1 0,0 0 0,3 1 0,-2 3 0,1 0 0,2 0 0,1 2 0,-2-1 0,-2 1 0,-1-1 0,0 2 0,0 1 0,1 2 0,8-2 0,1 2 0,0 2 0,0 0 0,1 2 0,-1-1 0,1 1 0,1 0 0,0 0 0,1 2 0,-2 2 0,0 4-290,4-2 1,-1 3-1,-1 2 1,0 2-1,1 1 1,0 0-1,1 0 1,2-2 289,-1 1 0,2 0 0,0 0 0,2-1 0,0 2 0,0-1 0,1 2-389,-1 1 0,1 1 0,-1 1 0,2 0 0,0 0 1,2-2-1,2-1 389,-4 5 0,3-2 0,2-1 0,0 0 0,0 3 0,-2 3 0,0 1 0,1 1 0,1 0 0,2 0-333,3-3 1,1-1-1,2 1 1,-1 1 0,0 2 332,0-1 0,-2 2 0,1 2 0,0 0 0,2 0 0,2 0 0,3-2 0,2-1 0,2 1 0,0 0 0,2 0 0,0 0 0,1 0 0,1 2 0,1 1 0,1-2 0,1-2 0,0-2 0,0 4 0,2-4 0,1-1 0,1 3 0,2 8 0,2 2 0,2-1 0,2-6 0,6 10 0,2-4 189,-2 2 1,3 1-190,6-14 0,3 1 0,1-7 0,2-11 0,2-2 602,8 16 1,1 0-603,-3-10 0,1-3 0,-1-4 0,0 0 0,3 3 0,1 0 0,6 0 0,0-2 0,0-2 0,2-1 1490,11 4 0,4-2-1490,-3-5 0,0-1 190,-12-5 0,1 0 0,0-2-190,0-1 0,-1-2 0,4 1 0,0 0 0,2 2 0,3-1 0,3 0 0,0-1 0,3-1 0,2 0 0,1-1 0,0 0 0,-1 0 0,0-1 0,0 0 0,2-1 0,2-1-181,0 0 0,2 0 1,1-1-1,1-1 1,-1 0-1,-2-1 181,-6-2 0,-2-1 0,-1 0 0,1-1 0,1-1 0,1 1 0,1-2 0,0 0 0,2-1 0,1 0 0,-1 0 0,1-1 0,-1 1 0,-1 0 0,0 1 0,1 0 0,-1-1 0,0 0 0,0-1 0,0-1 0,-1-2 0,0-1 0,0-1 0,0-1 0,-1 0 0,1 0 0,0-1 0,0 0 0,1 0 0,0 0 0,0-1 0,0-1 0,-2-1 0,-1-2 0,3-2 0,-2-3 0,-1-1 0,0-2 0,0 1 0,1-1 0,2-1 0,2 0 0,-1 0 0,1-2 0,-3 0 0,-1-1-126,4-4 1,-1-1 0,-3-1-1,0-1 1,0 1 125,-3 1 0,-1 0 0,0 0 0,-3 0 0,-2 0 0,1-4 0,-2-1 0,-3 2 0,-1 0 0,5 0 0,-3 1 0,-3-1 0,5-9 0,-3 0 538,-4 4 1,-2-2-539,1-11 0,-2-1 0,1 4 0,-3-1 408,-8-4 1,-4-1-409,-6 9 0,-3-1 0,-5-3 0,-2-5 0,0-1 0,-1-5 0,-2-5 0,-3 11 0,0-4 0,-2-3 0,-2 0 0,-1 0-13,-3-2 1,-1-1 0,-3 0-1,-1-1 1,-1-3 12,0 7 0,-1-1 0,-1-3 0,-2 0 0,0 0 0,-2 1 0,0 2 0,-2 3 0,0 1 0,-2 1 0,0 1 0,-2-1 0,0 1 0,0 0 0,-2-2 0,-1 1 0,-1-1 0,0 1 0,-1 1 0,1 0 0,-1 1 0,-2-7 0,-1 1 0,1 1 0,-1 0 0,-1 3 0,0 1 0,-5-1 0,-1 1 0,-1 2 0,0 3 0,1 2 69,-2-1 1,1 2 0,-1 3 0,-1 2-70,-1 2 0,-2 2 0,0 2 0,-2 3 0,-4 3 0,-2 2 0,2 2 0,4 1 0,-11-10 0,4 3 0,13 14 0,0 0 0,0 0 0</inkml:trace>
+</inkml:ink>
+</file>
+
+<file path=ppt/ink/ink2.xml><?xml version="1.0" encoding="utf-8"?>
+<inkml:ink xmlns:inkml="http://www.w3.org/2003/InkML">
+  <inkml:definitions>
+    <inkml:context xml:id="ctx0">
+      <inkml:inkSource xml:id="inkSrc0">
+        <inkml:traceFormat>
+          <inkml:channel name="X" type="integer" min="-2.14748E9" max="2.14748E9" units="cm"/>
+          <inkml:channel name="Y" type="integer" min="-2.14748E9" max="2.14748E9" units="cm"/>
+          <inkml:channel name="F" type="integer" max="32767" units="dev"/>
+        </inkml:traceFormat>
+        <inkml:channelProperties>
+          <inkml:channelProperty channel="X" name="resolution" value="1000" units="1/cm"/>
+          <inkml:channelProperty channel="Y" name="resolution" value="1000" units="1/cm"/>
+          <inkml:channelProperty channel="F" name="resolution" value="0" units="1/dev"/>
+        </inkml:channelProperties>
+      </inkml:inkSource>
+      <inkml:timestamp xml:id="ts0" timeString="2023-06-28T07:24:24.578"/>
+    </inkml:context>
+    <inkml:brush xml:id="br0">
+      <inkml:brushProperty name="width" value="0.05292" units="cm"/>
+      <inkml:brushProperty name="height" value="0.05292" units="cm"/>
+      <inkml:brushProperty name="color" value="#FF0000"/>
+    </inkml:brush>
+  </inkml:definitions>
+  <inkml:trace contextRef="#ctx0" brushRef="#br0">10783 10874 24575,'0'12'0,"0"1"0,0 4 0,0 0 0,0-2 0,0-3 0,2-9 0,24 0 0,12-15 0,18-1 0,-5-11 0,-11 2 0,-16 7 0,-7-1 0,-14 12 0,-24-2 0,3 6 0,-23 0 0,18 0 0,-4 0 0,5 3 0,0 5 0,3 6 0,1 5 0,7-1 0,0 3 0,8-7 0,-3 0 0,2-1 0,0-4 0,2 1 0,10-14 0,8-15 0,2-5 0,4-8 0,-8 4 0,-3 8 0,-1 0 0,-7 10 0,0 1 0,-3 2 0,-10-3 0,-12 0 0,-21 5 0,7-2 0,-9 7 0,22 0 0,-4 0 0,9 0 0,1 3 0,6 4 0,2 0 0,2 6 0,1-4 0,2 10 0,1-5 0,3 5 0,3-7 0,3-3 0,7-3 0,3-3 0,4-3 0,-4-3 0,-1-6 0,-8 1 0,1-4 0,-7 6 0,2-4 0,-6 3 0,-4-2 0,-7 2 0,-4 3 0,-4 1 0,4 3 0,-3 0 0,6 0 0,-2 0 0,7 2 0,0 9 0,6 4 0,1 7 0,3 0 0,0 4 0,20 0 0,9 1 0,26-8 0,-9-8 0,-5-7 0,-4-18 0,-9-9 0,4-12 0,-13 5 0,-9 7 0,-7 6 0,-3 4 0,-2 3 0,-5 1 0,-7 8 0,-1-2 0,-6 3 0,3 0 0,-4 0 0,0 7 0,3 9 0,1 4 0,2 11 0,4 1 0,4 1 0,4 9 0,4-4 0,0 0 0,3-5 0,8-6 0,19-6 0,-3-9 0,13-4 0,10-8 0,1-30 0,6-2 0,-37-1 0,-6-4 0,0-11 0,-21 0 0,-10 23 0,-31 4 0,-8 12 0,21 5 0,0 1 0,-15 6 0,8 8 0,23 10 0,-1 3 0,6-2 0,3-5 0,4-3 0,4-4 0,3-1 0,0-3 0,0 0 0,2-2 0,5-2 0,-3-2 0,2 0 0</inkml:trace>
+  <inkml:trace contextRef="#ctx0" brushRef="#br0" timeOffset="1584">10536 9722 24575,'0'6'0,"0"7"0,0 2 0,0 3 0,0 3 0,0-6 0,0-1 0,6-5 0,1-5 0,10-1 0,12-3 0,0 0 0,9 0 0,4-13 0,0-7 0,-15-2 0,-1-3 0,-4-4 0,-2-2 0,-5-2 0,-4-2 0,0-5 0,-7 0 0,-25-20 0,0 26 0,-3 3 0,-27-3 0,19 19 0,0 4 0,-17 2 0,10 5 0,1 4 0,7 25 0,14-4 0,-2 26 0,14-13 0,2 8 0,3-4 0,0 5 0,11-3 0,3-6 0,15-5 0,0-12 0,4-1 0,-1-8 0,-5-4 0,14 0 0,-13-20 0,3 2 0,-14-29 0,-13 8 0,1-14 0,-18 0 0,0 13 0,-8 6 0,-4 1 0,-27-4 0,20 15 0,0 2 0,-22 1 0,21 15 0,3 24 0,17 15 0,5-7 0,1 2 0,3 22 0,8-9 0,21-13 0,-1-16 0,23 0 0,-14-14 0,0-4 0,-7 0 0,-4-7 0,-3 0 0,-5-7 0,-5 0 0,-2 1 0,-3 2 0,-1 2 0,-3 3 0,0 0 0,-6 2 0,-2 2 0,-5 2 0,-1 0 0,4 0 0,-8 0 0,6 5 0,-1 2 0,5 5 0,7-3 0,-2-3 0,3-3 0</inkml:trace>
+  <inkml:trace contextRef="#ctx0" brushRef="#br0" timeOffset="3200">10582 8508 8191,'-7'9'0,"2"-5"5063,8 11-5063,7-7 2818,-2 1-2818,17-5 1719,-9-1-1719,11-3 6784,9 0-6784,-1-8 0,0-3 0,-2-15 0,-9 1 0,4-33 0,2 2 0,-20 16 0,-2-1 0,4-18 0,-15 1 0,-18 31 0,-10 6 0,-17 14 0,1 23 0,-1 12 0,15 27 0,10 7 0,15-8 0,4-12 0,4-16 0,15-6 0,-2-6 0,18-6 0,7-4 0,-8-4 0,12 0 0,-13-12 0,1-6 0,-1-13 0,-7-3 0,-6 6 0,-4-3 0,-8-2 0,-1 0 0,-13-11 0,-17 15 0,-14 6 0,-13 12 0,8 17 0,8 15 0,13 10 0,13-1 0,6 1 0,6-14 0,2-2 0,5-3 0,13-8 0,0-1 0,4-3 0,-10 0 0,-5-3 0,-3-4 0,0 3 0,-2-5 0,-1 6 0,-3-3 0,-3 2 0,-7 2 0,-1 2 0,-10 0 0,6 6 0,-3 5 0,4 7 0,3 1 0,0 4 0,8-6 0,0 0 0,8-8 0,8-6 0,1-12 0,5-2 0,-12-11 0,-14 4 0,-16 4 0,-4 8 0,-1 6 0,11 0 0,7 0 0,0 0 0,4 0 0,3 6 0,0-4 0,3 4 0</inkml:trace>
+  <inkml:trace contextRef="#ctx0" brushRef="#br0" timeOffset="5016">10739 8482 24575,'0'0'0</inkml:trace>
+  <inkml:trace contextRef="#ctx0" brushRef="#br0" timeOffset="5435">10726 9110 24575,'0'42'0,"0"-1"0,0 3 0,0 4 0,0 2 0,0 12 0,0 4 0,0-1-2453,0 1 0,0 0 1,0-2 2452,0-5 0,0-2 0,0-1 0,0-8 0,0 0 0,0-7 0,0 20 0,0 3 0</inkml:trace>
+  <inkml:trace contextRef="#ctx0" brushRef="#br0" timeOffset="5989">10726 11368 24575,'0'57'0,"0"-21"0,0 3 0,0 10 0,0 5-1076,0-4 1,0 4-1,0 4 1076,0-5 0,0 3 0,0 1 0,0 1 0,0 4 0,0 1 0,0 1 0,0 1-724,0-10 1,0 2-1,0-1 1,0-1 0,0-4 723,0 9 0,0-4 0,0-4 0,0 6 0,0-12 0,0-22 0</inkml:trace>
+  <inkml:trace contextRef="#ctx0" brushRef="#br0" timeOffset="6567">10643 13604 24575,'0'47'0,"0"10"0,0-4 0,0 5 0,0-10 0,0 1 0,0 1-1881,0 0 0,0 1 0,0 1 1881,0 4 0,0 1 0,0-3 0,0 3 0,0-1-412,0 8 0,0 0 412,0 1 0,0-3 262,0-18 1,0-1-263,0 7 0,0-3-454,0-2 454,0 1 0,0-25 0,0-12 0</inkml:trace>
+  <inkml:trace contextRef="#ctx0" brushRef="#br0" timeOffset="7684">10643 16057 24575,'0'26'0,"0"8"0,0 20 0,0 0 0,0 10 0,0-23 0,0 0 0,0-23 0,0-1 0,0 0 0,0-6 0,0 6 0,0-10 0,0 2 0,0-3 0,0 0 0,0 0 0,0 0 0,0 0 0,0 0 0,0 0 0,0 0 0,0 0 0,-3 0 0,3-5 0,-3-27 0,3-7 0,0-6 0,0-6 0,0-4 0,0-16 0,0-1 0,-2 14 0,0 2 0,2 8 0,0 4 0,-4-13 0,4 22 0,0 13 0,-3 1 0,3 9 0,-3 0 0,3 0 0,0 3 0,0 0 0</inkml:trace>
+  <inkml:trace contextRef="#ctx0" brushRef="#br0" timeOffset="18501">10682 16685 24575,'32'7'0,"22"23"0,-1-2 0,-26-6 0,0-1 0,18 3 0,-18-3 0,-8-9 0,-4-3 0,-12-6 0,0-3 0</inkml:trace>
+  <inkml:trace contextRef="#ctx0" brushRef="#br0" timeOffset="19570">10684 16941 24575,'6'-25'0,"14"-11"0,9-16 0,-9 23 0,1 0 0,14-19 0,-8 11 0,-11 17 0,-7 1 0,-3 8 0,-1-1 0,-1 6 0,1 0 0,-4 0 0,1-5 0,-2 7 0,0-4 0</inkml:trace>
+  <inkml:trace contextRef="#ctx0" brushRef="#br0" timeOffset="31352">11041 7331 24575,'-44'8'0,"4"3"0,14 4 0,-4 8-1216,-3 4 1,-5 7 0,-2 3-1,1 3 1216,4-2 0,0 3 0,0 2 0,-1 2 0,-1 1-657,0-1 0,-2 2 0,-1 1 1,0 2-1,1 0 0,1 2 657,6-4 0,0 1 0,0 2 0,1 0 0,1 0 0,1 0 0,1-1 0,-1 3 0,1 0 0,2-1 0,0 1 0,1 0 0,-1 0 0,1 2 1,0 0 0,0 1 0,0 0 0,2-1 0,1-1-1,-1 4 0,1 0 0,1-1 0,1-1 0,2-2 0,1 2 0,1-2 0,2-1 0,0-1 0,-2 10 0,1-2 0,3-3 0,4 9 0,2-3 0,0-17 0,0 1 0,0-1 0,1 0 0,1 0 0,0 0 0,0-1 0,-1 0 0,1 3 0,1 16 0,1 4 0,0-3 0,0-13 0,0-3 0,1 3-465,0-2 1,1 4 0,1-1 0,-1-4 464,0 0 0,0-4 0,0 1 0,0 5 0,0 1 0,0-2 0,0-3 0,0-1 0,0 1 0,0 1 0,0 0 0,0 0 0,0-2 0,0 0 0,0-1-35,0 1 1,-1 0-1,2 0 35,0 0 0,1-1 0,0 1 724,0 0 0,0-1 0,1-1-724,2 6 0,1 1 435,1 2 0,1 4 0,0-3-435,2 7 0,2 1 0,-3-14 0,3 5 0,-1-1 0,1-3 0,1 1 0,0-3 0,2 0 0,3 4 0,2 0 0,2-4 1175,7 7 1,3-4-1176,5 2 0,2-3 0,-1-8 0,1-4 0,4-2 0,1-1 1223,-3-5 0,1-2-1223,5-1 0,1-2 790,-7 0 1,1-1-791,2-3 0,-3-1 0,15 11 0,-9-11 716,-16-7-716,-12-5 188,7 0-188,-8-3 0,0 0 0,3-4 0,-6 0 0,6 0 0,1 0 0,6 0 0,4 0 0,17-5 0,-9-7 0,5-5 0,4-5 0,-3-6 0,0-4-1017,5-1 0,-1-3 1017,-1-4 0,-2-4 0,-14 9 0,0-4 0,-2-1-423,0-2 1,-2-2-1,1-2 423,-3 2 0,1-2 0,0-2 0,-4-1 0,-1-3 0,-3-2 0,-2 0 0,0 2-1318,3-8 1,-1 1 0,-3-1 1317,-5 12 0,-1-1 0,-1-1 0,-1-1 0,1-7 0,-3-2 0,1-1 0,-1 0 0,1-1 0,0 0 0,0-1 0,-1 1 0,-2 0 0,0 1 0,0 0 0,1 0 0,0-1 0,0 0 0,0 1 0,-1 4 0,-2 1 0,-2 3 0,1-1-930,1-9 1,-1-3 0,0 1 929,-2 14 0,0 1 0,0-1 0,0 1 0,0-10 0,0 1 0,0-4 0,0 0 0,0-5 0,0 0 0,0 5 0,0 5 0,0 4 0,0-3 0,-2-2 0,0-3 0,-2 0 0,0 4 0,-2 2 0,-2 3 0,0-1 0,-3-5 0,-1 0 0,-1-2 0,3 11 0,-1-1 0,0 0 0,0 1 0,-3-9 0,0 2 0,1-1 0,-1-1 0,0-1 0,0 0 159,0-1 0,-1 1 0,1-1-159,-1 2 0,1-1 0,0 2 0,2 9 0,0 2 0,1 1 402,-2-15 1,1 6-403,-5-4 3503,5 16-3503,1 13 4066,-4 15-4066,-2 11 1191,-11 1-1191,-11 3 0,-7 0 0,7 0 0,-1 0 0,12 0 0,-3 0 0,-16 0 0,11 0 0,-15 0 0,17-11 0,-8 1 0,11-14 0,-6 2 0,8 1 0,-1-3 0,7 8 0,4-6 0,6 11 0,2-6 0,1 10 0,4-2 0,3 5 0,0 2 0</inkml:trace>
+  <inkml:trace contextRef="#ctx0" brushRef="#br0" timeOffset="44102">10804 7743 24575,'18'0'0,"7"0"0,19 0 0,12 0 0,-21 0 0,1 0 0,24 0 0,6 4 0,-21 1 0,8 4 0,-18-1 0,7 0 0,-26-4 0,5 3 0,-11-6 0,-2 4 0,0 1 0,-7 1 0,4 2 0,-4 2 0,4 6 0,-4 3 0,2 6 0,0-6 0,0 0 0,0-8 0,0-3 0,-3-3 0,3 0 0,-3 3 0,3-2 0,-3 1 0,0-2 0,0-1 0,0 1 0,0 3 0,0 1 0,0 0 0,0 9 0,3-2 0,-2 14 0,5-3 0,-6 10 0,6-6 0,-5 8 0,2-12 0,-3-5 0,0-10 0,3-7 0,-3-6 0,3-7 0,-3-10 0,0-7 0,-4-18 0,-11-10 0,3 18 0,-2-2-715,-2-6 0,-1-2 715,-7 0 0,0-1 0,4-3 0,0-2-186,-10-3 0,-1-2 186,5-1 0,0-1 0,-3 6 0,2 1 0,10 11 0,0 5 0,-8-1 0,14 16 0,1 14 0,-1-4 1402,4 9-1402,-4 0 400,-2 0-400,-3 3 0,-4 3 0,4 1 0,-1 3 0,4-4 0,-1 1 0,-3 0 0,3 0 0,-7 0 0,6 0 0,-2 3 0,0-3 0,2 3 0,-2 0 0,4-3 0,-7 6 0,9-6 0,-5 2 0,8 0 0,1 0 0,-2-2 0,6 1 0,-2-7 0,4 1 0,-2-2 0</inkml:trace>
+</inkml:ink>
+</file>
+
+<file path=ppt/ink/ink3.xml><?xml version="1.0" encoding="utf-8"?>
+<inkml:ink xmlns:inkml="http://www.w3.org/2003/InkML">
+  <inkml:definitions>
+    <inkml:context xml:id="ctx0">
+      <inkml:inkSource xml:id="inkSrc0">
+        <inkml:traceFormat>
+          <inkml:channel name="X" type="integer" min="-2.14748E9" max="2.14748E9" units="cm"/>
+          <inkml:channel name="Y" type="integer" min="-2.14748E9" max="2.14748E9" units="cm"/>
+          <inkml:channel name="F" type="integer" max="32767" units="dev"/>
+        </inkml:traceFormat>
+        <inkml:channelProperties>
+          <inkml:channelProperty channel="X" name="resolution" value="1000" units="1/cm"/>
+          <inkml:channelProperty channel="Y" name="resolution" value="1000" units="1/cm"/>
+          <inkml:channelProperty channel="F" name="resolution" value="0" units="1/dev"/>
+        </inkml:channelProperties>
+      </inkml:inkSource>
+      <inkml:timestamp xml:id="ts0" timeString="2023-06-28T07:25:44.446"/>
+    </inkml:context>
+    <inkml:brush xml:id="br0">
+      <inkml:brushProperty name="width" value="0.05292" units="cm"/>
+      <inkml:brushProperty name="height" value="0.05292" units="cm"/>
+      <inkml:brushProperty name="color" value="#FF0000"/>
+    </inkml:brush>
+  </inkml:definitions>
+  <inkml:trace contextRef="#ctx0" brushRef="#br0">3489 5081 8191,'0'17'0,"0"24"0,0 12 2239,0 2 1,0 5-2240,0-10 0,0 4 0,0-3 1443,0 13 1,0-5-1444,0-15 0,0-3 1790,0 22-1790,0-29 6564,0-19-6564,0-10 0,0-1 0,0-2 0</inkml:trace>
+  <inkml:trace contextRef="#ctx0" brushRef="#br0" timeOffset="684">3221 5485 24575,'32'0'0,"30"0"0,-28 0 0,2 0 0,3 0 0,-1 0 0,14 0 0,-24 0 0,-16 0 0,-3 0 0,-6 0 0,-1 0 0</inkml:trace>
+  <inkml:trace contextRef="#ctx0" brushRef="#br0" timeOffset="1569">3863 5590 24575,'0'49'0,"0"4"0,3 7 0,-2-9 0,2-18 0,-3-21 0,0-13 0,0-12 0,0-4 0,0 2 0,0-6 0,0 3 0,0-9 0,7 4 0,-2-8 0,13-6 0,6-9 0,-7 18 0,3 0 0,1 0 0,3 2 0,3 4 0,2 2 0,23-7 0,2 15 0,-9 8 0,-16 4 0,-12 0 0,-11 0 0</inkml:trace>
+  <inkml:trace contextRef="#ctx0" brushRef="#br0" timeOffset="3150">4361 5445 14183,'0'6'0,"0"17"4285,0-5-4285,0 14 1801,0 9-1801,0 10 983,0 6-983,0-3 3323,0-15-3323,3-10 0,7-8 0,1-9 0,30 2 0,6-1 0,-13-4 0,2-2 0,2-2 0,-1-1 0,23-1 0,3-3 0,-32 0 0,5-10 0,-24-3 0,3-14 0,-8 4 0,1-8 0,-4 3 0,0-4 0,-4-19 0,-8-6 0,1 24 0,-2 0 0,-15-26 0,-5 21 0,-3 10 0,1 17 0,-5 5 0,6 6 0,5 10 0,-4 17 0,8 17 0,-7 16 0,12-10 0,8-8 0,5-11 0,3-8 0,0 3 0,0-4 0,0-4 0,0-1 0,0-7 0,0 0 0,11-1 0,2-5 0,7 2 0,1-6 0,-3 0 0,5-6 0,2-16 0,2-18 0,-3-15 0,-2-1 0,-10 3 0,-4 20 0,-5 6 0,-3 14 0,2 7 0,4 10 0,2 11 0,2 9 0,-2 13 0,0-4 0,1 10 0,-2-10 0,1-1 0,0-6 0,2-8 0,-2 0 0,4-5 0,-1-3 0,2-3 0,4-4 0,1-3 0,4 0 0,5 0 0,10-4 0,3-6 0,5-9 0,-15-4 0,-13 8 0,-10 5 0</inkml:trace>
+  <inkml:trace contextRef="#ctx0" brushRef="#br0" timeOffset="3868">5177 5396 24575,'0'34'0,"0"0"0,0 25 0,0-14 0,0-1 0,0 4 0,0-1 0,0-30 0,0-4 0,0-3 0,0 0 0,0-5 0,0 1 0,0 0 0,0 0 0,0 0 0,0 2 0,0-2 0,0 6 0,0-9 0,0 3 0</inkml:trace>
+  <inkml:trace contextRef="#ctx0" brushRef="#br0" timeOffset="4318">5177 5078 24575,'0'0'0</inkml:trace>
+  <inkml:trace contextRef="#ctx0" brushRef="#br0" timeOffset="5617">5402 5489 24575,'0'35'0,"6"12"0,3-20 0,3 24 0,-1-25 0,-7 14 0,-1-25 0,-3 11 0,0-12 0,0 6 0,0-9 0,0 1 0,0-12 0,0-12 0,0-9 0,0-16 0,0-6 0,2 9 0,0-1 0,3-19 0,-1 19 0,1 3 0,3-7 0,7-7 0,-3 19 0,10-2 0,-4 19 0,4 3 0,24 3 0,5 0 0,-13 5 0,0 2 0,-5 3 0,0 3 0,23 18 0,-20 16 0,-11 7 0,-16 13 0,-2-11 0,-7 0 0,0 4 0,0-19 0,0 10 0,0-20 0,0-5 0,0-4 0,0-4 0,0-5 0,0-5 0,0-2 0</inkml:trace>
+  <inkml:trace contextRef="#ctx0" brushRef="#br0" timeOffset="6599">4923 6506 8191,'13'3'0,"25"0"5063,28-3-5063,-24 0 0,1 0 1409,-2 0 0,0 0-1409,-3 0 0,-2 0 1719,16 0-1719,-8-6 6784,-22-6-6784,-8-6 0,-11-4 0,0 0 0,-2 0 0,2-1 0,-3 1 0,0 7 0,0-1 0,0 6 0,-2-1 0,-2 5 0,-19-3 0,6 7 0,-15-5 0,-9 7 0,-4 0 0,-20 15 0,34-4 0,1 3 0,-1 8 0,4 2 0,-12 19 0,8 1 0,11 2 0,10 9 0,4-20 0,2 2 0,8 1 0,3 0 0,8 21 0,10-10 0,-1-25 0,-5-6 0,2-6 0,-6-2 0,6-3 0,-7-3 0,17-1 0,-20-3 0,8 0 0</inkml:trace>
+  <inkml:trace contextRef="#ctx0" brushRef="#br0" timeOffset="7416">5620 6538 24575,'4'35'0,"0"0"0,6 4 0,2 0 0,3 1 0,2 0 0,3-2 0,0-4 0,8 10 0,-10-18 0,-11-14 0,-5-17 0,-2-9 0,-12-37 0,9 13 0,-12-24 0,10 18 0,-4-1 0,4-4 0,1 15 0,4-6 0,0 9 0,0-9 0,3 9 0,13 3 0,11 7 0,13 3 0,0 7 0,-16 3 0,-9 5 0</inkml:trace>
+  <inkml:trace contextRef="#ctx0" brushRef="#br0" timeOffset="8633">5996 6382 8191,'0'12'0,"0"8"5063,0 12-5063,11 12 2818,1 6-2818,5-7 0,-4-12 0,-9-14 1719,-1-5-1719,-3-3 6784,0-2-6784,0 1 0,0-2 0,0 0 0,0 2 0,0-2 0,0 3 0,0 0 0,0 1 0,0 4 0,0 13 0,0 3 0,0 19 0,0-8 0,0-1 0,0-16 0,0-5 0,0-20 0,0-29 0,0-5 0,0-22 0,0 20 0,0 0 0,0-1 0,0 0 0,0-12 0,0 0 0,2 15 0,0 2 0,2-18 0,7 24 0,1 5 0,-2 7 0,3 1 0,1 8 0,5 2 0,7 0 0,7 4 0,-4 0 0,26 19 0,-23-11 0,5 12 0,-22-17 0</inkml:trace>
+  <inkml:trace contextRef="#ctx0" brushRef="#br0" timeOffset="10733">10282 14047 8191,'-3'2'0,"1"23"5063,2 27-5063,0-16 0,0 2 0,0 2 0,0-1 1409,0-5 0,0 2-1409,0 19 0,0 3 0,0-9 0,0 3 0,0-5 0,-1 4 0,2-1 0,0-4 0,1-1 0,0 0 0,0 15 0,2-2 266,1-7 0,0-4-266,-3-11 0,1-4 6196,1 5-6196,-4-9 0,0-9 0,0-5 0,0-8 0,0 0 1775,0-14-1775,0-29 0,0-14 0,0-1 0,0-4-1267,0 3 1,0-2 1266,0 10 0,0-2 0,0 0 0,0 0 0,0 0 0,0-2-359,0-9 1,0-3 0,0 0 358,0 0 0,0 1 0,0-1 0,0 4 0,0 0 0,0 3 0,0-11 0,0 8 0,0 0 0,0 59 0,0 20 0,0 33 0,0-21 0,0 1 773,0 1 0,0 1-773,0 7 0,0 3-359,0 3 1,0 2 358,0 7 0,0 1 0,0-12 0,0 1 0,0-1 0,0 11 0,0 0 0,0 3 0,0-1 0,0-9 0,0-1 0,0-8 0,0-1 0,0-1 0,0-3 0,0 4 0,0-14 804,0-16-804,0 3 493,0-9 1,0-3 0,0 0 0</inkml:trace>
+  <inkml:trace contextRef="#ctx0" brushRef="#br0" timeOffset="21968">11765 15753 8191,'18'-9'0,"41"-4"1965,-5-2 1,9 0-1966,-8 8 0,5 2 0,-1 0 0,-3 0 0,0-1 0,-1 2 304,1 3 0,1 2 0,-3-1-304,-8 0 0,-1 0 0,0 0 0,20 0 0,0 0 358,0 0 1,0 0-359,0 0 0,-2 0 0,-7 0 0,-1 0 1773,4 0 0,-2 0-1773,-9 0 0,0 0 0,5 0 0,-1 0 0,-8 0 0,-1 0 210,4 0 1,-1 0-211,20 0 0,-32 0 0,0 0 0,29 5 0,-4 0 0,-24-2 0,-1 0 0,17 5 2259,-8-7-2259,8 3 2208,-10-4-2208,4 0 1694,-10 0-1694,-12 0 696,-3 0-696,-5 0 0,-3 0 0,0 0 0,-2 0 0,-2 0 0,-7 0 0,-13 0 0,-14 0 0,-12 0 0,-16-4 0,14-7 0,-3-5 0,-13-7 0,-3-3 0,1-3 0,-1-1 0,17 5 0,-1-1 0,4 3 0,-3-1 0,4 2 0,6 0 0,4 2 0,-3 0 0,16 8 0,44 23 0,9 8 0,-4 1 0,4 2-403,5 2 1,3 3 402,-5 1 0,3 2 0,-3-2-831,3-3 1,0-1 830,-3 1 0,3 3 0,-4-4 0,1-1 0,-2-3 0,1-2 0,-1 1 0,0 3 0,-4-2 0,6-4 0,-18-6 737,-10-4-737,-7-3 1729,-4 5-1729,-5 1 0,-6 4 0,-6-3 0,-2-1 0,-4-2 0,3 0 0,-9 1 0,-1 0 0,-4-4 0,-5 0 0,-1-4 0,0 0 0,-4 0 0,9 0 0,-4 0 0,5 0 0,4 0 0,2 3 0,7 1 0,2 0 0,7 1 0,-2-1 0,2 2 0,1-1 0,10-1 0,26-9 0,2-4 0,22-11 0,-13-2 0,1-4 0,4 0 0,-4 0 0,-1 5 0,1-4 0,-12 8 0,1 1 0,-10 2 0,-1 6 0,-3-4 0,-4 4 0,-1-1 0,0 0 0,-5-4 0,2-7 0,-26-5 0,-10-4 0,2 13 0,-3 1 0,-2-2 0,0 2 0,0 1 0,0 2 0,2 0 0,0 1 0,-19-1 0,5 1 0,6 4 0,3 1 0,11-1 0,2 3 0,9-2 0,1 2 0,-1 0 0,1-2 0,-6-3 0,4 4 0,-1-6 0,7 8 0,0-1 0,5 2 0,-1 2 0</inkml:trace>
+</inkml:ink>
+</file>
+
+<file path=ppt/ink/ink4.xml><?xml version="1.0" encoding="utf-8"?>
+<inkml:ink xmlns:inkml="http://www.w3.org/2003/InkML">
+  <inkml:definitions>
+    <inkml:context xml:id="ctx0">
+      <inkml:inkSource xml:id="inkSrc0">
+        <inkml:traceFormat>
+          <inkml:channel name="X" type="integer" min="-2.14748E9" max="2.14748E9" units="cm"/>
+          <inkml:channel name="Y" type="integer" min="-2.14748E9" max="2.14748E9" units="cm"/>
+          <inkml:channel name="F" type="integer" max="32767" units="dev"/>
+        </inkml:traceFormat>
+        <inkml:channelProperties>
+          <inkml:channelProperty channel="X" name="resolution" value="1000" units="1/cm"/>
+          <inkml:channelProperty channel="Y" name="resolution" value="1000" units="1/cm"/>
+          <inkml:channelProperty channel="F" name="resolution" value="0" units="1/dev"/>
+        </inkml:channelProperties>
+      </inkml:inkSource>
+      <inkml:timestamp xml:id="ts0" timeString="2023-06-28T07:29:16.510"/>
+    </inkml:context>
+    <inkml:brush xml:id="br0">
+      <inkml:brushProperty name="width" value="0.05292" units="cm"/>
+      <inkml:brushProperty name="height" value="0.05292" units="cm"/>
+      <inkml:brushProperty name="color" value="#FF0000"/>
+    </inkml:brush>
+  </inkml:definitions>
+  <inkml:trace contextRef="#ctx0" brushRef="#br0">10229 13838 8191,'3'10'0,"-1"23"5063,-2 14-5063,0-12 0,0 2 1409,0-2 0,0 0-1409,0 2 0,0 1 859,0 5 1,0-1-860,0-1 0,0 1 3392,0 4 0,0 0-3392,0-2 0,0-2 0,0 2 0,0-1 0,0-2 0,0-3 0,0 22 0,0-13 0,0-2 0,4 3 0,-2-7 0,1 3 0,3-5 0,1-2 0,3 18 0,-3-17 0,-1-1 0,-1 1 0,2-1 0,-6-10 0,3 0 0,-4-1 0,0-10 0,0 2 0,0-12 0,2-2 0,1-2 0,3-22 0,1-18 0,-2-7 0,-1-7 0,-1-6 0,-1-3 0,-1 9 0,1-4 0,-1 5-868,0-3 1,-2 1 867,0-15 0,-3 4 0,-1 28 0,-1 2 0,-2-16 0,-1 0 0,-2 6 0,-2 1 0,1-3 0,0 1 0,2 10 0,1 1 0,-7-28 0,11 24 0,-2 11 0,7 0 0,-4 1 0,4 3 1735,0-8-1735,0 3 0,0-14 0,0 8 0,0-8 0,0 0 0,0-1 0,0-7 0,0 5 0,0 11 0,0 10 0,0 1 0,0 9 0,0-5 0,0 9 0,0 14 0,-7 25 0,1 26 0,-3-2 0,4-12 0,1 2 0,1-7 0,0 3 0,0 7 0,-1 6 0,0-3-899,1 6 1,1 1 898,0-11 0,0 2 0,1-1-358,1 5 1,0 1 357,0-8 0,0 2 0,0-1 0,0 19 0,0 0-40,0-14 0,0 2 0,0-3 40,0 9 0,0-2 0,0-2 0,0-2 0,0-8 0,0-1 0,0-5 0,0-2 1716,0 28-1716,0 0 0,0-14 779,0-9-779,0-10 137,0-8-137,0 4 0,0-5 0,0-4 0,0-1 0,0-7 0,0-1 0,3 0 0,0-5 0,3 1 0,4-39 0,-1-32 0,-5 24 0,-2-5 0,1-4 0,-1-9 0,-1-5 0,0-1-609,0 9 1,-1-1 0,-1-1 0,1-1 608,0-1 0,0-2 0,0 1 0,0 1 0,0 9 0,0 1 0,0 0 0,0 1 0,0-15 0,0 0 0,0 6 0,0 5 0,0 4-241,0 2 1,0 3 240,0-9 0,0 9 0,0-18 0,0 12 0,0-3 0,0 17 0,0 6 2368,0 8-2368,0 0 546,0 2-546,0 6 0,0 1 0,0 5 0,0 0 0,0 2 0,0-1 0,3 4 0,-3-1 0,3 5 0,-3-3 0</inkml:trace>
+</inkml:ink>
+</file>
+
+<file path=ppt/ink/ink5.xml><?xml version="1.0" encoding="utf-8"?>
+<inkml:ink xmlns:inkml="http://www.w3.org/2003/InkML">
+  <inkml:definitions>
+    <inkml:context xml:id="ctx0">
+      <inkml:inkSource xml:id="inkSrc0">
+        <inkml:traceFormat>
+          <inkml:channel name="X" type="integer" min="-2.14748E9" max="2.14748E9" units="cm"/>
+          <inkml:channel name="Y" type="integer" min="-2.14748E9" max="2.14748E9" units="cm"/>
+          <inkml:channel name="F" type="integer" max="32767" units="dev"/>
+        </inkml:traceFormat>
+        <inkml:channelProperties>
+          <inkml:channelProperty channel="X" name="resolution" value="1000" units="1/cm"/>
+          <inkml:channelProperty channel="Y" name="resolution" value="1000" units="1/cm"/>
+          <inkml:channelProperty channel="F" name="resolution" value="0" units="1/dev"/>
+        </inkml:channelProperties>
+      </inkml:inkSource>
+      <inkml:timestamp xml:id="ts0" timeString="2023-06-28T07:30:08.609"/>
+    </inkml:context>
+    <inkml:brush xml:id="br0">
+      <inkml:brushProperty name="width" value="0.05292" units="cm"/>
+      <inkml:brushProperty name="height" value="0.05292" units="cm"/>
+      <inkml:brushProperty name="color" value="#FF0000"/>
+    </inkml:brush>
+  </inkml:definitions>
+  <inkml:trace contextRef="#ctx0" brushRef="#br0">5578 1397 24575,'-58'0'0,"-1"0"0,0 0 0,7 0 0,1 0 0,-4 0 0,-6 0 0,-4 0 0,-2 0 0,3 0-1453,7 0 1,2 0 0,-2 0 0,-4 0 1452,3 0 0,-5 0 0,-2 0 0,0 0 0,1 0 0,6 0-1159,-3 0 1,5 0 0,-1 0 0,-4 0 1158,1 0 0,-6 0 0,-3 0 0,2 0 0,2 0 0,8 0 0,-12 0 0,8 0 0,-4 0-228,4 0 1,-3 0 0,-1 0 0,3 0 227,9 0 0,1 0 0,0 0 0,2 0-485,-16 0 0,1 0 0,3 0 485,10-1 0,2 0 0,1 3 221,2 3 0,0 3 0,3 0-221,-7 1 0,0 5 0,4 10 0,0 7 0,3 0 0,0 5 0,2 4 0,3-4 0,-1 3 0,4 4 0,5 5 0,5 3 0,1 3 0,5-6 0,0 2 0,1 2 0,2 2 0,-1 7 0,2 3 0,2 1 0,0-1 0,3-1 0,1-1 0,1 1 0,2 1 485,3-10 0,0 2 0,2-1 0,1 0 0,1-4-485,2 14 0,2-3 0,3 0 0,2-8 0,2 1 0,3 0 0,3-5 0,9 6 0,4-5 0,5-1 539,-4-8 1,4-2 0,2 1 0,1-2-540,3 0 0,3-1 0,0 0 0,2-1 0,1-1 0,1 0 0,0-2 0,-1-2 14,4 2 0,-2-3 0,1-1-14,1-3 0,0-1 0,0-3 0,-7-5 0,1-3 0,-1 0 0,2-1 0,1 0 0,2-1 0,7-1 0,2-1 0,-2-1-118,6 1 0,-1-2 118,2-3 0,-2 0 0,-13 2 0,-2 0 0,5-2 0,0 0 0,0 2 0,-1 1 288,0-1 0,-1-1-288,-2-1 0,0 0 0,-2 2 0,0 0 0,1-2 0,0-1 0,-4-2 0,3 0 493,18 0 1,3-1-494,-2-3 0,2-3 0,-11-3 0,2-1 0,0-2 667,1 0 0,0 0 0,0-1-667,-3-2 0,-1 0 0,-1 1 0,-3 2 0,-1 1 0,0 1 0,3 2 0,0 1 0,0 1 0,-4 2 0,-1 1 0,-1-1 0,18-1 0,-3 1 0,-13 2 0,-2 0 0,0-1 0,-3-2 0,16-2 0,-17 1 0,3-2 0,-1-4 0,-2-2 0,-6-1 0,-1-1 0,8-4 0,-2-3 0,-9-1 0,-2-2 0,-2 2 0,-2-1 0,0-4 0,-3 0 0,12-16 0,-7 8 0,-1-1 0,-10 7 0,0 0 0,4-4 0,1 1 0,-2-1 0,-1 2 0,5-15 0,-5 17 0,0-1 0,10-26 1676,9 2-1676,-15 10 636,-2 13 0,-1-1-636,8-24 0,-12 23 0,-2-1 0,6-22 182,-15 16 0,-2-1-182,0-2 0,-1-3 0,-2 1 0,0-3 0,-2 2-441,-2-6 1,-2 0 440,-1-5 0,-3 1 41,-3 8 1,-2 0-42,0-6 0,-1 1 0,-1 5 0,0 1 0,2 3 0,-2 2 0,-7-4 0,-4 2 0,-2 1 0,-4-1-1032,-5-7 0,-3 2 1032,-2 5 0,1 3 0,3 4 0,1 1 0,-4 1 0,0 0 0,-5-6 0,0 0-418,-3 3 0,-1 2 418,13 10 0,-1 1 0,0 1 0,-15-7 0,-1 3 0,-5 2 0,0 3 0,3 4 0,0 3 0,-2 6 0,0 2-659,4 1 0,1 3 659,4 4 0,-1 0-364,-5-1 0,3 2 364,14 2 0,3 2 0,-10 3 0,4 4 0,-9 17 0,20-7 0,11-5 0</inkml:trace>
+</inkml:ink>
+</file>
+
+<file path=ppt/ink/ink6.xml><?xml version="1.0" encoding="utf-8"?>
+<inkml:ink xmlns:inkml="http://www.w3.org/2003/InkML">
+  <inkml:definitions>
+    <inkml:context xml:id="ctx0">
+      <inkml:inkSource xml:id="inkSrc0">
+        <inkml:traceFormat>
+          <inkml:channel name="X" type="integer" min="-2.14748E9" max="2.14748E9" units="cm"/>
+          <inkml:channel name="Y" type="integer" min="-2.14748E9" max="2.14748E9" units="cm"/>
+          <inkml:channel name="F" type="integer" max="32767" units="dev"/>
+        </inkml:traceFormat>
+        <inkml:channelProperties>
+          <inkml:channelProperty channel="X" name="resolution" value="1000" units="1/cm"/>
+          <inkml:channelProperty channel="Y" name="resolution" value="1000" units="1/cm"/>
+          <inkml:channelProperty channel="F" name="resolution" value="0" units="1/dev"/>
+        </inkml:channelProperties>
+      </inkml:inkSource>
+      <inkml:timestamp xml:id="ts0" timeString="2023-06-28T07:30:39.744"/>
+    </inkml:context>
+    <inkml:brush xml:id="br0">
+      <inkml:brushProperty name="width" value="0.05292" units="cm"/>
+      <inkml:brushProperty name="height" value="0.05292" units="cm"/>
+      <inkml:brushProperty name="color" value="#FF0000"/>
+    </inkml:brush>
+  </inkml:definitions>
+  <inkml:trace contextRef="#ctx0" brushRef="#br0">4188 330 24575,'-13'0'0,"-22"-1"0,-10 2 0,-12 3 0,-5 2-1899,13-5 1,-2-1 0,0 1 1898,-5 4 0,0 1 0,2-1 0,10-4 0,1-1 0,-6 0 0,0 2 0,-7 0 0,-2 1 0,-1-1 0,2 0 0,-4 0 0,1-1 0,-1 1 0,-3 1 0,0 0 0,-3 0 0,-1 1 0,0 1 0,5 2 60,-2 2 0,3 1 1,3 2-1,1 2-60,7 1 0,2 2 0,2 0 0,3 1 0,0-2 0,4 1 0,1 3-117,-6 8 1,0 5 0,7-3 116,9-6 0,2 0 0,-19 14 0,-1 1-376,14-7 1,1-1 375,-3-2 0,3-1 0,8-1 0,1 1 0,-10 5 0,1 1 0,10-7 0,1 1 0,-10 5 0,-1 2 0,9-3 0,1 0 0,-16 17 0,19-18 0,0-1 0,-15 19 1032,17-21 1,0 2-1033,-17 27 0,8-7 0,-2 4 0,6-11 0,4 11 0,1-5 0,11-14 0,1-1 0,-4 19 0,5 4 0,3-1 0,1-7 0,0-1 0,0 2 0,-1-8 0,2-2 0,6 14 0,-3-12 0,5 0 574,12-5 0,7-3-574,4 1 0,5 1 0,-5-3 0,3 0 0,2-2 0,4-4 0,3-2 0,1-1-467,5 1 0,2-1 1,-2-2 466,-4-6 0,-2-2 0,1 1 0,-1 1 0,0 0 0,-1-3 60,8-3 0,-2-1-60,-7 3 0,0 0 0,8-3 0,-1-1 0,-4 3 0,0-1-484,5-1 0,1 0 484,3-1 0,0 0 0,-4-2 0,1-1 0,7 1 0,1 0 0,-5-1 0,1 1 0,6 0 0,5 0 0,-4 0 0,3 0 0,-4 0 0,-4-2 0,2 0-556,-8 0 0,7 1 0,0-1 0,-9 0 556,-2 0 0,-1-1 0,15 0 0,10-1 0,-4 1 536,-14-2 0,-2 1 0,2 0-536,0-2 0,3 0 0,0 0 0,-4 0 0,2 0 0,-3 0 0,2 0 0,-2 0 0,2 0 0,1 0 0,-3 0 0,7 0 0,-2 0 0,0 0 61,1-2 1,0-1-1,-1 0-61,2-1 0,-1-1 0,-5-2 0,-2-5 0,-3-2 0,1-1 0,-2-1 662,-10-1 1,-3-3-663,-5 0 0,-3-3 0,0-3 0,-2-2 0,6-18 2771,-2-2-2771,-10 11 1277,0-1-1277,-4-6 648,0 1-648,-1-20 0,-6 9 0,-2 20 0,-1 0 0,-3-22 0,0 15 0,0-1 0,0-21 0,0 19 0,0-1 0,1 2 0,-2 1 0,0 5 0,-2 0 0,-1-11 0,-2-1 0,-6 3 0,-4 0 0,-7-8 0,-6-2 0,5 15 0,-3 0 0,-3 1-710,-9-7 0,-3 0 0,-2 2 710,2 5 0,-2 2 0,-1 1-999,-5-3 0,-1-1 0,2 4 999,10 10 0,1 1 0,-2 0 0,-10-5 0,-2 0 0,0 1-308,3 2 0,1 1 0,-2 0 308,5 4 0,-2 0 0,0 0 0,4 2 0,0 1 0,2 1 0,1 1 0,-16-7 0,2 3 0,15 11 0,2 3 0,3-3 0,0 1-20,-2 1 0,2 1 20,-14-1 1670,15 5-1670,0-4 3136,2 8-3136,8-4 1229,-19 4-1229,17 0 0,-3 0 0,19 0 0</inkml:trace>
+</inkml:ink>
+</file>
+
+<file path=ppt/ink/ink7.xml><?xml version="1.0" encoding="utf-8"?>
+<inkml:ink xmlns:inkml="http://www.w3.org/2003/InkML">
+  <inkml:definitions>
+    <inkml:context xml:id="ctx0">
+      <inkml:inkSource xml:id="inkSrc0">
+        <inkml:traceFormat>
+          <inkml:channel name="X" type="integer" min="-2.14748E9" max="2.14748E9" units="cm"/>
+          <inkml:channel name="Y" type="integer" min="-2.14748E9" max="2.14748E9" units="cm"/>
+          <inkml:channel name="F" type="integer" max="32767" units="dev"/>
+        </inkml:traceFormat>
+        <inkml:channelProperties>
+          <inkml:channelProperty channel="X" name="resolution" value="1000" units="1/cm"/>
+          <inkml:channelProperty channel="Y" name="resolution" value="1000" units="1/cm"/>
+          <inkml:channelProperty channel="F" name="resolution" value="0" units="1/dev"/>
+        </inkml:channelProperties>
+      </inkml:inkSource>
+      <inkml:timestamp xml:id="ts0" timeString="2023-06-28T07:32:50.809"/>
+    </inkml:context>
+    <inkml:brush xml:id="br0">
+      <inkml:brushProperty name="width" value="0.05292" units="cm"/>
+      <inkml:brushProperty name="height" value="0.05292" units="cm"/>
+      <inkml:brushProperty name="color" value="#0070C0"/>
+    </inkml:brush>
+    <inkml:brush xml:id="br1">
+      <inkml:brushProperty name="width" value="0.05292" units="cm"/>
+      <inkml:brushProperty name="height" value="0.05292" units="cm"/>
+      <inkml:brushProperty name="color" value="#FFC000"/>
+    </inkml:brush>
+    <inkml:brush xml:id="br2">
+      <inkml:brushProperty name="width" value="0.05292" units="cm"/>
+      <inkml:brushProperty name="height" value="0.05292" units="cm"/>
+      <inkml:brushProperty name="color" value="#FF0000"/>
+    </inkml:brush>
+  </inkml:definitions>
+  <inkml:trace contextRef="#ctx0" brushRef="#br0">3118 7238 24575,'18'21'0,"-2"0"0,7 3 0,-3 3 0,4-2 0,2 8 0,1 0 0,5 6-215,1-2 0,-2 0 215,-7-6 0,4-4 0,3 1 0,15 16 0,-8-11 0,3 2 0,-3-1 0,0-1 0,1-1 0,1 0 0,0 0 0,0 0 0,-2 0 0,0-1 0,2 5 0,0 1 0,-1-1 0,0 1 0,5 6 0,0-2-584,-10-11 1,-1-2 583,7 5 0,1 0-222,-3-2 0,2 0 222,10 7 0,3 3 0,-12-10 0,0 3 0,0-3-876,13 10 0,-2-2 876,-3-1 0,-4-2 0,-16-15 0,-3-2 0,3 2 0,-2 1 0,17 15 0,3-2 0,-6 1 1411,-12-15-1411,-5-2 436,-10-8-436,-7 20 1946,7-3-1946,0 20 0,19 8 0,-5-14 0,1 2-879,-3-4 1,1 0 878,10 10 0,3 3 0,-9-11 0,1 2 0,0-3 0,5 4 0,2 1 0,-6-5 0,2 3 0,1-2 0,0-2 0,1-2 0,2 0 0,2 1 0,2 0 0,2 2 0,-1-2 0,2 3 0,1 0 0,0 0 0,-1-2 0,-1-1 0,1 0 0,1 1-470,-6-6 0,1 1 0,1 0 1,1-1-1,0 1 470,1 0 0,2 1 0,0-1 0,1 1 0,0 0-580,4 2 1,1 1 0,1-1 0,1 1 0,0-1 579,-5-5 0,1 1 0,0-2 0,1 1 0,-1-1 0,-2 0 0,6 3 0,0-1 0,-2 0 0,0-1 0,-2-1 0,5 2 0,-1-2 0,-2-1 0,-3-2 0,0 0 0,-3-3 0,-4-2-151,0-1 0,-5-2 151,15 8 1236,-18-12-1236,-17-5 0,9 15 0,9 12 0,4 2 0,-6-6 0,3 1 0,2 3 0,3 2 0,3 2-372,-6-6 0,3 3 1,2 2-1,2 1 1,1 0-1,1 1 1,0 0-1,1-1 372,-1-1 0,1 0 0,1 0 0,1 1 0,0-1 0,1 1 0,0-1 0,-1-1 0,0 1 0,-2-2 0,0-1 0,0 1 0,0-1 0,0 0 0,0 0 0,0 0 0,1-1 0,0-1 0,0 0 0,2 1 0,0-1 0,1-1 0,-1 0 0,-1 0 0,-1-2 0,-2-1 0,-3-1 0,5 4 0,-3-2 0,-1-2 0,-2 0 0,0-1 0,1 0 0,11 6 0,0 1 0,0-2 0,-3-1 0,-6-3 311,2 1 0,-6-2 0,-2-3-311,8 4 0,0-2-212,11 5 1,-4-4 211,-6 0 0,-9-11 0,-4 0 0,-19-5 0,12 12 0,10 9 0,-2 1 0,7 7 0,3 4 0,4 2 125,-11-12 1,3 2 0,2 2 0,2 0 0,1 1 0,-1 0 0,1 1-126,-4-4 0,1 2 0,1 0 0,0 0 0,0 0 0,0-1 0,-1 0 0,0-1-456,3 2 0,0 1 0,-1-1 0,1-1 0,-3-2 0,-1-1 0,-2-3 456,10 7 0,-3-3 0,-2-2 0,-4-3 0,0-1 0,-3-3 0,-3-2-103,7 3 0,-2-3 103,0 1 0,-2-1-67,-7-3 1,-3-2 66,14 5 3178,-20-12-3178,-7-5 6181,0-8-6181,-7 3 1534,4-3-1534,-6 4 288,-3-4-288,0 3 0,0-6 0,-2 5 0,1 1 0,4 3 0,8 14 0,15 3 0,2 7 0,-1-4 0,-7-9 0,-10-7 0,-6-4 0,-2-6 0,-2 2 0,1-1 0,2 2 0,-3 0 0,3 0 0,-2 0 0,5 1 0,-2 2 0,1-2 0,-2 3 0,-3-4 0,0 0 0,0-3 0,0 2 0,0-4 0,0-1 0,11-4 0,8-8 0,19 3 0,13-5 0,5 5-701,-21 4 0,2-1 701,-1 1 0,2 0 0,6-1 0,2 0 0,-1 1 0,-1-1 0,1 1 0,0-1 0,6-2 0,-1 1 0,-13 1 0,-1 0 0,0 0 0,-2-1 0,18-2 0,-20 1 0,-1 1 0,-21 3 0,23 2 0,12 1 0,1 2 0,6 2 0,6 0-654,-13-1 0,5 0 0,3 1 1,2-1-1,0 1 0,0 0 654,2 1 0,2-1 0,-1 1 0,2 0 0,1 0 0,1 0 0,-11-1 0,2 1 0,1 0 0,1 0 0,-1-1 0,-1 1 0,-1 0 0,-2 0 0,5 1 0,-2-1 0,-1 1 0,-2 0 0,0-1 0,0 0 0,9 0 0,0-1 0,-2 0 0,-3 0 0,-5 0 0,2 1 0,-5 0 0,-4-2 557,8-1 0,-5-2-557,-17 1 0,2 0 0,15-1 0,9-1 0,5-1-777,-9 0 0,5-2 1,2 1-1,4-2 1,2 1 776,-12 1 0,3 0 0,2 0 0,1-1 0,1 1 0,1-1 0,-2 1 0,0 0-513,-3-1 0,0 1 0,1-1 0,-1 0 0,0 1 1,-1 0-1,0-1 0,-2 1 513,11-1 0,-3 1 0,0-1 0,-1 1 0,1 0 0,0 1 0,-6 1 0,1 0 0,2 1 0,-2 0 0,-1 0 0,-3 0 0,-5 1 132,6-1 0,-6 1 0,0 0 1,4 1-133,-2-1 0,5 0 0,3 0 0,-2 0 0,-4 0 0,-6 0 0,3 0 0,-6 0 0,-3 0-104,10 0 0,-1 0 104,-7 0 0,3 0 0,4 0 0,2-2 0,4 1 0,3-1 0,5 0 26,-14 1 0,4-1 0,2 1 1,2-1-1,0 1 0,0-1 1,0 1-27,0-1 0,1 0 0,0 0 0,0 0 0,0 0 0,0 0 0,0 0 0,-1 0 0,1 1 0,0-1 0,-1 1 0,-1-1 0,0 1 0,-3 0 367,12 0 0,-2 0 0,-1 0 0,-4 0 1,-2 0-368,11-1 0,-4 1 0,-3-1 0,-10 2 0,-1 1 0,-8-3 0,19-10 1947,-31 10-1947,5-2 0,8 0 0,3 2 0,6 0 0,4 0-575,-4-2 0,3 0 1,3-1-1,6-1 575,-15 1 0,5 0 0,3-1 0,2 0 0,1-1 0,0 0 0,-2 0 0,-2 0-54,0 0 1,-2-1-1,0 0 1,-1 1 0,1-1-1,2 0 1,2 0 53,-2 0 0,3 1 0,3-1 0,0 0 0,0 0 0,0 0 0,-2 1 0,-3 0 0,-3 0-286,6 0 1,-4 0 0,-3 0 0,0 0 0,0 1 0,0 1 285,12-1 0,0 1 0,-1 0 0,-1 1 0,-1 1 0,-7 1 0,-1 0 0,-1 1 0,-1 0 0,-2 0-424,5 1 0,-2 0 1,-1 0-1,1 0 424,2 0 0,1 0 0,-2 0 0,-7 0 0,8 0 0,-10 0 0,-2 0 0</inkml:trace>
+  <inkml:trace contextRef="#ctx0" brushRef="#br0" timeOffset="1100">4582 7314 8191,'-4'10'0,"2"15"3878,2 29-3878,0-19 0,0 2 0,0 0 0,0 1 0,0 8 0,0-1 2431,0 17-2431,0-18 0,0 0 0,0 15 0,0-21 0,0 0 960,0-4 0,0-1-960,0 16 6104,0-8-6104,0-21 1323,0-4-1323,0-7 0,0-2 0,0-5 0</inkml:trace>
+  <inkml:trace contextRef="#ctx0" brushRef="#br0" timeOffset="1784">4348 7805 24575,'13'0'0,"6"0"0,24 0 0,-4 0 0,14 0 0,-20 0 0,-1 0 0,-14 0 0,-5 0 0,-3 0 0,-7 0 0,-1 0 0</inkml:trace>
+  <inkml:trace contextRef="#ctx0" brushRef="#br0" timeOffset="2415">4883 8105 8191,'8'18'0,"-1"-4"0,-7-11 0</inkml:trace>
+  <inkml:trace contextRef="#ctx0" brushRef="#br0" timeOffset="3616">4814 7840 11781,'-3'19'0,"1"-4"4860,2 20-4860,0-2 2226,0 1-2226,0 2 1257,0-5-1257,0-7 4451,0 3-4451,0-7 0,0 3 0,0-9 0,0 1 0,0-6 0,0 1 0,0-1 0,0-8 0,0-9 0,3-13 0,4-12 0,1 7 0,2-5 0,3 13 0,5-6 0,6 6 0,7-2 0,-3 9 0,-7 4 0,-2 4 0,-10 3 0,4 0 0,-4 0 0,-1 0 0,-2 0 0,0 0 0,-1 0 0,-1 0 0,-2 0 0</inkml:trace>
+  <inkml:trace contextRef="#ctx0" brushRef="#br0" timeOffset="5133">5441 7975 24575,'0'25'0,"0"5"0,0 1 0,0 1 0,0-11 0,0-6 0,0-9 0,0 4 0,0-4 0,6 4 0,1-7 0,7-1 0,17-2 0,-5 0 0,20 0 0,-17-3 0,7-5 0,-8-8 0,6-6 0,-4-3 0,-2 0 0,-7-3 0,-3 5 0,-6-4 0,2-4 0,-9-3 0,-5-6 0,-23-5 0,-17 10 0,11 17 0,-4 3 0,1 2 0,-1 3 0,-31 1 0,20 2 0,7 7 0,19 0 0,1 0 0,-3 15 0,7-1 0,-4 19 0,13 8 0,1 0 0,3 6 0,0-5 0,0-10 0,3 6 0,1-11 0,4-1 0,2-8 0,-3-4 0,2-5 0,-3-3 0,10 1 0,1-4 0,4 0 0,-2-3 0,4-3 0,-1-10 0,10-12 0,-4-12 0,-3-3 0,-3 4 0,-6 11 0,-6 9 0,-4 7 0,-1 6 0,-1 0 0,2 12 0,0 7 0,2 21 0,2-7 0,0 4 0,1 1 0,1 3 0,9 9 0,2-1 0,-5-10 0,1-3 0,-2-2 0,2-2 0,16 15 0,-15-16 0,6-2 0,-13-16 0,-2-8 0,-1-2 0,2-2 0,0-8 0,1-7 0,0-13 0,-2-3 0,-4 10 0,-3 7 0</inkml:trace>
+  <inkml:trace contextRef="#ctx0" brushRef="#br0" timeOffset="6132">6148 7927 14235,'0'11'0,"0"19"4270,0 20-4270,3 5 1792,-2-13-1792,5-18 977,-6-12-977,3-4 3301,-3-1-3301,0 1 0,0-2 0,0 3 0,0 1 0,0 4 0,0-1 0,0-3 0,3 3 0,-2-6 0,2 2 0,-3-3 0,0 3 0,0-3 0,0 3 0,0-1 0,5 1 0,2 6 0,6 5 0,-1-3 0,1 1 0,-4-8 0,-3-2 0,0-4 0,-6-1 0,3-3 0</inkml:trace>
+  <inkml:trace contextRef="#ctx0" brushRef="#br0" timeOffset="6815">6156 7854 11891,'-2'-3'0,"-18"1"0,13 2 0,-12 0 0</inkml:trace>
+  <inkml:trace contextRef="#ctx0" brushRef="#br0" timeOffset="7918">6499 8059 24575,'0'55'0,"2"-23"0,1 3 0,1 9 0,0 1 0,1-1 0,0-3 0,7 9 0,-8-16 0,-1-21 0,-3-3 0,0-11 0,0-23 0,0-2 0,0-25 0,0-2 0,7-3 0,5-9 0,7 19 0,9 6 0,4 22 0,18 1 0,10 13 0,1 7 0,-12 5 0,-16 6 0,-16 0 0,-7 0 0,3 5 0,-2 9 0,0-1 0,-1 9 0,-5-8 0,-2 4 0,1-1 0,0 2 0,0-2 0,4 2 0,-8-1 0,7 1 0,-3-6 0,-1-4 0,0-13 0,-3-5 0</inkml:trace>
+  <inkml:trace contextRef="#ctx0" brushRef="#br0" timeOffset="9083">13283 14447 24575,'0'46'0,"0"11"0,0-16 0,0-6 0,0-21 0</inkml:trace>
+  <inkml:trace contextRef="#ctx0" brushRef="#br0" timeOffset="9715">13376 15294 8191,'0'18'0,"0"22"4287,0 22-4287,0-18 0,0-1 0,0 17 1454,0-11 0,0 0-1454,0 12 0,0-2 0,0-20 0</inkml:trace>
+  <inkml:trace contextRef="#ctx0" brushRef="#br0" timeOffset="10283">13376 16086 8191,'0'25'0,"0"7"5063,0 29-5063,0-1 2818,0 0-2818,0-7 0,0-26 0,0-6 0,0-19 0</inkml:trace>
+  <inkml:trace contextRef="#ctx0" brushRef="#br0" timeOffset="12964">13625 13825 24575,'0'16'0,"0"1"0,0 27 0,0 4 0,0-12 0,0 0 0,0 17 0,0-6 0,0-25 0,0-5 0,0-3 0,7-7 0,15-1 0,0-6 0,11 0 0,-1-17 0,-4-4 0,9-17 0,-12 2 0,-6-8 0,-3 2 0,-7-20 0,-2 5 0,-4 22 0,-2 1 0,-8-11 0,-5 3 0,-8 19 0,0 4 0,-2 3 0,4 6 0,-4 3 0,0 3 0,0 0 0,-10 4 0,2 4 0,-7 16 0,1 9 0,4 23 0,16-21 0,0-1 0,-8 21 0,8 0 0,4-5 0,8-1 0,0 8 0,4-12 0,3-7 0,1-13 0,6-5 0,0-6 0,3-4 0,10-2 0,11-1 0,-3-3 0,10-7 0,-17-5 0,16-29 0,-12 7 0,9-19 0,-16 18 0,-3-7 0,1-16 0,-8 10 0,5-9 0,-8 14 0,0 15 0,4-18 0,-5 14 0,1-15 0,-2 10 0,-2-6 0,0 10 0,2-1 0,-5 13 0,5 1 0,-5 7 0,5-1 0,-2-5 0,2 1 0,-2 2 0,2 3 0,-6 7 0,3 0 0,-3 0 0,0 0 0,0 0 0,0 0 0,0 0 0,0 0 0,0-6 0,0-1 0,0-4 0,0 1 0,0 2 0,0-2 0,0 6 0,-2 1 0,-2 16 0,0 15 0,-3 17 0,1 24 0,1-10 0,0 4 0,2 1 0,0 3 0,1-11 0,1 2 0,-1-2-545,2 6 0,0-4 545,0-6 0,0-4 0,0 13 0,0-17 0,0-1 0,0-9 0,0-6 0,0-4 0,0-5 1090,0 3-1090,0-3 0,0 0 0,0-4 0,6-1 0,0-1 0,7-1 0,0 0 0,6-6 0,6 3 0,10-3 0,5 0 0,0 0 0,-10 0 0,-3 0 0,-7-3 0,5-10 0,-4 1 0,-2-7 0,-5 5 0,-4-3 0,0 3 0,0-3 0,-3 3 0,3 1 0,-3-1 0,-1 4 0,1-3 0,-4 6 0,0-2 0,-3 3 0,3 0 0,-3 0 0,3 3 0,-3 0 0</inkml:trace>
+  <inkml:trace contextRef="#ctx0" brushRef="#br0" timeOffset="16781">14253 14427 8191,'11'-3'0,"11"0"5063,22 3-5063,7-3 0,12-12 0,-19 0 2818,-2-7-2818,-15 6 1719,-5 2-1719,-4-1 6784,-1 1-6784,3-5 0,-12 4 0,4-8 0,-9 8 0,-2-12 0,2 8 0,-3-7 0,-6 12 0,2 1 0,-23 6 0,0 4 0,-17 0 0,9 3 0,3 0 0,4 9 0,6 2 0,-2 9 0,8 3 0,9 5 0,1 7 0,6-9 0,0 5 0,0-17 0,0 0 0,9 2 0,3-8 0,9 5 0,5-9 0,21-1 0,8-3 0,-20 1 0,0-2 0,3-3 0,-2-3 0,11-2 0,4-15 0,-18 1 0,4-8 0,5-12 0,-6-9 0,-18 14 0,-2-1 0,-3 0 0,-1-1 0,0-7 0,-2 2 0,-5 10 0,-1 2 0,4-20 0,-8 22 0,0 8 0,0 1 0,0 7 0,0-1 0,0 9 0,-6-5 0,2 8 0,-5-2 0,3 3 0,0 3 0,0-3 0,-3 3 0,3 0 0,0 23 0,3 26 0,4-1 0,3 7 0,2-11 0,3 2 0,1 1 0,-2-1 0,0-1 0,3 1 0,2 3 0,3-1 0,-1-1 0,2 11 0,-1-3 0,-1-3 0,-2-2 0,-3-7 0,-2-4 0,0 6 0,-2-10 0,-5-21 0,2 0 0,-3-5 0,0-3 0,0 0 0,0 0 0,0-24 0,0 1 0,-4-16 0,-4-4 0,-10-22 0,5 21 0,0 2 0,-11-15 0,7 25 0,7 12 0,1 12 0,3 2 0,0 0 0,1 0 0,-1 2 0,8-1 0,6 2 0,20-7 0,8-19 0,-5 0 0,1-5 0,-2-9 0,-1-4 0,4-5 0,-1-1 0,-8 7 0,-2 0 0,-6 5 0,-1 1 0,2-4 0,0 1 0,-1 0 0,0 0 0,2-2 0,0 0 0,-2 5 0,-1 4 0,4-8 0,-5 7 0,-8 15 0,-3 0 0,-3 7 0,0 0 0,0 3 0,0-4 0,-8 3 0,0 1 0,-9 3 0,4 3 0,-14 0 0,10 0 0,-14 0 0,13 7 0,-5 5 0,-6 13 0,1 6 0,3 1 0,8 6 0,10-1 0,3 20 0,3-19 0,2 2 0,5 4 0,0 2 0,2 9 0,0 0 0,1-14 0,1-1 0,1-2 0,-1-2 0,0 8 0,2-7 0,-4-3 0,-4-10 0,-1-4 0,-3-5 0,0-8 0,0 11 0,0-10 0,0 7 0,0-8 0,0 2 0,0-3 0,0 0 0,0 6 0,0 2 0,0 5 0,3 4 0,-2 0 0,2 5 0,-1-5 0,-1-3 0,2-4 0,-3-7 0,0-1 0,0-2 0,0 0 0,0 0 0,0-1 0,0 1 0,0 0 0,0-6 0,0-3 0,2-4 0,2-4 0,2 1 0,-3 1 0,0 0 0,-3 4 0,0-1 0,0-4 0,0 3 0,0-5 0,0-2 0,-4-11 0,-3 6 0,-4-8 0,0 12 0,-2-6 0,2 6 0,-3-2 0,3 4 0,-1 0 0,5 3 0,1 1 0,0 5 0,3 2 0,-3 2 0,1 0 0,-1 0 0,-3 0 0,3 0 0,-3 0 0,3 0 0,8 0 0,6-7 0,14-2 0,6-11 0,6-1 0,1-5 0,-1 0 0,-4 1 0,4-6 0,-11 8 0,2-8 0,-15 14 0,-4 3 0,-6 8 0</inkml:trace>
+  <inkml:trace contextRef="#ctx0" brushRef="#br0" timeOffset="23664">11765 13542 24575,'0'6'0,"0"2"0,0 5 0,0 6 0,0 9 0,0-1 0,0-2 0,0-9 0,0-1 0,0-4 0,0 5 0,3-3 0,1 4 0,0 1 0,-1 4 0,0 5 0,2 0 0,-1 5 0,3 0 0,-2-1 0,3 6 0,-4-3 0,4 3 0,-7-10 0,2 9 0,0-13 0,-2 4 0,2-12 0,-1-8 0,5-24 0,5-21 0,0-11 0,0-14 0,4 4 0,-6 12 0,5-4 0,-7 24 0,-1 4 0,0 6 0,0-1 0,0 4 0,0-3 0,2 3 0,2 1 0,2-1 0,4 0 0,2 0 0,3 3 0,4 0 0,11 7 0,11 0 0,11 8 0,-27 7 0,-2 4 0,23 24 0,-29-7 0,-3 3 0,-3 2 0,-3 1 0,-2-2 0,-1-1 0,-5 3 0,-1-3 0,1 11 0,-7-6 0,0-16 0,0-6 0,0-2 0,0-4 0,0-5 0,0 2 0,0-1 0,0 2 0,0-1 0,0 0 0,0-9 0,0-5 0,0-2 0,0-4 0,0 5 0,0 1 0,0-1 0,0-6 0,0 2 0,0-20 0,0 5 0,0-13 0,4 1 0,0 4 0,4-22 0,4 4 0,0-9 0,0 17 0,-2 15 0,3 5 0,-2 8 0,11-1 0,2 7 0,16 5 0,5 1 0,-5 6 0,-8 1 0,-9 6 0,-8-3 0,1 6 0,-3 3 0,-6-1 0,0 8 0,-4-1 0,-3 6 0,3 4 0,-2 5 0,3 1 0,-4 5 0,0 5 0,0-4 0,0-1 0,0 0 0,0-11 0,0 1 0,3-3 0,-2-11 0,3 3 0,-4-6 0,0-3 0,2 0 0,-1-5 0,2-5 0,-3 0 0</inkml:trace>
+  <inkml:trace contextRef="#ctx0" brushRef="#br0" timeOffset="24298">13087 14107 24575,'67'0'0,"-10"0"0,-6 0 0,-21 0 0,6 0 0,-26 0 0,-5 0 0</inkml:trace>
+  <inkml:trace contextRef="#ctx0" brushRef="#br0" timeOffset="25564">13164 13919 24575,'13'0'0,"-1"0"0,-4 0 0,-1 0 0,2 0 0,-3 0 0,-32 0 0,7 0 0,-32 0 0,13 0 0,-5 0 0,-1 0 0,10 0 0,-3 0 0,21 0 0,-3 0 0,30 0 0,5 3 0,19-2 0,-4 2 0,0-3 0,-4 0 0,-4 0 0,3 0 0,-12 0 0,2 0 0,-7 0 0,-2 0 0,2 0 0,-3 0 0,0 0 0,0 0 0,0 0 0,0 0 0,0 0 0,3 0 0,-2 0 0,1 0 0,-2 0 0,0 0 0,-1 0 0,1 0 0,0 0 0,-3 0 0,-1 0 0</inkml:trace>
+  <inkml:trace contextRef="#ctx0" brushRef="#br0" timeOffset="26431">12954 14205 24575,'38'0'0,"2"0"0,15 0 0,-13 0 0,-10 0 0,-19 0 0,-7 0 0</inkml:trace>
+  <inkml:trace contextRef="#ctx0" brushRef="#br1" timeOffset="47017">3893 6954 8191,'-3'1'0,"9"10"5063,8 8-5063,7 8 2818,-4 0-2818,5 0 1719,-13-7-1719,9 0 6784,12 23-6784,4-3 0,-12-9 0,-1 0 0,15 19 0,-5-6 0,-12-10 0,2 1 0,1-4 0,1 1-429,-5 1 0,0 0 429,7 6 0,0-3 0,6 15 0,-8-14 0,1-1 0,8 8-209,-13-16 1,1 0 208,11 10 0,6 9 0,-12-19 0,1-1 0,17 13 0,-19-15 0,0 0 839,12 6-839,-15-8 436,3-2-436,-3 4 0,9 5 0,0 10 0,1-7 0,-6 2 0,-1-8 0,4 5 0,7 5 0,-3-4 0,4 6 0,-7-13 0,-3 3 0,7-3 0,-7-2 0,-2-7 0,-6 0 0,-5-9 0,3 4 0,-2-5 0,-2 2 0,-3-6 0,-3 3 0,7-2 0,8 5 0,17 6 0,7 8 0,5 3 0,-5 3 0,-6 0 0,-3 3 0,-4-3 0,4 7 0,-8-9 0,-3-4 0,-9-5 0,-6-10 0,-4 1 0,0-6 0,-3-2 0,3 3 0,15 16 0,2 4 0,5 5 0,13 5 0,3 3 0,4 6 0,2 0 0,-15-13 0,2-1 0,-3-1 0,6 5 0,-2-1 0,-3 0 0,-4-3 0,11 6 0,-17-7 0,-8-12 0,-8-3 0,0 2 0,-2-4 0,5 2 0,-2 0 0,4-3 0,3 4 0,1 0 0,4 0 0,5 6 0,1-4 0,23 16 0,-19-14 0,6 3 0,2 2 0,-10-5 0,1 1-636,11 5 1,1 1 635,-2 1 0,0 1 0,-4-5 0,0-1 0,4 6 0,-1 0 0,-3-3 0,2 0-225,0 0 0,4 1 0,-1 0 225,10 7 0,0 1-91,-6-6 0,3 0 1,-4-1 90,4 1 0,-5-2 0,-5-2 0,-4-3 0,6 0 1208,-6-7-1208,3 5 709,9 3-709,4 9 301,-13-10-301,-6 0 0,4-4 0,3 6 0,14 2 0,-9-2 0,-3-6 0,-13-2 0,3-2 0,-4 4 0,5-1 0,0 1 0,0 4 0,-4-3 0,0 3 0,-6-6 0,6 4 0,-12-7 0,6 2 0,-12-4 0,0-2 0,5-1 0,5 0 0,7 2 0,5 4 0,5 9 0,-4-4 0,5 7 0,0-6 0,1 3 0,-1-4 0,4 4 0,-9-4 0,3 0 0,-5-1 0,3 1 0,16 9 0,2 1 0,-7-5 0,-2 1 0,1 3 0,-2 1 0,-5-6 0,-2 0 0,12 11 0,-21-12 0,-6-12 0,17 8 0,-5-5 0,4 2 0,11 7 0,3 2 0,-9-7 0,2 0 0,0 1 0,-1 1 0,0 1 0,1-1 0,5 0 0,1 0 0,-1 0-244,-5-1 1,-2 0 0,2 2 243,12 5 0,2 2 0,-2-1 0,-13-6 0,-2-1 0,1 0 0,13 6 0,2 0 0,-5-1 0,0-1 0,-3-2 0,-2-4 0,-3-1 0,12 8 0,-12-12 0,-9 2 0,-6-5 0,-11-3 0,-7-1 0,21-4 0,7-3 0,23-6-712,-4 2 0,4-2 712,-9 0 0,-1-1 0,0 0 0,1-1 0,5-2 0,-1 0 0,-17 5 0,-2 0-98,12-2 1,-2 0 97,18 2 0,-26 5 0,1 2 0,-5-1 0,0 1 0,6 2 0,-2 0 0,10 0 0,-13 0 0,-2 0 1409,1 0-1409,-4 0 940,-12 0-940,-10 0 0,-3-3 0,1 0 0,3 0 0,20 0 0,23 3 0,-17 0 0,4 0 0,14-3 0,2-3 0,-2-3 0,1-1 0,7-2 0,1-2-677,-5-1 1,-3 0 676,-17 3 0,-1 1 0,10 1 0,-1-1 0,11-8 0,-10 8 0,3-1 0,-5-2 0,-2 1-267,-8 3 0,0 1 267,6-4 0,-2 1 0,8-2-101,9-1 101,-7-2 1307,-7 8-1307,6-10 0,-17 6 0,7-9 0,4-15 0,-12 11 0,3-2-800,6-7 1,1-3 799,8-7 0,0-1-812,-15 15 1,0 0 0,0 0 811,1 0 0,-1-1 0,1 1 0,1-2 0,0 0 0,1 0-166,-2 2 1,1 0-1,-1-1 166,1-3 0,0 0 0,0 1 0,0 1 0,1 1 0,-2 0 0,15-15 0,-2 3 0,-10 9 0,-2 3 0,-4 4 0,-1 2 1819,12-16-1819,-11 15 0,-11 4 0,-10 5 2746,-1 3-2746,16-13 0,9-6 0,-3 3 0,4-3 0,3-2-526,5-3 0,3-3 0,3-2 0,0 0 526,-5 3 0,2-1 0,0 0 0,1 0 0,-2 1 0,-2 2 0,0 1 0,-1 1 0,1-1 0,-1 1 0,0 1 0,1-1 0,0 0 0,-2 2 0,-3 2 0,12-9 0,-4 3 0,-2 3 0,9-7 0,-5 5-71,-14 10 1,-6 3 70,1 0 0,-5 1 0,-1 5 0,-4-4 0,-5 9 0,0-8 2728,-6 4-2728,-1-6 0,14-16 0,7-12 0,1 13 0,7-7 0,-1 3-1257,-6 7 0,-1 2 0,3-3 1257,1-1 0,4-4 0,-1 1 0,-4 4 0,7-6 0,-3 2 0,-6 8 0,1-1 0,0 0-843,16-15 0,-2 2 843,-9 9 0,-1 1 0,-3 5 0,3-2 0,-2 3-301,7-1 1,-2 2 300,-7 2 0,1 2 0,8-3 0,-1 2 0,16-10 0,1 7 1695,-26 10 0,0 0-1695,20-15 0,-18 8 2002,-7-1-2002,-16 12 0,-2-20 0,1 5 0,2-4-854,3-13 0,2-4 854,0 4 0,2-2 0,0 1 0,0 6 0,0 2 0,1-2-1021,2-11 1,1-3 0,1 3 1020,-2 7 0,1 2 0,0-1 0,2-7 0,1 0 0,0 1 0,-1 1 0,1 1 0,-2 4-215,3-3 1,0 0 214,-2 2 0,2-3 0,0 3 0,4-2 0,1-1 0,-5 6 0,-1-4 0,2 3 0,10-11 0,0 3 0,-8 12 0,-1 2 0,5-1 0,-1 2 1021,-7 9 1,0 3-1022,2-2 0,-2 4 848,0 1 0,-6 5 1,-14 16-1</inkml:trace>
+  <inkml:trace contextRef="#ctx0" brushRef="#br1" timeOffset="48151">18991 7445 8191,'3'7'0,"0"12"5063,-8 34-5063,0-12 0,0 7 0,-1-2 0,0 8 0,-1 0 687,2-8 1,-1 1 0,2-4-688,0-2 0,3-4 1821,1 15-1821,0 3 6461,0-11-6461,0-7 0,0-10 0,0-4 976,9-5-976,8-7 0,25-4 0,19-4 0,-24-8 0,0-6 0,6-12 0,-3-6 0,-8-3 0,-4-4 0,2-20 0,-5-2 0,-10 14 0,-3 1 0,1-4 0,-3 2 0,-1-20 0,-6 24 0,-3 10 0,-10 20 0,-2 1 0,-14 6 0,2 0 0,-21 4 0,19 0 0,-19 0 0,21 0 0,-2 7 0,4 1 0,-1 11 0,-1 6 0,3 3 0,1 1 0,3 7 0,5-7 0,0 8 0,8-10 0,0 14 0,4-19 0,0 13 0,3-24 0,-3-1 0,3-7 0</inkml:trace>
+  <inkml:trace contextRef="#ctx0" brushRef="#br1" timeOffset="49265">19365 7697 8191,'2'-3'0,"10"4"5063,21 24-5063,14 20 1409,-10-3 0,-1 4-1409,-9-8 0,0 1 859,9 10 1,-3-2-860,0 10 6784,-2-6-6784,-14-26 0,-10-7 0,-1-11 0,-4 1 0,-1-2 0,1 0 0,1 0 0,-2 0 0,4 3 0,-2-2 0,3-1 0,0-4 0,-1-2 0,2-10 0,0-7 0,5-21 0,0 8 0,3-7 0,1-3 0,11-20 0,-8 16 0,0 0 0,-4 12 0,-1 2 0,11-11 0,-8 18 0,-5 10 0,-6 7 0,-3 3 0</inkml:trace>
+  <inkml:trace contextRef="#ctx0" brushRef="#br1" timeOffset="50465">20203 7900 24575,'50'0'0,"2"0"0,12-4 0,-12-3 0,-14-1 0,-15-3 0,-13 5 0,-1-1 0,-3 1 0,1-3 0,-4 2 0,3-2 0,-5 3 0,1 0 0,-4 0 0,-5 3 0,-6 0 0,-1 3 0,-6 0 0,5 0 0,-6 0 0,-3 3 0,-6 11 0,-6 8 0,-1 15 0,6-5 0,4 1 0,1 4 0,7-5 0,-4 15 0,12-16 0,1 0 0,9 1 0,-2-8 0,3 7 0,0-9 0,0-3 0,0 2 0,0-10 0,0 5 0,0-9 0,6 2 0,1-2 0,11 0 0,0-3 0,4-1 0,4-3 0,-3 0 0,8 0 0,-4 0 0,1 0 0,2-4 0,7-7 0,-1-1 0,4-9 0,-21 12 0,-7 0 0</inkml:trace>
+  <inkml:trace contextRef="#ctx0" brushRef="#br1" timeOffset="51433">20695 7938 24575,'4'20'0,"4"8"0,10 16 0,11 8 0,-6-11 0,5 13 0,-9-19 0,-1 4 0,-2-8 0,-6-11 0,-6-2 0,-1-10 0,-3-27 0,0-4 0,0-19 0,0-14 0,0 13 0,0-14 0,0 20 0,0 5 0,0-1 0,0 8 0,3 3 0,0 8 0,17 0 0,10-3 0,6 8 0,6-5 0,-10 10 0,-1-1 0,6-2 0,-3 7 0,2-4 0,-18 4 0,-6 0 0</inkml:trace>
+  <inkml:trace contextRef="#ctx0" brushRef="#br1" timeOffset="52249">21542 7193 8191,'-2'-4'0,"-12"2"5063,-11 2-5063,-13 0 2818,5 0-2818,5 0 1719,15 0-1719,4 0 6784,2 0-6784,1 0 0,0 53 0,4-15 0,1 7 0,2 7 0,1 6 0,3 0-462,0-4 0,2-1 1,2 3 461,0-3 0,2 2 0,1 1 0,0-6 0,1-4 0,0-4 0,0 1 0,1 4 0,-1-1 0,1-1 0,3 6 0,-1-2-126,-4-3 1,1-1 125,2 8 0,1 0 0,-2-6 0,-2-2 0,-1-9 0,-1-1 0,10 23 0,-9-23 1367,-1-8-1367,-6-17 269,-1-1-269,-3-3 0,0-2 0,0-2 0</inkml:trace>
+  <inkml:trace contextRef="#ctx0" brushRef="#br1" timeOffset="52999">21190 7748 8191,'13'0'0,"45"0"2474,-17 0 0,5 0-2474,20 0 0,0 0 0,-16 0 0,-2 0 1416,-6 0 1,-2 0-1417,12 0 1733,-26 0-1733,5 0 1685,-21 0 0,-4 0 1,-3 0-1</inkml:trace>
+  <inkml:trace contextRef="#ctx0" brushRef="#br1" timeOffset="53648">21911 7889 11046,'3'17'0,"0"12"4980,-3 26-4980,0-13 2354,4 11-2354,-3-19 1346,3-1-1346,-4-1 4849,0-14-4849,2-4 0,-1-8 0,2-3 0</inkml:trace>
+  <inkml:trace contextRef="#ctx0" brushRef="#br1" timeOffset="54099">21948 7639 13772,'-3'0'0,"1"0"0</inkml:trace>
+  <inkml:trace contextRef="#ctx0" brushRef="#br1" timeOffset="54800">22150 7434 8910,'0'6'0,"0"35"0,0 11 4009,0 12-4009,1-20 0,0 7 0,1-3 1406,1 5 0,0-1-1406,4 2 0,0 0 883,-3 2 0,-1-3-883,2-16 0,-2-3 5845,-3 8-5845,0-26 1171,0-7-1171,0-3 0,0-3 0,0-1 0</inkml:trace>
+  <inkml:trace contextRef="#ctx0" brushRef="#br1" timeOffset="55484">21995 7815 24575,'29'0'0,"22"0"0,7 0 0,-19-3 0,1-1 0,16-4 0,-12-1 0,-20 2 0,-15 7 0,-3 0 0,-3 0 0,0 0 0</inkml:trace>
+  <inkml:trace contextRef="#ctx0" brushRef="#br1" timeOffset="56084">22416 7535 24575,'7'62'0,"1"0"0,0-8 0,2-1 0,5 6 0,3 0 0,2-3 0,0-2 0,-2-2 0,0-2 0,-1-5 0,-2-3 0,6 21 0,-14-38 0,-4-16 0,-3-7 0</inkml:trace>
+  <inkml:trace contextRef="#ctx0" brushRef="#br1" timeOffset="56800">22432 7916 11491,'13'-3'0,"13"0"4911,17 3-4911,-6 0 2277,-13 0-2277,-12 0 323,-6 0 0,-3 0 0,0 0 0</inkml:trace>
+  <inkml:trace contextRef="#ctx0" brushRef="#br1" timeOffset="57515">22820 7910 15064,'3'18'0,"0"24"4019,4 22-4019,-5-28 0,2-1 1644,10 16-1644,-6-18 888,-2-14-888,-3-6 2960,-3-2-2960,0-1 0,0-5 0,0-2 0</inkml:trace>
+  <inkml:trace contextRef="#ctx0" brushRef="#br1" timeOffset="57933">22740 7716 24575,'0'0'0</inkml:trace>
+  <inkml:trace contextRef="#ctx0" brushRef="#br1" timeOffset="59199">23156 8077 24575,'0'23'0,"0"-6"0,0 4 0,0-15 0,0-5 0,0-14 0,0-2 0,0-2 0,0 0 0,0 3 0,0-4 0,0 5 0,0-5 0,3 4 0,1-3 0,12-7 0,6 2 0,11-13 0,2 5 0,-3 5 0,-1 5 0,-1 13 0,1 1 0,5 6 0,-7 15 0,-5 9 0,-9 21 0,-5-10 0,-6 5 0,3-12 0,-6-1 0,2 0 0,1-5 0,-4-4 0,4-1 0,-4-4 0,2-3 0,-1 1 0,2-7 0,-3 2 0</inkml:trace>
+  <inkml:trace contextRef="#ctx0" brushRef="#br1" timeOffset="60732">23817 8011 24575,'0'55'0,"0"0"0,0-10 0,7-8 0,4-13 0,8-10 0,17 0 0,-11-9 0,12 2 0,-11-7 0,-7 0 0,7 0 0,-8 0 0,1-9 0,12-11 0,-9-14 0,10-4 0,-20 5 0,-3 1 0,-9-1 0,-14-7 0,-13 2 0,-22 7 0,4 15 0,-6 9 0,3 7 0,2 0 0,0 0 0,18 6 0,12-5 0,10 7 0,3-5 0,3 3 0,0 7 0,16 5 0,-2 5 0,14-1 0,0-6 0,-5-2 0,3-6 0,1 3 0,-4-7 0,13 0 0,-10-4 0,9-12 0,-11-3 0,-4-16 0,-4 6 0,-3 2 0,-3 13 0,1 4 0,-2 6 0,14 44 0,0 5-330,-6-6 1,0 5 329,0 0 0,1 4 0,0-2-1005,4 7 1,0 2 1004,-3-5 0,0 4 0,-1-6 0,-1-8 0,-2-4 0,1 6 0,-1 0-316,-3-6 1,0-2 315,-2-6 0,0 0 0,0 3 0,-3-3 0,-2-4 571,-2-6-571,-3-5 2002,-3-7-2002,-11 4 726,-2-7-726,-20 9 0,7-7 0,-8 3 0,9-5 0,-2 1 0,-3-4 0,2 0 0,-2-24 0,16-8 0,6-37 0,9 26 0,4-4 0,10-12 0,4-3 0,3-2 0,3 2-1006,4 3 1,1 1 1005,0 6 0,0 2 0,2 1 0,0 2 0,-8 9 0,1 2 0,6-3 0,-2 3 0,-6 8 0,-4 8 0</inkml:trace>
+  <inkml:trace contextRef="#ctx0" brushRef="#br1" timeOffset="62816">16415 6661 24575,'41'27'0,"6"-5"0,-13 3 0,1 2 0,20 3 0,-22-3 0,-17-14 0,-13-7 0,-3 2 0,6 5 0,1 3 0,6 4 0,-1-4 0,1 3 0,-1-7 0,0 4 0,-2-7 0,-2 0 0,-2-6 0,0 0 0,0-9 0,-3-10 0,4-8 0,-2-19 0,7 3 0,2-14 0,4 9 0,0-10 0,-5 16 0,4-4 0,-9 16 0,6-2 0,-4 10 0,-3 5 0,-1 9 0</inkml:trace>
+  <inkml:trace contextRef="#ctx0" brushRef="#br1" timeOffset="64198">17216 6481 24575,'-8'48'0,"1"3"0,7-1 0,0-6 0,0-7 0,0-6 0,0-8 0,0-3 0,0-4 0,0-6 0,0 0 0,3-3 0,0-5 0,3-2 0,4 0 0,-4 0 0,7 0 0,1 0 0,14-3 0,8-12 0,0-4 0,10-20 0,-23 6 0,6-2 0,-15 6 0,-7 5 0,-1 0 0,-6 1 0,-3 4 0,-14 2 0,-5 3 0,-14 7 0,10 4 0,-1 3 0,13 0 0,-3 0 0,0 0 0,2 0 0,-2 5 0,3 7 0,0 2 0,-4 17 0,4-5 0,2 18 0,6-4 0,9-9 0,0-7 0,13-8 0,5-12 0,15 5 0,4-15 0,5-17 0,-2-14 0,-8-10 0,-8 5 0,-11 11 0,-8 14 0,0 10 0,-1 15 0,3 7 0,17 27 0,-5-15 0,5 12 0,2-14 0,-7-9 0,9 2 0,-7-12 0,-1-3 0,-4-15 0,-2-10 0,-3-15 0,-6 13 0,-5 4 0</inkml:trace>
+  <inkml:trace contextRef="#ctx0" brushRef="#br1" timeOffset="65248">17664 5970 24575,'0'42'0,"0"9"0,0-16 0,0 0 0,0 31 0,7-7 0,-2-18 0,5-15 0,-6-3 0,1-12 0,-1 9 0,3-1 0,0-5 0,-3 6 0,1-9 0,-1 7 0,5-2 0,2 0 0,1 7 0,1-6 0,0-1 0,-3-7 0,5 0 0,1-2 0,8-1 0,7-3 0,-13-3 0,4 0 0,-6 0 0,2 0 0,8 0 0,-3-3 0,-2-3 0,3-10 0,-9-2 0,-3 5 0,-5 3 0</inkml:trace>
+  <inkml:trace contextRef="#ctx0" brushRef="#br2" timeOffset="72064">11198 12674 24575,'-33'-7'0,"-9"-16"0,-11-12 0,18 4 0,0-3 0,6 5 0,1 1 0,-3-5 0,2 2-903,-17-16 903,23 18 0,1 0 0,-17-15 0,17 15 0,1-1 0,-12-20 0,5 9 0,9 4 0,-1 0 0,-9-16 0,14 18 0,1-1 0,-17-20 0,16 5 0,-8 1 111,11 14 0,2-1-111,0-22 0,3 13 0,2-2 0,4 5 0,2 2 0,-1-24 0,3 23 0,3 1 0,11-11 0,-3 13 0,3-1 340,1 5 1,2 3-341,19-21 0,2 18 0,4 21 0,-10 8 0,6 6 0,-12 0 0,-1 0 0,-4 3 0,-10 3 0,-1 5 0,-5 6 0,2 6 0,-3 0 0,-2 3 0,1 1 0,-5-4 0,3 3 0,-1-4 0,-2 4 0,9 12 0,-2 1 0,7 14 0,0-12 0,-4-7 0,-4-11 0,-1-7 0,-5 1 0,2-1 0,-1-6 0,1-5 0,3-7 0,8-23 0,10-18 0,2-9 0,-9 23 0,0 0 0,9-15 0,0 5 0,0 0 0,0 4 0,0 1 0,3-1 0,-2 5 0,6 0 0,-3 5 0,5-1 0,3 4 0,2-4 0,3 8 0,-11 5 0,4 1 0,0 1 0,1 3 0,10 0 0,0 2 0,-5 1 0,-2 2 0,26 3 0,-24 0 0,-15 0 0,-11 19 0,-9 24 0,-3-10 0,-1 3 0,-2 9 0,-2 1 0,1-8 0,0-1 0,-2 2 0,0-3 0,-3 20 0,0-22 0,0 1 0,-2 13 0,0-1 0,1-11 0,1 1-418,-2 19 1,-1-2 417,-5-4 0,8-10 0,-1 0 0,-11 12 0,9-19 0,0 2 0,-10 22-144,-1-1 144,-3-2 0,7-22 0,0-1 0,-14 18 0,11-17 0,-2-1 0,-18 16 0,16-21 0,0 0 0,-3 2 0,0-2 0,-18 18 828,2-8-828,10-8 151,0-4-151,4-1 0,3-6 0,2-1 0,8-4 0,5-2 0,6-4 0,3-4 0</inkml:trace>
+  <inkml:trace contextRef="#ctx0" brushRef="#br2" timeOffset="75247">11255 12340 13533,'0'-9'0,"4"-10"4465,5-22-4465,8-7 0,5-6 0,-3 2 0,2-2 638,-2 5 1,3-1 0,-3 1-639,3-11 0,-3 4 0,-5 16 0,-1 5 1055,7-20-1055,-15 33 3606,2 2-3606,-26 11 0,-11 19 0,-29 17 0,28-11 0,-2 4 0,-11 11 0,-1 0-496,10-8 0,0-1 496,-3 5 0,2 1 0,-17 11 0,16-9 0,10-8 0,15-35 0,21-33 0,3 9 0,3-2 0,-1-2 0,2 2 496,3 6 0,0 1-496,7-21 0,-7 23 0,-7 1 0,-15 23 0,-2 10 0,-10 3 0,4 3 0,-2-3 0,-3 2 0,1-2 0,-1 3 0,3-7 0,-1 0 0,-3-3 0,-1 0 0,-4 0 0,3 0 0,2 0 0,0 0 0,5 0 0,-7-2 0,8-5 0,-4-2 0,5-7 0,1 0 0,5-4 0,1 4 0,0-3 0,3 9 0,-3-3 0,0 10 0,3-2 0,-6 4 0,3-2 0,-6 3 0,2 0 0,-7 0 0,10 3 0,-7 0 0,10 40 0,0-11 0,-1 4 0,3 13 0,2 4 0,7 9 0,3-1 0,-3-12 0,4-2 0,3-3 0,1-4 0,5 10 0,-6-21 0,-7-4 0,7 12 0,-5-8 0,8 16 0,11 0 0,0 1 0,-11-17 0,0-1 0,10 10 0,-13-14 0,-5-12 0,-6-6 0,0 0 0,0-2 0,0-2 0,0-8 0,1-19 0,1-37 0,-3 26 0,0-2 0,0-10 0,-1-2 0,1 0 0,1 2 0,-1 10 0,0 1 0,-1-1 0,1 1 0,7-22 0,0 16 0,-1 1 0,-1 20 0,-6 10 0,-2 6 0,2 25 0,3-7 0,10 28 0,-1-17 0,3 5 0,0-6 0,-7-3 0,6-4 0,-8-5 0,6-4 0,8-28 0,1-31 0,-12-1 0,-2-6 0,-3-1 0,-3-3 0,-2 15 0,-2 0 0,0 2 0,-1-4 0,0 3 0,0 6 0,0 6 0,0 0 0,9 34 0,21 39 0,8 13 0,-13-20 0,0-1 0,11 4 0,-11-12 0,-7-14 0,-8-4 0,2 0 0,-5-3 0,2 0 0,1-6 0,-3-1 0,3-11 0,-3 4 0,0-7 0,0 6 0,-3 1 0,2 2 0,-6 5 0,6 0 0,-5 2 0,4 4 0,-2-2 0,6 3 0,0 0 0,10 0 0,1-9 0,14-22 0,-11-19 0,-8 10 0,-1-2 0,-5 0 0,-1 1 0,1-22 0,-1 12 0,-8 33 0,0 3 0,0 6 0,-17 12 0,-19 23 0,-5 3 0,-10 13 0,17-12 0,4-5 0,2-4 0,8-6 0,3-5 0,4-3 0,3-4 0,1 0 0,3-3 0,-3 0 0,-5 0 0,-4 0 0,-8 0 0,-7 0 0,-1 7 0,-8 3 0,9 6 0,-4 0 0,4 5 0,-1-2 0,8 1 0,7-7 0,9-4 0,7-3 0,-3 0 0,6 0 0,-6 0 0,3 3 0,-3 4 0,-4 3 0,-3 6 0,2 2 0,-5-1 0,12 0 0,-2-12 0,6-2 0</inkml:trace>
+</inkml:ink>
+</file>
+
+<file path=ppt/ink/ink8.xml><?xml version="1.0" encoding="utf-8"?>
+<inkml:ink xmlns:inkml="http://www.w3.org/2003/InkML">
+  <inkml:definitions>
+    <inkml:context xml:id="ctx0">
+      <inkml:inkSource xml:id="inkSrc0">
+        <inkml:traceFormat>
+          <inkml:channel name="X" type="integer" min="-2.14748E9" max="2.14748E9" units="cm"/>
+          <inkml:channel name="Y" type="integer" min="-2.14748E9" max="2.14748E9" units="cm"/>
+          <inkml:channel name="F" type="integer" max="32767" units="dev"/>
+        </inkml:traceFormat>
+        <inkml:channelProperties>
+          <inkml:channelProperty channel="X" name="resolution" value="1000" units="1/cm"/>
+          <inkml:channelProperty channel="Y" name="resolution" value="1000" units="1/cm"/>
+          <inkml:channelProperty channel="F" name="resolution" value="0" units="1/dev"/>
+        </inkml:channelProperties>
+      </inkml:inkSource>
+      <inkml:timestamp xml:id="ts0" timeString="2023-06-28T07:34:47.424"/>
+    </inkml:context>
+    <inkml:brush xml:id="br0">
+      <inkml:brushProperty name="width" value="0.05292" units="cm"/>
+      <inkml:brushProperty name="height" value="0.05292" units="cm"/>
+      <inkml:brushProperty name="color" value="#FF0000"/>
+    </inkml:brush>
+  </inkml:definitions>
+  <inkml:trace contextRef="#ctx0" brushRef="#br0">19236 4070 8191,'4'-3'0,"-23"0"5063,-28 3-5063,2 8 0,-6 5 0,4-1 0,-3 4 0,-1 1 309,0 3 1,-1 2-1,-4 4-309,3-1 0,-6 3 0,-1 2 0,-1 0 0,2-1-407,6-2 0,1-1 0,0 0 0,-1 1 0,-3 2 407,3-1 0,-4 2 0,-2 1 0,0 1 0,1-1 0,2-1 0,5-3 199,-10 4 0,5-3 0,1 0 0,-2 2-199,2 2 0,-2 2 0,-1 0 0,4-1 0,4-3 0,-1-2 0,5-4 0,-1 3-548,5 1 0,-1 2 1,0 0-1,0-1 548,-13 5 0,-1-1 0,2 0 0,1 3 0,1 0 0,2 1-137,5-4 1,1 1 0,-1-1 136,-4 1 0,-1 1 0,3 0 0,8-2 0,2 1 0,-1 0 0,-3-1 0,-1 0 0,3 1 0,4 2 0,1 1 0,0-1 616,-3 2 1,-2-1 0,3 1-617,4-1 0,1 1 0,0 0 0,-5 5 0,-1 1 0,0 3 0,3-3 0,-1 3 0,1 1 0,1-2 0,-3 4 0,2 0 0,-1 1 0,3-5 0,-1 1 0,0 2 0,2-1 0,3-3 0,1 1 0,1-1 0,2-2 0,-2 2 0,3-2 0,-2 1 0,-5 10 0,0 2 0,2-3 0,-1 6 0,2-3 837,-2 0 0,1 1-837,1-2 0,-1 2 849,6-12 1,-2 1-1,0 0-849,-3 1 0,-1 1 0,-1 1 0,2-4 0,-2 2 0,-1 1 0,-1 0 196,-3 6 1,-1 0-1,-1 1 1,0 0-197,5-8 0,1 0 0,0 0 0,-1 1 0,1 0-494,-2 3 1,1 1 0,-1 0 0,2-1 0,0-2 493,-1 1 0,0-3 0,2 0 0,0 1 0,1 2 0,0 1 0,1-1 0,2-4-242,0-2 0,1-3 1,1 2 241,-1 3 0,1 2 0,-1 3 0,1 4 0,-1 5 0,0 1 0,2-4 0,0 1 0,1-3 0,0 6-392,3-3 1,0 6 0,-1 2-1,2-2 1,2-7 391,1-2 0,2-6 0,0 4 0,0 5 0,1 5 0,1 0 0,0-5 0,2-5 0,1-3 0,-1 2-198,1-4 1,-2 3 0,1 0 0,1-1 197,0 15 0,1 0 0,-2-1 0,-1-3 0,-2 0 0,2 0 0,2-1 0,2-1 0,-1 0 539,-3-2 1,0-2 0,0-1-540,2-8 0,-1-2 0,1 0 511,-5 17 1,0-2-512,4-13 0,1-3 1537,1-10 1,0 0-1538,0 8 0,0 0 3410,-2 22-3410,0 2 2597,5-12-2597,4-13 1587,0-10-1587,4-3 0,2-13 0,25 10 0,-5-12 0,18 5 0,-9-13 0,2-3 0,10 2 0,-2-2 0,2-2 0,10-7-448,-21 3 1,0-1 447,2-4 0,-1 0 0,2-1 0,0 1 0,4-1 0,-1 1 0,-3-1 0,0 1 0,0 0 0,3-1 0,11-1 0,7-2 0,0 1-511,0 1 1,0 2 0,3-1 510,-5 1 0,2 0 0,0 1 0,-1 0 0,-5 2 0,0 1 0,-2 1 0,-3 1-96,3 0 0,-2 0 0,-2 1 96,-2 0 0,-2 0 0,0-1 0,12 0 0,-2-1 0,-10 0 0,-2 0 0,-3 1 0,-3-1 0,16-4 0,-16 4 0,0 0 0,9 0 0,4-1 0,12-1 0,-7 1 0,-11 4 0,-1 0 0,9-3 0,4-3 0,-1 2 0,9 3 0,-4 1-878,-9-4 0,1 1 878,15-1 0,-1 1 0,-17 2 0,-1-1 313,2 0 0,2-2-313,-6 3 0,2-1 0,-2 0 0,0 1 0,2-1-1,4-1 0,5-1 0,-9 1 1,13 4 0,-2-4 0,2-1 0,-21 6 0,0-1 0,14-6 0,2-1 0,-1 1 0,-1 1 0,-2-2 0,0-2 0,7-1 0,1 0-904,0 4 0,2 1 904,3-3 0,2 0-545,-19 3 1,2 0 0,2-1 544,-3 1 0,2 1 0,2-1 0,0 0 0,5 1 0,0 0 0,3 0 0,4-2 0,-4 1 0,5-1 0,2 0 0,2-1 0,0-1 0,-2 0 0,-2 0 0,1-1 0,-1 0 0,0-1 0,0 0 0,1-2 0,-8 2 0,1-1 0,0 0 0,0-1 0,0-1 0,-1-1 0,-1-2 0,7-3 0,-1-2 0,0-2 0,-2 0 0,-1-2 0,-3-1-445,3-3 1,-3-1 0,-1-1 0,-1-2-1,-1 0 445,-2 0 0,-1 0 0,-1-1 0,0-2 0,0-1-42,-5 2 1,1-1 0,0-2 0,-2 0 0,-1 0-1,-2 2 42,5-8 0,-3 1 0,-2 0 0,1-1 0,2-3 0,0-1 0,-1 0 0,0 0 0,-3 0 0,0 1 0,-1-1 0,1-3-133,-4 5 1,1-1 0,-1-2-1,1-1 1,0 0 132,-4 5 0,1 0 0,0-1 0,-1-1 0,2-1 0,-1-1 0,0-2 0,1-1 0,0-2 0,1-1 0,-2 0 0,-1 1 0,-1 2 0,-1-2 0,-2 1 0,-1 0 0,0 1 0,-1-1 0,0-1 0,0-2 0,1 0 0,-1-2 0,-1 1 0,-1 1 0,-2 0 0,0-6 0,-2 1 0,-1 0 0,-2 2 0,0 2 0,0 1 0,-1 2 0,-2 1 0,-1 0 0,-3 2 0,-1 1 0,-2 0 0,0 1 0,-1 0 0,-1 0 0,0 0 0,-2 0 247,1 0 0,-2-1 0,0 0 0,0 0-247,0-5 0,1 0 0,-1 0 0,-1 2 0,1-6 0,-1 3 0,-1 5 0,-1-6 0,0 6 1161,0 14 0,0 0-1161,0-10 0,0 0 735,0 11 1,0 0-736,0-8 0,-4 0 0,-7 6 0,-4 3 0,-6-17 0,-2 18 0,-3 2 3194,-14-18-3194,0 4 0,-6-3 0,11 13 0,-2 0 0,-3-3 85,2 2 0,-1-2 0,-3-3 0,-4-4-85,6 7 0,-4-4 0,-3-3 0,-1 0 0,1 0 0,2 2 0,5 5-839,-7-7 1,6 6 0,-1-1-1,-4-5 839,8 7 0,-4-3 0,-2-3 0,-2-2 0,1 0 0,1 2 0,4 2 0,3 4 0,-6-9 0,5 4 0,1 2 0,-2-2-312,3 4 0,-2-1 1,0-1-1,0 1 1,1 0 311,-6-9 0,1 0 0,1 0 0,2 2 0,5 8 0,1 0 0,1 1 0,3 4 0,-9-16 0,3 3 0,8 9 0,0 0 0,2 3 0,2 2 0,1 4 771,4 2 0,-3 0-771,-23-20 0,-2 4 0,4 8 1674,-4 3 1,-5 1-1675,14 15 0,-1 2 1063,-8-2 0,-1 2-1063,3 7 0,1 3 0,4 2 0,3 1 0,-14 3 0,13 0 0,26 0 0,5 0 0</inkml:trace>
+  <inkml:trace contextRef="#ctx0" brushRef="#br0" timeOffset="867">22304 9494 8191,'0'44'0,"8"0"0,4 9 842,-3-3 0,1 4 1,0 0-843,1-1 0,-1 0 0,1-3 1180,4 10 0,-1-5-1180,-5-13 0,-3-5 2055,0 10-2055,2 14 0,-8-16 5468,0-12-5468,0-11 2905,0-9-2905,0-3 267,0 0 0,0-7 0,0-1 1</inkml:trace>
+  <inkml:trace contextRef="#ctx0" brushRef="#br0" timeOffset="1468">22087 10003 8191,'9'0'0,"21"0"0,10 0 2017,15 1 1,3-2-2018,-1 0 0,0-2 0,8 2 0,-3-3 0,-19-5 0,-3 0 0,24-6 0,-2 1 2932,-39 4-2932,-9 9 460,-2-2 0,-7 3 1,1 0-1</inkml:trace>
+  <inkml:trace contextRef="#ctx0" brushRef="#br0" timeOffset="2367">22906 9952 24575,'0'59'0,"0"-25"0,0 26 0,15-8 0,3-1 0,-4-19 0,0-2 0,5 10 0,-9-19 0,-7-15 0,-3-12 0,0-5 0,0-5 0,0-1 0,0-6 0,0-19 0,7-8 0,1-14 0,8 4 0,5 9 0,5 11 0,6 15 0,11 7 0,-12 11 0,9 4 0,-20 3 0,5 0 0,-5 0 0,-4 0 0,-1 0 0,-12 0 0,0 0 0</inkml:trace>
+  <inkml:trace contextRef="#ctx0" brushRef="#br0" timeOffset="3717">23677 9961 24575,'0'16'0,"0"1"0,0 5 0,-4 23 0,0-17 0,-4 18 0,4-14 0,1-9 0,3 5 0,0-16 0,8-6 0,23-4 0,13-2 0,6 0 0,1 0 0,-4-7 0,-6-1 0,1-12 0,-4-7 0,-13 6 0,2-7 0,-11 13 0,-8-2 0,1 7 0,-2 0 0,-4 4 0,0 0 0,-3 0 0,-10 3 0,1-3 0,-12 5 0,-15-2 0,10 3 0,-28 0 0,18 0 0,-9 10 0,8 9 0,8 10 0,11 7 0,8-7 0,6-5 0,4 7 0,16-8 0,7 10 0,8-15 0,5-4 0,1-10 0,-8 0 0,7-11 0,-17-4 0,3-9 0,-6-2 0,-1-1 0,-2 5 0,-5-3 0,2 6 0,-3 1 0,-4 5 0,2 3 0,-1 3 0,4 3 0,6 20 0,10 8 0,6 12 0,7-6 0,-5-7 0,-7-15 0,-9-4 0,-4-8 0,-5 0 0,2 0 0,-3-2 0,1-5 0,0-11 0,0-11 0,-2 10 0,-1-1 0</inkml:trace>
+  <inkml:trace contextRef="#ctx0" brushRef="#br0" timeOffset="4316">24369 9964 24575,'0'37'0,"0"1"0,1 0 0,2-3 0,5-6 0,1 3 0,6-1 0,-1 4 0,-5-10 0,3-2 0,-11-15 0,1-7 0,-2 2 0</inkml:trace>
+  <inkml:trace contextRef="#ctx0" brushRef="#br0" timeOffset="4719">24264 9759 24575,'0'0'0</inkml:trace>
+  <inkml:trace contextRef="#ctx0" brushRef="#br0" timeOffset="6186">24700 9978 24575,'0'33'0,"0"15"0,0-25 0,0 16 0,-3-19 0,2-6 0,-2 1 0,3-6 0,0 10 0,0 10 0,0 1 0,0 2 0,0-10 0,3-4 0,4 5 0,0-6 0,-1 3 0,0-8 0,-6-3 0,3-3 0,-3 0 0,0 0 0,0-1 0,3-1 0,-3-7 0,7-27 0,-6-10 0,5-6 0,-5 1 0,5 16 0,1 3 0,3 0 0,0 12 0,-1 2 0,9 2 0,5 0 0,16-4 0,1 2 0,-2 1 0,-5 7 0,-7 1 0,-4 3 0,6 0 0,-5 0 0,1 0 0,-3 15 0,-10-1 0,3 18 0,-7-9 0,1 3 0,-1-4 0,0 0 0,1 0 0,-1 0 0,-3-4 0,-1 5 0,0-11 0,-3 6 0,3-5 0,-3 0 0,0 3 0,0-7 0,3-3 0,0-3 0,3-3 0,-3 0 0,0 0 0</inkml:trace>
+  <inkml:trace contextRef="#ctx0" brushRef="#br0" timeOffset="8323">3800 14551 8191,'1'-11'0,"-10"-7"2102,-12-13 1,-4-5-2103,4 5 0,-3 0 0,-15-19 0,-3 1 0,14 18 0,-1 2 1457,-5-4 1,-3 5-1458,-2 13 0,0 5 0,0-1 0,1 2 0,-22 5 0,25 5 0,2 3 0,0 9 0,3-1 0,-3 5 0,-4 13 0,0 6 0,-6 11 0,-1 6-396,10-9 0,-2 2 0,4 0 396,6-6 0,2 1 0,2-1 0,0 0 0,1 0 0,4 2 1033,5 3 0,4 2 1,0-1-1034,-1 12 0,2 1 0,2-11 0,2 2 0,1-2 0,1 12 0,2-3 0,-4-4 0,6 4 0,9-4 0,7 8 0,4 1 0,0-2 0,-2-8 0,1-2 0,2 0 0,2 2-566,-1 0 1,2 3 0,2-1 0,0 0 0,-1-4 565,4 2 0,1-2 0,-1-2 0,-1-3 0,1 3 0,0-4 0,-3-1-447,4 8 0,-1-2 447,6 2 0,-3-5 0,2 10 0,-12-22 0,2 1 1321,-5-8 0,-1-1-1321,17 15 0,-14-14 0,0-1 0,16 8 0,8 12 0,1-14 856,-7-6 1,3 2-857,-4-6 0,3 1 0,15 7 0,2-2 0,-10-10 0,-1-3 2329,-1 2 1,0-3-2330,-5-8 0,0-3 875,-4 2 1,0-2-876,-2-2 0,-1-2 0,19-3 0,0-4 307,-23-5-307,4-3 0,-5-1 0,0 1 0,15-11 0,-10 3 0,16-13 0,-22 11 0,14-19 0,-7 5 0,-18 12 0,0-1 0,2 2 0,-1 0-342,-6-4 0,-1 0 342,14-21 0,-11 8 0,-3-1 0,-3 10 0,0-1 0,0-12 0,0-3 0,-2 7 0,-2-3 0,-2-14 0,-1-5 0,-1 18 0,-1-1 0,-1 0 0,0 0 0,-1 0 0,-2 1-675,-4-19 0,-4 3 675,1 16 0,-4-1 0,-3 4 0,-2-5 0,-3-2 0,1 1 0,2 5 0,-1 0 0,0 0 0,-1-2-848,-3-7 0,-1-2 1,0 0-1,0 4 848,-2-3 0,1 4 0,-3 2 0,-1 5 0,-1 2 0,1 3-605,-4-5 1,-2 3 604,4 7 0,-2 0 0,2 4 0,6 7 0,-2 2 0,-13-5 0,-3 2 239,8 7 0,-2 1-239,-22-8 0,-3 2 0,20 10 0,0 1-119,-5-2 1,2 1 118,-11 3 0,6-3 3143,1 4-3143,1 4 1504,8-2-1504,-8 6 0,15-3 0,-4 1 1710,5 2-1710,5-6 9,-10 3 0,23-1 0,-5 1 0</inkml:trace>
+</inkml:ink>
+</file>
+
+<file path=ppt/ink/ink9.xml><?xml version="1.0" encoding="utf-8"?>
+<inkml:ink xmlns:inkml="http://www.w3.org/2003/InkML">
+  <inkml:definitions>
+    <inkml:context xml:id="ctx0">
+      <inkml:inkSource xml:id="inkSrc0">
+        <inkml:traceFormat>
+          <inkml:channel name="X" type="integer" min="-2.14748E9" max="2.14748E9" units="cm"/>
+          <inkml:channel name="Y" type="integer" min="-2.14748E9" max="2.14748E9" units="cm"/>
+          <inkml:channel name="F" type="integer" max="32767" units="dev"/>
+        </inkml:traceFormat>
+        <inkml:channelProperties>
+          <inkml:channelProperty channel="X" name="resolution" value="1000" units="1/cm"/>
+          <inkml:channelProperty channel="Y" name="resolution" value="1000" units="1/cm"/>
+          <inkml:channelProperty channel="F" name="resolution" value="0" units="1/dev"/>
+        </inkml:channelProperties>
+      </inkml:inkSource>
+      <inkml:timestamp xml:id="ts0" timeString="2023-06-28T07:36:41.822"/>
+    </inkml:context>
+    <inkml:brush xml:id="br0">
+      <inkml:brushProperty name="width" value="0.05292" units="cm"/>
+      <inkml:brushProperty name="height" value="0.05292" units="cm"/>
+      <inkml:brushProperty name="color" value="#FF0000"/>
+    </inkml:brush>
+  </inkml:definitions>
+  <inkml:trace contextRef="#ctx0" brushRef="#br0">4888 4723 8191,'3'16'0,"-1"39"0,-1 15 435,-1-26 0,0 0 0,0 5-435,0 10 0,0 6 0,0 2 0,0-1 0,0-6 0,0 0 0,0 1 0,0 1-71,-1-2 1,1 1-1,0 2 1,0 0 0,1 0 70,0 0 0,0 0 0,1 0 0,-1 1 0,1 2-43,-1-4 0,1 2 0,-1 0 0,0 1 0,1 0 1,2-2 42,0-5 0,1 0 0,1 0 0,0-1 0,0 1 0,0 0 80,-1 3 0,0 2 0,0 0 0,-1 0 0,2-3 0,-1-3-80,3 7 0,0-4 0,1-1 0,-1 2 0,-1-3 0,-1 1 0,0 1 0,1-2 0,-1-3 0,1 11 0,1-4 0,-1 0 0,-1-1 0,0-1 0,0 0 442,1 1 0,-1-1 1,0-5-443,0 3 0,-2-5 0,0-1 0,0-2 0,1-6 0,-1-7 0,-4-15 0,0-8 0</inkml:trace>
+  <inkml:trace contextRef="#ctx0" brushRef="#br0" timeOffset="800">10310 4514 24575,'0'63'0,"0"0"0,0 1 0,0-6 0,1 5 0,0 2 0,1 5 0,1 5-984,1-19 1,0 3 0,2 3 0,0 2 0,0 2 0,1 2 0,-1-1 0,1 1 0,-1-2 0,0-1 834,-1 0 0,0-1 0,0-1 0,0 1 0,-1-1 0,1 1 0,0 1 0,1 1 0,-1 1 0,2 1 149,-1-6 0,1 2 0,0 2 0,1 1 0,0 0 0,0 1 0,0 0 0,0 0 0,0-2 0,-1 0 0,0-2 0,0-2 0,-1-2 0,0 6 0,0-1 0,0-2 0,-1-1 0,0-2 0,-1 0 0,1-1 0,-1 0 0,1 0 18,-1 3 1,1 0 0,0 0 0,0-1 0,-1-1 0,0-2 0,0-1 0,-2-3-19,1 11 0,-1-1 0,-1-4 0,0-4 0,0-6 0,-1 22 0,0-11 0,0-11 0,0-13 0,0-27 0</inkml:trace>
+  <inkml:trace contextRef="#ctx0" brushRef="#br0" timeOffset="1783">14249 4724 24575,'0'58'0,"0"6"0,0-10 0,0 5-1702,0-13 1,0 2 0,0 7 1701,0-7 0,0 6 0,0 4 0,0 3 0,0 0 0,0-1-637,0-4 0,0 0 0,0 0 0,0 1 0,0 2 0,0 1 0,0 2 637,0-1 0,0 3 0,0 1 0,0 2 0,0 0 0,0 1 0,0-1 0,0 0 0,0-3 0,0 4 0,0-2 0,0 0 0,0 0 0,0 0 0,0-1 0,0 1 0,0 1 0,0-4 0,0 0 0,0 1 0,0 1 0,0-1 0,0 0 0,0-2 0,0 0 0,0-2-67,0 7 1,0-1 0,0-1 0,0-2 0,0 0 0,0-1 0,0-2 66,0 2 0,0-1 0,0-1 0,0-1 0,0-1 0,0-2-118,0 5 0,0-1 0,0-1 0,0-3 1,0-6 117,0 5 0,0-5 0,0-4 0,2 12 0,0-8 0,-1-2 0,2-34 0</inkml:trace>
+  <inkml:trace contextRef="#ctx0" brushRef="#br0" timeOffset="3868">16025 4802 24575,'0'-25'0,"0"-1"0,0-1 0,3 10 0,-2 1 0,1 10 0,-1 34 0,-2 16 0,1 17-1050,0-17 1,0 11 0,0 2 0,0-3 1049,0 6 0,0-3 0,0 9 0,0-8 0,0 7 0,-1 4 0,1 2 0,0-1 0,1-5-1079,1-2 0,1-3 1,0-2-1,1 3 0,0 3 1079,0-6 0,0 4 0,0 2 0,1 0 0,0 0 0,2-2 0,-1-3-722,4 9 1,0-3 0,1-2 0,1 0-1,0 2 722,-2-10 0,2 0 0,0 0 0,0 0 0,0 1 0,-1-1-402,1 1 0,0 1 0,0 0 0,0 0 0,-1-2 0,1-3 402,2 11 0,0-3 0,-1-1 0,1 2-85,-2-3 1,-1 2-1,1 0 1,0-1-1,-1-4 85,4 13 0,-1-4 0,-1-2 577,-2-1 1,-1-2 0,1 3-578,0-4 0,1 4 0,-1-2 0,-1-7 0,-1 7 0,0-3 1020,1-1 0,0 4 0,-2-9-1020,-2-12 0,-2-7 4577,0 5-4577,-4-24 5213,2-7-5213,-1 1 1450,1-3-1450,-2 5 0,0-3 0,0 0 0,0 0 0,0 0 0,0-3 0,0 0 0</inkml:trace>
+  <inkml:trace contextRef="#ctx0" brushRef="#br0" timeOffset="6983">5142 4096 8191,'0'7'0,"0"21"4818,0 28-4818,0 7 0,0-28 0,0 0 2848,0 29-2848,0-8 1749,0 1-1749,0-21 6692,0-11-6692,0-13 277,0-8-277,0-19 0,12-7 0,2-18 0,17-6 0,-3 5 0,8-9 0,-4 9 0,4 0 0,-5 5 0,-2 7 0,-10 10 0,-1 1 0,-5 5 0,0 6 0,-4 1 0,0 6 0,-11 3 0,-3 3 0,-11 8 0,0 5 0,-2 3 0,4-3 0,-1 2 0,5-10 0,-1 5 0,8-9 0,-3 2 0,5-3 0,-1 0 0,2 0 0,0 3 0,0-2 0,0 2 0,0-3 0,0 2 0,0 1 0,0 10 0,0-5 0,0 6 0,3-1 0,0-2 0,4 3 0,-3-8 0,-2-3 0,-2-3 0,-5-3 0,1-1 0,-1 1 0,2 0 0,3 3 0,3 0 0,7 0 0,11 7 0,5-2 0,1 6 0,-7-7 0,-7-1 0,-1-5 0,-5 1 0,1-4 0,-2 4 0,2-4 0,-4 1 0,1-2 0</inkml:trace>
+  <inkml:trace contextRef="#ctx0" brushRef="#br0" timeOffset="7568">5858 4500 24575,'19'0'0,"7"0"0,9 0 0,2 0 0,-10 0 0,5 0 0,-12 0 0,0 0 0,-14 0 0,-3 0 0</inkml:trace>
+  <inkml:trace contextRef="#ctx0" brushRef="#br0" timeOffset="8383">5887 4343 8191,'17'0'0,"-3"0"5063,22 0-5063,-16 0 2818,-4 0-2818,-5 0 1719,-4 0-1719,1 0 6784,1 0-6784,0 0 0,0 0 0,0 0 0,-3 0 0,0 0 0,0 0 0,0 0 0,0 0 0,-2 0 0,-2 0 0</inkml:trace>
+  <inkml:trace contextRef="#ctx0" brushRef="#br0" timeOffset="9366">6381 4113 24575,'0'55'0,"0"3"0,0-2 0,0-4 0,0-25 0,0 5 0,0-16 0,0 7 0,0-16 0,0 2 0,0-3 0,0 0 0,0 0 0,0 0 0,15-3 0,8 0 0,6-3 0,3 0 0,4 0 0,4 0 0,9 0 0,-10 0 0,-11 0 0,-11-3 0,-3 2 0,-4-2 0,-1 3 0,-3 0 0,0 0 0,-2 0 0,-2 0 0</inkml:trace>
+  <inkml:trace contextRef="#ctx0" brushRef="#br0" timeOffset="10152">6619 4316 24575,'0'28'0,"0"9"0,0 14 0,0-6 0,0 8 0,0-8 0,0 6 0,0-15 0,0 0 0,0 6 0,0 10 0,0-36 0,0-10 0,0-3 0</inkml:trace>
+  <inkml:trace contextRef="#ctx0" brushRef="#br0" timeOffset="11949">5429 5193 8191,'25'0'0,"17"0"2015,1 0 1,9 0-2016,-3 0 0,6 0 0,4 0 0,2 0 0,-2 0 0,1 0 0,3 0 0,2 0 0,4 0-81,-13 0 0,2 0 0,3 0 0,1 0 0,1 0 0,1 0 0,-2 0 0,-1 0 81,-1 0 0,-1 0 0,0 0 0,0 0 0,0 0 0,-1 0 0,0 0 0,0 0-150,4 0 1,0 0 0,0 0 0,-1 0-1,0 0 1,-3 0 0,-1 0 149,8 0 0,-2 0 0,-2 0 0,-1 0 0,0 0 0,-3 0 0,1 0 0,-2 0 0,-2 0 0,-2 0 0,13 0 0,-4 0 0,1 0 0,-10 0 0,1 0 0,-1 0 0,-7 0 54,7 0 1,-6 0-55,-6 0 0,-3 0 2231,13 0-2231,5 0 4346,-16-7-4346,18 5 6499,-21-8-6499,6 9 861,-23-3-861,-3 4 0,-8-6 0,1 5 0,-3-5 0,0 6 0,0 0 0,3 0 0,10 0 0,20 3 0,23 14 0,-22-7 0,2 3 0,2 6 0,1 1 0,2 0 0,-2 0 0,-10-3 0,-3 0 0,20 10 0,-21-10 0,-18-10 0,-9-1 0,-12-6 0,-9 0 0,-9 0 0,-13-19 0,4 8 0,-9-21 0,11 11 0,-2-5 0,-19-12 0,11 9 0,-12-8 0,26 18 0,1 0 0,1-1 0,-1 0 0,-8-2 0,1 1 0,7 0 0,2 2 0,-16-4 0,22 6 0,8 8 0,38 6 0,10 6 0,8 5 0,16 9 0,3 3-800,-19-7 1,0 0-1,0 2 800,19 10 0,-4 1 0,-17-4 0,-4-3-183,-4-5 1,-2-1 182,25 19 0,-13-15 0,-14 0 0,-6-7 0,-15-4 2351,-3-3-2351,0 0 413,-3-1-413,0 7 0,-3 8 0,-21 12 0,-23 14 0,6-19 0,-5-3 0,-16 4 0,-3-3 0,3-4 0,0-3 0,-5-4 0,2-3 0,13-2 0,3-2 0,-18 2 0,21-5 0,30 5 0,7-3 0,6 0 0,0 0 0</inkml:trace>
+  <inkml:trace contextRef="#ctx0" brushRef="#br0" timeOffset="13518">5211 5262 24575,'40'0'0,"2"0"0,-3 6 0,2 3 0,-7-2 0,0 0 0,0 5 0,-2 1 0,14 8 0,-20-10 0,-11-2 0,-15-6 0,-4-3 0,-9 0 0,-6 0 0,-3 0 0,-10 0 0,-7 0 0,-2-3 0,1-4 0,9-4 0,4-5 0,-4-2 0,9 0 0,-1 4 0,0-2 0,1 2 0,0-1 0,3 3 0,12 6 0,-2 2 0,6-2 0,-3 6 0,6-6 0,16-1 0,33-9 0,-13 4 0,2-2 0,9-2 0,0 1 0,-9 3 0,-3 0 0,18-11 0,-11 7 0,-15 1 0,5 1 0,-12 4 0,-4 4 0,-1 3 0,-2 0 0,0 3 0,2-3 0,-10 3 0,4-3 0</inkml:trace>
+  <inkml:trace contextRef="#ctx0" brushRef="#br0" timeOffset="15883">8279 5999 24575,'3'54'0,"-1"0"0,7 6 0,1 1 0,0 1 0,2 0 0,2 0 0,1-5 0,-6-20 0,-1-4 0,1 18 0,-6-45 0,-3-10 0,0-17 0,0-4 0,0 5 0,3-10 0,1 6 0,4-2 0,0-1 0,-1 4 0,7-13 0,-2 1 0,9-5 0,-3 5 0,2 7 0,0 8 0,-4 7 0,2 7 0,6 3 0,11 33 0,-3-8 0,5 31 0,-11-17 0,0 6 0,-4-7 0,-5 2 0,-3-10 0,-5 0 0,1-9 0,-6-1 0,-1-4 0,-3-2 0,0-2 0,0-3 0,0 0 0,0 0 0,0-8 0,0-16 0,0-15 0,3-13 0,-2 8 0,6 6 0,-4 14 0,1 0 0,5-1 0,-2 1 0,4-2 0,-2 7 0,-3 4 0,0 0 0,1 2 0,2-3 0,4 3 0,1 1 0,2-1 0,-6 3 0,5-1 0,-7 4 0,4-2 0,-6 3 0,0 0 0,0 0 0,0 0 0,3 12 0,2 10 0,0 11 0,-1 10 0,-3-10 0,0 5 0,-1-14 0,-2 0 0,-1-11 0,-3-1 0,3-3 0,-3 0 0,3 0 0,-3-6 0,0 0 0</inkml:trace>
+  <inkml:trace contextRef="#ctx0" brushRef="#br0" timeOffset="19067">9474 6093 24575,'0'32'0,"-15"13"0,4-8 0,-2 2 0,-1-4 0,0-1 0,-15 25 0,11-6 0,1-13 0,-1 8 0,1-10 0,0 4 0,5-13 0,-5 12 0,9-17 0,-8 12 0,8-17 0,-6 7 0,-1-2 0,-3 5 0,0 2 0,4-9 0,5-7 0,3-6 0,2-2 0,1 1 0,1-5 0,1 0 0,-2-3 0</inkml:trace>
+  <inkml:trace contextRef="#ctx0" brushRef="#br0" timeOffset="21448">9564 6469 8191,'-4'5'0,"2"29"5063,2 29-5063,0-26 0,0 1 0,0 4 0,0-2 0,0 10 2818,0 11-2818,0-29 1719,0 9-1719,0-24 6784,0-3-6784,0-4 0,0-1 0,0 0 0,0-2 0,0 6 0,0-6 0,0 2 0,0-3 0,0 0 0,0 0 0,0-6 0,6-17 0,3-14 0,9-15 0,-3 5 0,2 10 0,-5 11 0,1 8 0,-4 3 0,0 3 0,-3 2 0,-3-1 0,3 4 0,0-4 0,4 1 0,-1 0 0,4 1 0,1 3 0,0 0 0,3 0 0,-3 0 0,-1-3 0,-3 3 0,0-3 0,-4 3 0,2 0 0,-1 0 0,-6 0 0,-19 3 0,-6 5 0,-9 0 0,7 3 0,8-1 0,-9 1 0,11-1 0,-4 0 0,10-6 0,4 1 0,0-4 0,0 4 0,0-4 0,0 4 0,0-2 0,3 3 0,-2-1 0,4 1 0,-4 0 0,4-1 0,-4-2 0,4 2 0,-1 1 0,11 1 0,4 6 0,18 3 0,12 8 0,-2 2 0,1-6 0,-15-1 0,-8-11 0,1 4 0,-7-2 0,-3 0 0,-2-4 0,-7-1 0,4-2 0,-4 3 0,4-1 0,-4 1 0,4 0 0,-2-1 0,0 1 0,-1-3 0,-2 0 0</inkml:trace>
+  <inkml:trace contextRef="#ctx0" brushRef="#br0" timeOffset="48307">1801 9750 8191,'0'9'0,"0"22"5063,0 20-5063,0 9 0,0 7 0,0-11 0,0 3 714,0-3 0,0 4 0,0-3-714,0 9 0,0-4 905,0-3 1,0-3-906,0-13 0,0-4 6495,0 12-6495,0-20 0,0-16 0,2-12 873,8 0-873,14-7 0,10-9 0,21-2 0,-21-1 0,2-2 0,12 0 0,2 1 0,6-5 0,1 1 0,-5 4 0,-1 1 0,-7 4 0,-4 2 0,7-2 0,-20 8 0,-17 1 0,-4 3 0</inkml:trace>
+  <inkml:trace contextRef="#ctx0" brushRef="#br0" timeOffset="49108">1951 10198 8191,'12'0'0,"23"0"5063,17 0-5063,9-3 2818,-25-1-2818,-5 1 1719,-24 0-1719,6 3 6784,-7 0-6784,0 0 0,-3 0 0,0 0 0</inkml:trace>
+  <inkml:trace contextRef="#ctx0" brushRef="#br0" timeOffset="49756">1824 9751 24575,'50'0'0,"-14"0"0,4 0 0,10 0 0,4 0 0,5 0 0,-1 0 0,-17 0 0,-4 0 0,25 0 0,-40 0 0,-2 0 0,-12 0 0,1 0 0</inkml:trace>
+  <inkml:trace contextRef="#ctx0" brushRef="#br0" timeOffset="51155">3069 9363 24575,'-40'0'0,"-5"0"0,11 0 0,-3 0 0,-29 0 0,16 0 0,13 0 0,17 0 0,12 15 0,-1 9 0,9 15 0,0 5 0,18 6 0,-7-10 0,9-13 0,2-2 0,2 10 0,16 6 0,-14-11 0,-2-6 0,-2-9 0,-11-5 0,2-4 0,-7 0 0,0 0 0,-3 0 0,0 0 0,-26 4 0,-20 1 0,11-3 0,-2 0 0,-6-1 0,0-1 0,-21 5 0,11-3 0,22-2 0,19-2 0,11-1 0,10 3 0,2-2 0,-1 9 0,1 1 0,3 10 0,-2 9 0,0 7 0,-8 13 0,-4 12 0,-2-28 0,-2 2 0,-2 4 0,-1 0 0,1-4 0,0-1 0,-9 27 0,5-19 0,3-18 0,1-9 0,3-10 0,0 0 0,0-3 0,3 0 0,3-3 0,8 3 0,14-5 0,0 2 0,10-3 0,-7 0 0,1 0 0,0 0 0,1 0 0,-2 0 0,1 0 0,-1 0 0,7 0 0,-3 3 0,-6 1 0,-12-1 0,-11 0 0</inkml:trace>
+  <inkml:trace contextRef="#ctx0" brushRef="#br0" timeOffset="56337">3056 9479 8191,'0'-4'0,"0"2"0</inkml:trace>
+  <inkml:trace contextRef="#ctx0" brushRef="#br0" timeOffset="65271">3501 9527 24575,'0'21'0,"0"20"0,0 7 0,0-8 0,0 4 0,0 6 0,0 6 0,0-2 0,0 8 0,0-2 0,0 4 0,0-2 0,0-13 0,0-3 0,0-6 0,0-5 0,0 6 0,0-6 0,0-18 0,0 0 0,0-4 0,0-4 0,0-4 0,0 1 0,5-3 0,25 0 0,-8-3 0,34 0 0,4 0 0,-23 0 0,1 0 0,3 0 0,0 0 0,20 0 0,-20 0 0,-20 0 0,-9 0 0,-9 0 0,0 0 0</inkml:trace>
+  <inkml:trace contextRef="#ctx0" brushRef="#br0" timeOffset="67552">4396 9519 24575,'-12'0'0,"-6"0"0,3 0 0,-5 0 0,-3 0 0,7 2 0,-7 8 0,16 3 0,1 10 0,6 2 0,0 3 0,0 3 0,6-9 0,2-1 0,8-6 0,1-1 0,-1 2 0,-4-3 0,-6-5 0,-3-2 0,-3 0 0,0 0 0,0 3 0,0 1 0,-3 4 0,-8 4 0,-1-4 0,-15 6 0,12-7 0,-11 3 0,8-6 0,0 1 0,3-5 0,6-2 0,3-1 0,0-3 0,7 0 0,7 0 0,8 3 0,-3 3 0,0 5 0,-3 16 0,-2-6 0,-1 10 0,-4-9 0,-3 5 0,0 0 0,0 16 0,0 7 0,0 1 0,0 2 0,0-15 0,0-1 0,0-9 0,0-6 0,0-4 0,0-6 0,0-2 0,3-4 0,13-3 0,6-3 0,14 0 0,-5 0 0,0 0 0,-4 0 0,-3 0 0,-9 0 0,-6 0 0</inkml:trace>
+  <inkml:trace contextRef="#ctx0" brushRef="#br0" timeOffset="68745">4736 9786 10514,'0'34'0,"0"4"0,0 6 2402,0 9 1,0 5-2403,0-10 0,0 2 0,0-3 0,0 6 0,0-3 1245,0-10 1,0-3-1246,0 5 1446,0-25-1446,2-18 5101,6-8-5101,14-30 218,0 6-218,7-14 0,-5 13 0,-3 5 0,10-6 0,-10 17 0,6-6 0,-12 16 0,12 1 0,-8 4 0,6 3 0,-8 0 0,-7 0 0,5 0 0,-4 0 0,2 3 0,-4 0 0,0 12 0,-2-3 0,0 11 0,-1-3 0,-3 4 0,1 0 0,-1-2 0,-3-5 0,3-1 0,0 0 0,7 3 0,0-5 0,9 11 0,6-6 0,-9-4 0,1-2 0</inkml:trace>
+  <inkml:trace contextRef="#ctx0" brushRef="#br0" timeOffset="70119">4554 9695 8191,'12'-12'0,"10"-12"5063,15-11-5063,-6 4 2818,-10 7-2818,-11 14 1719,-4 3-1719,0 2 6784,0 4-6784,0-2 0,2 3 0,4 6 0,5 4 0,2 7 0,-2-3 0,-4-2 0,-4-6 0,-3 0 0,0 0 0,-2 0 0,1-2 0,-4 1 0,4-5 0,-4 5 0,4-4 0,-5 4 0,6-1 0,-3 1 0,3 1 0,-1 3 0,4 0 0,-3 3 0,0-6 0,-3 0 0</inkml:trace>
+  <inkml:trace contextRef="#ctx0" brushRef="#br0" timeOffset="73818">5253 9438 24575,'12'0'0,"7"0"0,0 0 0,2 0 0,2 0 0,-8 0 0,-1 2 0,-3-1 0,-6 12 0,8 5 0,-5 2 0,2 7 0,-6-9 0,3 4 0,-7 10 0,4-12 0,-4 7 0,0-9 0,3-1 0,-3 0 0,6-2 0,-3-2 0,6-1 0,-2-3 0,4 3 0,-1-5 0,12 7 0,-1-9 0,0 4 0,0-9 0,-11 0 0,6 0 0,-15 0 0,-16 10 0,-16 14 0,-17 17 0,9 3 0,7-2 0,18-18 0,8-2 0,6-2 0,0-2 0,0 4 0,0-5 0,9 2 0,1-2 0,4-1 0,4-4 0,-7 4 0,4-2 0,-8 4 0,-1-8 0,-6 12 0,0-5 0,0 8 0,0 5 0,-3-5 0,-4 10 0,-4-11 0,1 0 0,0-5 0,3-5 0,-2 7 0,5-9 0,-5 5 0,9-8 0,-6 4 0,6-4 0,-6 2 0,5-1 0,-1-1 0,2-1 0,-3-4 0,2 1 0,-1-5 0,2 3 0</inkml:trace>
+  <inkml:trace contextRef="#ctx0" brushRef="#br0" timeOffset="77576">5867 9337 8191,'5'-3'0,"10"0"5063,6 3-5063,2 0 2818,-11 0-2818,-6 8 1719,-3 9-1719,-3 14 0,0 3 0,0 3 0,0 27 0,-2-7 0,0 1 0,0 6 3392,-2-6 0,0 0-3392,2 9 0,-2-23 0,0 0 0,4 11 0,-4-24 0,4-9 0,3-15 0,3-1 0,16-4 0,-6-8 0,10-7 0,-13-2 0,-3-1 0,-2 10 0,-9 11 0,-8 16 0,-9 20 0,2 14 0,4 9 0,9 0 0,9-4 0,-1-20 0,8-2 0,-3-21 0,0 0 0,-3 4 0,-5-13 0,-5 12 0,-13-5 0,3 1 0,-20 8 0,13-9 0,-25 22 0,23-21 0,-12 19 0,24-26 0,3 3 0,4-9 0</inkml:trace>
+  <inkml:trace contextRef="#ctx0" brushRef="#br0" timeOffset="80300">1434 11753 24575,'-3'-19'0,"6"-5"0,1 1 0,12-12 0,5 5 0,-1-2 0,0 4 0,-2 9 0,1 1 0,5 10 0,4 2 0,4 6 0,4 13 0,2 20 0,-7 8 0,-13-12 0,-1 0 0,5 8 0,5-5 0,9-15 0,1-11 0,6-2 0,-6-4 0,-10-7 0,-4 2 0,-2-9 0,-7 4 0,6-7 0,-9 3 0,1 1 0,-8 6 0,-1 4 0</inkml:trace>
+  <inkml:trace contextRef="#ctx0" brushRef="#br0" timeOffset="81633">1358 11454 8191,'-5'-8'0,"4"1"5063,6-12-5063,15-2 2818,0-4-2818,7 1 1719,-11 3-1719,6 11 6784,-7 4-6784,8 6 0,-6 0 0,7 0 0,-3 0 0,-1 0 0,-7 0 0,2 3 0,-4 3 0,5 1 0,-6 6 0,0-2 0,0 2 0,-3-3 0,2 3 0,0-1 0,-2 2 0,2-2 0,-5-3 0,1-3 0,-4 0 0,4 3 0,-1-2 0,4-1 0,1-4 0,10-2 0,9 0 0,8 0 0,8 0 0,0-3 0,-8-1 0,-5 0 0,-14-1 0,-5 4 0,-6-2 0,0 3 0,0 0 0,-3-2 0,-1 1 0,-2-1 0</inkml:trace>
+  <inkml:trace contextRef="#ctx0" brushRef="#br0" timeOffset="85484">2613 11125 24575,'0'43'0,"0"0"0,0 8 0,0 2 0,0-2 0,0 0 0,0-8 0,0-1 0,0 5 0,0-4 0,0 8 0,0-15 0,0-3 0,0-4 0,0-11 0,0-12 0,0 6 0,0 2 0,0 4 0,0 0 0,0 0 0,0-5 0,0 0 0,0 3 0,0-2 0,11-4 0,16-5 0,14-5 0,18-3 0,-9-2 0,-7 1 0,-15-2 0,-8 5 0,-9-2 0,1 3 0,-6 0 0,0 0 0,-3 0 0,0 0 0</inkml:trace>
+  <inkml:trace contextRef="#ctx0" brushRef="#br0" timeOffset="86334">2675 11578 24575,'19'0'0,"1"0"0,7 0 0,-4 0 0,19 0 0,-21 0 0,9 0 0,-24 0 0,-4 0 0</inkml:trace>
+  <inkml:trace contextRef="#ctx0" brushRef="#br0" timeOffset="87205">2597 11109 24575,'12'0'0,"-3"0"0,9 0 0,-7 0 0,5 0 0,-7 0 0,-3 0 0,0 0 0,0 0 0,3 0 0,10 0 0,-4 0 0,11 0 0,-4 0 0,-2 0 0,9 0 0,-13 0 0,12 0 0,-17 0 0,2 0 0,-11 0 0</inkml:trace>
+  <inkml:trace contextRef="#ctx0" brushRef="#br0" timeOffset="88467">2996 11969 24575,'10'29'0,"-2"0"0,5-11 0,-8 4 0,5 0 0,-7-5 0,1 4 0,-1-10 0,-1-6 0,8-19 0,5-15 0,9-7 0,-8 6 0,0 7 0,-7 7 0,-2 5 0,2-1 0,-3 6 0,0 0 0,0-1 0,0 4 0,0-5 0,0 6 0,1-6 0,-1 8 0,-3-9 0,0 7 0,-3-4 0</inkml:trace>
+  <inkml:trace contextRef="#ctx0" brushRef="#br0" timeOffset="90183">3478 11909 24575,'-15'15'0,"1"6"0,-2 7 0,8 3 0,2-10 0,6-2 0,0-6 0,0-3 0,0 3 0,0-6 0,0 5 0,0-2 0,3-3 0,7 5 0,11-7 0,12 5 0,7-5 0,9-2 0,-4-3 0,-1-4 0,-9-8 0,-4-4 0,-10-7 0,-5 6 0,-7 1 0,1 0 0,-6 2 0,2-2 0,-6 2 0,0 4 0,0-3 0,0 6 0,0-2 0,0 3 0,0 0 0,-3-1 0,-4 4 0,-9-3 0,-13 6 0,3-3 0,-6 3 0,10 0 0,-1 0 0,-5 0 0,6 0 0,-2 0 0,12 0 0,3 5 0,5 2 0,2 4 0,2 8 0,0 1 0,2 4 0,5-2 0,-1-8 0,3-2 0,3-9 0,-4 0 0,4-3 0,-3 0 0,-2 0 0,6 0 0,-6-6 0,2 2 0,-2-6 0,-1 1 0,0 5 0,0-5 0,3 6 0,-2-4 0,1 4 0,1 0 0,0 3 0,7 0 0,3 0 0,1 0 0,6 0 0,-8 0 0,-2 0 0,-7 0 0,1 0 0,-1 0 0,1 0 0,-1 0 0,-3 0 0,0 0 0,-3 3 0,2 0 0,1 13 0,4-2 0,0 5 0,-1-3 0,0-10 0,-2 0 0,4-6 0,-2 0 0,-2 0 0,-2 0 0</inkml:trace>
+  <inkml:trace contextRef="#ctx0" brushRef="#br0" timeOffset="91599">4025 11876 24575,'0'19'0,"0"3"0,0 13 0,0-6 0,0 4 0,0-17 0,0 6 0,0-13 0,0 1 0,0-1 0,0-1 0,0-1 0,0 2 0,0-4 0,0 1 0,2-3 0,4 0 0,11-3 0,11 0 0,8 3 0,4-2 0,-6 2 0,-14-3 0,-3 0 0,-7 0 0,0 0 0,-1 0 0,0 0 0,-2 0 0,-1 0 0,-3 0 0</inkml:trace>
+  <inkml:trace contextRef="#ctx0" brushRef="#br0" timeOffset="94832">1470 11023 24575,'-53'0'0,"-12"4"0,8 15 0,23-7 0,2 2 0,2 4 0,4 4 0,-15 24 0,5-2 0,22-6 0,-3 5 0,12-14 0,0 13 0,2 10 0,3 0 0,0 6 0,0-9 0,0-6 0,0 1 0,4-1 0,4-1 0,5-3 0,3-3 0,4-3 0,-3-1 0,3-3 0,0-2 0,1 1 0,12 0 0,1 3 0,3-8 0,-8-2 0,11-2 0,5 4 0,14 2 0,-25-10 0,1 1 0,-2-1 0,-1-1 0,23 8 0,-9 0 0,-4-7 0,6 2 0,-3-2 0,-4-4 0,-10-3 0,-3 0 0,4-4 0,0 3 0,-1-6 0,-3 2 0,3-3 0,-8 0 0,8 0 0,-8 0 0,3 0 0,6 0 0,-2-9 0,15-15 0,-6-15 0,-16 8 0,-2-4 0,-1 0 0,-2-3 0,1-9 0,-3-3 0,-1-4 0,-3 1 0,-4 8 0,-1 1 0,-2 3 0,-2 1 0,-3-23 0,-6 12 0,-9-9 0,-5 25 0,-5 7 0,3 13 0,0 0 0,-5 4 0,0-4 0,-6 3 0,1-4 0,0-1 0,-5 1 0,4 0 0,-4-1 0,5 1 0,0 0 0,0 0 0,0 4 0,-5-8 0,3 6 0,-3-6 0,-4-3 0,-8 2 0,-6-9 0,21 17 0,0 1 0,-27-12 0,27 13 0,-1 2 0,-25-3 0,5 4 0,10 4 0,16 4 0,9 0 0,7 0 0,6 6 0,-6 2 0,9-1 0,-2-1 0</inkml:trace>
+  <inkml:trace contextRef="#ctx0" brushRef="#br0" timeOffset="104002">3009 10818 24575,'-52'0'0,"9"0"0,-20 0 0,22 0 0,3 0 0,17 0 0,-5 6 0,10 2 0,-10 6 0,2 5 0,10-5 0,-5 6 0,8-3 0,-7 2 0,2 3 0,-2-3 0,3 2 0,2-7 0,2 3 0,-2-3 0,5-1 0,-4 1 0,4 3 0,-8 3 0,7 7 0,-4 2 0,5 3 0,3 4 0,-4 29 0,2-14 0,0 1 0,4-7 0,2-1 0,-2 0 0,2-2 0,1 14 0,0-6 0,0-21 0,0 9 0,3 2 0,4 8 0,6-8 0,7 3 0,12 9 0,-3-13 0,-8-9 0,1-1 0,9 7 0,5 9 0,-5-14 0,3 8 0,2 1 0,-6-12 0,5 10 0,9-1 0,-16-13 0,8 1 0,3 0 0,11 5 0,-10-11 0,3-1 0,-5 1 0,0-1 0,-2-5 0,-1-1 0,25 10 0,-14-7 0,-14-7 0,24 7 0,-5-2 0,-14-5 0,0-1 0,12 5 0,-3-8 0,0 3 0,-11-6 0,7 3 0,-11-4 0,-3 0 0,9 0 0,-8 0 0,3 0 0,-14 0 0,-1 0 0,-4-6 0,1 1 0,5-11 0,-4 5 0,5-9 0,-7 5 0,8-16 0,5 0 0,10-19 0,-7 9 0,2-3 0,-14 16 0,16-24 0,-8 13 0,5-10 0,-8 16 0,0 2 0,-9 6 0,7-7 0,-6 0 0,-1 8 0,1-12 0,-3-2 0,-3 4 0,0-13 0,-4-1 0,-4 3 0,0-3 0,0 16 0,0 1 0,0 8 0,0-8 0,0 8 0,0-23 0,-4 1 0,-2 11 0,-4-1 0,-1 1 0,-4 1 0,-5-1 0,-5 2 0,-2-1 0,-2 3 0,-2 4 0,-1 1 0,-2-3 0,-1 1 0,0 4 0,-2 2 0,-11-6 0,2 1 0,14 9 0,1 1 0,-8-2 0,1 1 0,-6 0 0,-6-5 0,7 7 0,-2 1 0,14 2 0,-1-1 0,-9-1 0,1 1 0,-14-1 0,9-2 0,2 6 0,0-3 0,10 9 0,0-3 0,3 6 0,7-6 0,-3 6 0,-2-2 0,4 3 0,0 0 0,1 0 0,8 0 0,-10 0 0,10 0 0,0 0 0,6 0 0,-4 3 0,8-2 0,-5 3 0</inkml:trace>
+  <inkml:trace contextRef="#ctx0" brushRef="#br0" timeOffset="111402">2532 13052 24575,'20'-14'0,"16"-7"0,9-15 0,6 0 0,-16 12 0,-14 6 0,-4 8 0,-10 4 0,5-4 0,-5 6 0,6-2 0,-6 3 0,2-1 0,-3-1 0,0 1 0,0-2 0,0 3 0,0-3 0,0 5 0,0-4 0,0 4 0,0-4 0,-2 1 0,1 1 0,-5 10 0,3 34 0,-3-2 0,0-5 0,0 0 0,0 16 0,0 6 0,0 0 0,0-5 0,0 7 0,0-21 0,0 4 0,0-20 0,0-6 0,0-3 0,0-6 0,0-3 0,0 0 0</inkml:trace>
+  <inkml:trace contextRef="#ctx0" brushRef="#br0" timeOffset="113119">2927 13606 8191,'-3'-5'0,"0"-12"5063,7-2-5063,0-9 2818,13-5-2818,-5 3 1719,12-10-1719,-6 8 6784,3-3-6784,4 0 0,-10 8 0,11-10 0,-14 17 0,5-12 0,7 3 0,-10 0 0,10 1 0,-10 10 0,-3 0 0,2 5 0,-6-1 0,3 4 0,-4-3 0,0 6 0,1-5 0,-1 5 0,0-3 0,0 4 0,1-3 0,-1 2 0,0-3 0,0-2 0,3-1 0,1-7 0,9 0 0,-5 3 0,0 7 0,-8 4 0</inkml:trace>
+  <inkml:trace contextRef="#ctx0" brushRef="#br0" timeOffset="114987">3161 13345 8191,'-4'5'0,"2"13"5063,-2 28-5063,3-8 2818,0 12-2818,5-27 1719,1 3-1719,1 2 6784,-2-5-6784,0 0 0,-2-10 0,-2-4 0,0-3 0,0-15 0,0-16 0,7-21 0,2-14 0,7 1 0,2 5 0,-5 19 0,6 1 0,-5 20 0,12-6 0,-8 13 0,4 1 0,-8 6 0,-1 0 0,0 0 0,1 0 0,3 0 0,-3 6 0,4 6 0,-4 2 0,-3 7 0,2-3 0,-5 4 0,6 6 0,-3 2 0,-3 5 0,-2-9 0,-6-3 0,0-6 0,0 6 0,0-4 0,3 0 0,-3-11 0,3-2 0,-3-39 0,4 12 0,0-29 0,3 23 0,1 5 0,-1 4 0,0-6 0,-1 10 0,3-5 0,1 10 0,-1 0 0,0 3 0,8 2 0,-2 1 0,7 3 0,-6 0 0,-2 0 0,8 3 0,-4 4 0,1 0 0,-7 2 0,-6-3 0,0 0 0,1 3 0,-1 1 0,1 8 0,0-4 0,0 7 0,0-7 0,3 7 0,-2-3 0,3 9 0,3 6 0,-5-8 0,5 6 0,-7-17 0,-1 0 0,-2-1 0,-1-7 0,-1 4 0,-1-7 0,2 0 0</inkml:trace>
+  <inkml:trace contextRef="#ctx0" brushRef="#br0" timeOffset="116201">3991 13723 24575,'-1'19'0,"2"-2"0,5 1 0,0-7 0,0 4 0,-2-9 0,1 0 0,-4 3 0,1-5 0,1 5 0,1 1 0,2-3 0,-3 5 0,3-5 0,-3 3 0,1-1 0,1-2 0,-4 2 0,4-3 0,-4 0 0,1 0 0,1 0 0,0 3 0,4 0 0,-2-2 0,1-2 0,0-7 0,0-9 0,15-32 0,-7 14 0,12-27 0,-15 37 0,6-9 0,-6 11 0,4-3 0,-5 7 0,-2 7 0,-5 4 0,0 2 0</inkml:trace>
+  <inkml:trace contextRef="#ctx0" brushRef="#br0" timeOffset="121048">4384 13763 24575,'-12'0'0,"3"0"0,-1 0 0,4 2 0,3 2 0,-6 2 0,8 3 0,-5-2 0,6 3 0,-3-4 0,2 3 0,-1 4 0,2 4 0,0 5 0,0-2 0,0 3 0,2-3 0,4-4 0,7-1 0,3-5 0,4-4 0,6-3 0,-7-3 0,7 0 0,-1 0 0,-6-6 0,8 1 0,-9-14 0,0 7 0,-5-4 0,-4 3 0,-2 3 0,-1 0 0,-2-3 0,-2 6 0,-2-2 0,0 3 0,0 0 0,0 0 0,-5 3 0,-2-2 0,-5 4 0,-3-5 0,-2 6 0,-2-3 0,-4 3 0,8 0 0,-3 0 0,11 0 0,-5 0 0,-1 6 0,-3 3 0,5 1 0,0 2 0,8-3 0,0 0 0,-3-2 0,5 0 0,4-6 0,7 1 0,2-2 0,7 0 0,-6 0 0,2 0 0,-3 0 0,0 0 0,-2 0 0,-2 0 0,-2 0 0,1 0 0,-1 3 0,0 0 0,0 3 0,0 0 0,0-2 0,-1 1 0,4-2 0,0 3 0,1 0 0,-1 0 0,-1 0 0,-1-2 0,1-2 0,-5 1 0,3-2 0,2 4 0,6-1 0,-1-1 0,-1 0 0,0 0 0,-2 0 0,5 4 0,-5-4 0,-2 3 0,-2-6 0,0 6 0,0-3 0,0 0 0,1 3 0,-2-3 0,1 0 0,0 2 0,3-4 0,0 4 0,1-4 0,7 2 0,-3-3 0,9-6 0,-3-11 0,-2-18 0,-4-1 0,-2-10 0,-1-1 0,-2 6 0,-1-1 0,-1 11 0,-6 8 0,3 0 0,-4 2 0,0 1 0,0 1 0,0 3 0,0 0 0,0 9 0,0-5 0,-3 6 0,0 2 0,-3 2 0,0-1 0,0 2 0,0-1 0,0 2 0,0 0 0,0 0 0,0 0 0,0 0 0,0 0 0,0 0 0,0 0 0,2 2 0,-1 4 0,1 10 0,-2-2 0,3 5 0,-1-3 0,4-2 0,0 8 0,0-1 0,0 15 0,3-12 0,1 15 0,6-14 0,1 9 0,0-8 0,-2-8 0,-3-6 0,-2-5 0,1 2 0,-4-3 0,7 3 0,-4-3 0,5 3 0,-3-3 0,0 0 0,3 3 0,-3-2 0,3 1 0,-3-2 0,0 1 0,0-1 0,3 2 0,-2-4 0,1 4 0,1-4 0,-2 2 0,2-3 0,0 3 0,-2-5 0,2 2 0,3 0 0,-7-3 0,4 3 0</inkml:trace>
+  <inkml:trace contextRef="#ctx0" brushRef="#br0" timeOffset="130990">3747 12933 24575,'-23'-24'0,"0"0"0,-3-3 0,-2 0 0,-5-1 0,-3 0 0,0 1 0,-2 1 0,1 4 0,-2 1 0,1 3 0,1 3 0,4 3 0,0 2 0,-2 0 0,2 1 0,-13 0 0,0-2 0,-5 2 0,-10 1 0,4 0 0,-4 3 0,22 2 0,-4 3 0,4 0 0,-3 0 0,-10 0 0,14 0 0,-11 0 0,25 0 0,-2 3 0,4 1 0,3 6 0,2-2 0,-6 11 0,1-1 0,-3 3 0,5 3 0,-11 28 0,16-21 0,1 3 0,-4 11 0,0 3 0,4 3 0,2 1 0,6 1 0,2 1 0,-1 0 0,1 0 0,4-1 0,0-2 0,0-13 0,0-3 0,3 2 0,3-1 0,7-2 0,4-1 0,4 5 0,1 0 0,3 0 0,3 0 0,10 7 0,1-1 0,-7-10 0,0 0-1125,7 5 1,1-3 1124,-13-15 0,2 0-541,22 16 0,0-2 541,-4-8 0,8 8 0,-1-1 0,-7-10 0,-4 1 0,3 1 0,-8-7 0,0 1 0,12 7 0,-1 0 0,-14-11 0,-2-1 0,1 0 0,-1 0 0,23 7 0,-5-7 0,5-1 0,-13-5 0,1 0 0,1 0-558,-1-1 1,1 0 0,-1-1 557,23 2 0,-4-2 0,-22-2 0,2 0 0,11 3 0,8 1 0,-5-1 0,-4-1 0,-1 0 0,4 2 0,4 2 0,-2-1 0,6 1 0,-1-1 0,-16-2 0,1 0 0,1-1 0,0-1 0,1-1 0,-2 0 0,9 1 0,-3-2 766,-8-4 0,-5 0-766,7 0 0,15 0 0,-14-8 1073,-9-6-1073,-3-4 0,-7-6 0,-4 8 1954,-3-3-1954,9-2 444,2 1-444,10-8 0,-10 8 0,-6-1 0,-3-11 0,-12-4 0,-5 2 0,-2-1 0,-3-13 0,-14 6 0,-6-1 0,-14-14 0,3 21 0,-5-1 0,-8-9 0,-2 1 0,-3 4 0,-3 1-554,7 5 1,-2-1-1,2 2 554,-8-6 0,-1 1 0,6 8 0,-3-1 0,6 5 0,8 6 0,0 1-32,-6-5 1,-6-3 0,3 5 31,2 4 0,-1 1 0,-13-7 0,-4-2 0,13 9 0,-1 1 0,3 0 0,-5 0 0,1 1-346,-6-4 0,4 2 346,-8-2 1590,20 6-1590,1-1 0,-1-1 0,-24-8 0,21 7 0,1 0 0,-18-7 0,14 10 49,14 1 1,-2 0-50,-21-2 0,-3-7 0,21 14 189,11 5 1,13 3-1,1 0 1</inkml:trace>
+  <inkml:trace contextRef="#ctx0" brushRef="#br0" timeOffset="142350">2848 10897 24575,'-9'0'0,"-5"0"0,0 0 0,-7 0 0,2 0 0,-9 0 0,-1 0 0,-3 0 0,1 6 0,4 2 0,0 8 0,1 1 0,-2 7 0,1 7 0,-2 10 0,5-2 0,2-1 0,2 7 0,1-9 0,3 7 0,2-11 0,10-11 0,-3 1 0,3 0 0,0 0 0,-2 0 0,5 0 0,-3 0 0,4 0 0,0 0 0,0 10 0,0 2 0,0 0 0,0-2 0,0-1 0,0 3 0,7 10 0,1 0 0,10 0 0,4 0 0,6 2 0,1-6 0,8 7 0,-17-20 0,5 2 0,-15-15 0,10 9 0,1-2 0,12 16 0,-11-15 0,3 3 0,-11-12 0,5 7 0,6 1 0,2 3 0,2-3 0,-9-7 0,-3-1 0,12 3 0,-2 0 0,11 3 0,-14-8 0,-4-1 0,-4-1 0,4 1 0,0 3 0,0-3 0,-7-1 0,-1-2 0,-5-1 0,8 3 0,-7-2 0,4 2 0,-6-3 0,0 0 0,3 1 0,-2-1 0,2 0 0,-3 0 0,4 0 0,3 1 0,3-1 0,7 1 0,20 2 0,-4-1 0,7 1 0,-9-5 0,-14-1 0,36 1 0,-10-3 0,-11 1 0,2-1 0,23-1 0,-8 0 0,-2 0 0,4 0 0,-10-3 0,10-2 0,-14-8 0,-5 0 0,-1 0 0,-5-2 0,-4 3 0,2 0 0,-7-2 0,3 2 0,-7 1 0,2-3 0,-7 3 0,7-3 0,-7 0 0,4 3 0,-8-2 0,5 0 0,-4 0 0,4-6 0,-5 6 0,-1-6 0,0-1 0,-2 2 0,0-2 0,-1 3 0,-2-1 0,7-10 0,3-12 0,-2 8 0,1-2 0,-3 1 0,-6 15 0,5-11 0,-8 16 0,2-1 0,0-5 0,-2 4 0,2-5 0,-3 7 0,0-11 0,-4-5 0,0-2 0,-6-1 0,-2-4 0,-3 10 0,3-10 0,2 8 0,0-2 0,2-1 0,-5-4 0,2 3 0,-7-13 0,3 13 0,-3-6 0,-11-5 0,11 16 0,-11-15 0,11 23 0,3-3 0,-7 3 0,3 0 0,-5-4 0,5 4 0,-7-1 0,6 2 0,-8-2 0,6 5 0,-1-4 0,-5-2 0,-5 1 0,-4-1 0,-6 3 0,6 7 0,-6 0 0,3 3 0,-13 1 0,-2-5 0,-5 3 0,-3-9 0,22 8 0,-4-9 0,22 8 0,-8-2 0,8-1 0,-4 6 0,-5-6 0,8 6 0,-4-3 0,11 4 0,-1 4 0,4-3 0,-7 2 0,6 0 0,-11-2 0,10 2 0,-12 0 0,4-2 0,1 5 0,-6-6 0,11 3 0,-3 0 0,-3-2 0,-2 6 0,-4-3 0,6 3 0,4 0 0,8 0 0,3 0 0,6 0 0,0 0 0</inkml:trace>
+  <inkml:trace contextRef="#ctx0" brushRef="#br0" timeOffset="161615">3578 12845 8191,'-1'12'0,"16"9"5063,11 4-5063,17 16 2818,-3-13-2818,-12-2 1719,-9-13-1719,-10-7 6784,-2 0-6784,2-2 0,-6 1 0,2-5 0,-18-3 0,-2-2 0,-12-9 0,-15-9 0,13 5 0,-10-8 0,7 5 0,8 0 0,-1 0 0,3 2 0,2 3 0,-9-3 0,-2-1 0,1 5 0,-14-8 0,8 3 0,-14-5 0,6-1 0,14 11 0,3-1 0,10 8 0,-3-7 0,-2 3 0,6 0 0,4 6 0,9 3 0,0 3 0</inkml:trace>
+</inkml:ink>
+</file>
+
 <file path=ppt/notesMasters/notesMaster1.xml><?xml version="1.0" encoding="utf-8"?>
 <p:notesMaster xmlns:a="http://schemas.openxmlformats.org/drawingml/2006/main" xmlns:r="http://schemas.openxmlformats.org/officeDocument/2006/relationships" xmlns:p="http://schemas.openxmlformats.org/presentationml/2006/main">
   <p:cSld>
@@ -265,7 +874,7 @@
           <a:p>
             <a:fld id="{1CF61C79-156A-F84C-BBB8-73936D3A7DAF}" type="datetimeFigureOut">
               <a:rPr lang="en-GB" smtClean="0"/>
-              <a:t>27/06/2023</a:t>
+              <a:t>28/06/2023</a:t>
             </a:fld>
             <a:endParaRPr lang="en-GB"/>
           </a:p>
@@ -576,10 +1185,7 @@
           <a:bodyPr/>
           <a:lstStyle/>
           <a:p>
-            <a:r>
-              <a:rPr lang="en-GB" dirty="0"/>
-              <a:t>each curve represents a degree 3 polynomial that has been trained on a randomly chosen subset of data points (70 percent). Each random selection of training data points results in a different learnt polynomial hypothesis. These different hypotheses result in different predictions for the same feature value </a:t>
-            </a:r>
+            <a:endParaRPr lang="en-GB" dirty="0"/>
           </a:p>
         </p:txBody>
       </p:sp>
@@ -600,7 +1206,7 @@
           <a:p>
             <a:fld id="{D2911D9F-4DFF-C841-8B4B-833128517E3F}" type="slidenum">
               <a:rPr lang="en-GB" smtClean="0"/>
-              <a:t>17</a:t>
+              <a:t>1</a:t>
             </a:fld>
             <a:endParaRPr lang="en-GB"/>
           </a:p>
@@ -609,7 +1215,7 @@
     </p:spTree>
     <p:extLst>
       <p:ext uri="{BB962C8B-B14F-4D97-AF65-F5344CB8AC3E}">
-        <p14:creationId xmlns:p14="http://schemas.microsoft.com/office/powerpoint/2010/main" val="975897117"/>
+        <p14:creationId xmlns:p14="http://schemas.microsoft.com/office/powerpoint/2010/main" val="3933477476"/>
       </p:ext>
     </p:extLst>
   </p:cSld>
@@ -687,7 +1293,7 @@
           <a:p>
             <a:fld id="{D2911D9F-4DFF-C841-8B4B-833128517E3F}" type="slidenum">
               <a:rPr lang="en-GB" smtClean="0"/>
-              <a:t>52</a:t>
+              <a:t>51</a:t>
             </a:fld>
             <a:endParaRPr lang="en-GB"/>
           </a:p>
@@ -696,7 +1302,7 @@
     </p:spTree>
     <p:extLst>
       <p:ext uri="{BB962C8B-B14F-4D97-AF65-F5344CB8AC3E}">
-        <p14:creationId xmlns:p14="http://schemas.microsoft.com/office/powerpoint/2010/main" val="1462846228"/>
+        <p14:creationId xmlns:p14="http://schemas.microsoft.com/office/powerpoint/2010/main" val="1381329105"/>
       </p:ext>
     </p:extLst>
   </p:cSld>
@@ -774,7 +1380,7 @@
           <a:p>
             <a:fld id="{D2911D9F-4DFF-C841-8B4B-833128517E3F}" type="slidenum">
               <a:rPr lang="en-GB" smtClean="0"/>
-              <a:t>53</a:t>
+              <a:t>52</a:t>
             </a:fld>
             <a:endParaRPr lang="en-GB"/>
           </a:p>
@@ -783,7 +1389,7 @@
     </p:spTree>
     <p:extLst>
       <p:ext uri="{BB962C8B-B14F-4D97-AF65-F5344CB8AC3E}">
-        <p14:creationId xmlns:p14="http://schemas.microsoft.com/office/powerpoint/2010/main" val="3673759643"/>
+        <p14:creationId xmlns:p14="http://schemas.microsoft.com/office/powerpoint/2010/main" val="1462846228"/>
       </p:ext>
     </p:extLst>
   </p:cSld>
@@ -861,7 +1467,7 @@
           <a:p>
             <a:fld id="{D2911D9F-4DFF-C841-8B4B-833128517E3F}" type="slidenum">
               <a:rPr lang="en-GB" smtClean="0"/>
-              <a:t>54</a:t>
+              <a:t>53</a:t>
             </a:fld>
             <a:endParaRPr lang="en-GB"/>
           </a:p>
@@ -870,7 +1476,7 @@
     </p:spTree>
     <p:extLst>
       <p:ext uri="{BB962C8B-B14F-4D97-AF65-F5344CB8AC3E}">
-        <p14:creationId xmlns:p14="http://schemas.microsoft.com/office/powerpoint/2010/main" val="3751169403"/>
+        <p14:creationId xmlns:p14="http://schemas.microsoft.com/office/powerpoint/2010/main" val="3673759643"/>
       </p:ext>
     </p:extLst>
   </p:cSld>
@@ -948,7 +1554,7 @@
           <a:p>
             <a:fld id="{D2911D9F-4DFF-C841-8B4B-833128517E3F}" type="slidenum">
               <a:rPr lang="en-GB" smtClean="0"/>
-              <a:t>55</a:t>
+              <a:t>54</a:t>
             </a:fld>
             <a:endParaRPr lang="en-GB"/>
           </a:p>
@@ -957,7 +1563,7 @@
     </p:spTree>
     <p:extLst>
       <p:ext uri="{BB962C8B-B14F-4D97-AF65-F5344CB8AC3E}">
-        <p14:creationId xmlns:p14="http://schemas.microsoft.com/office/powerpoint/2010/main" val="3543884413"/>
+        <p14:creationId xmlns:p14="http://schemas.microsoft.com/office/powerpoint/2010/main" val="3751169403"/>
       </p:ext>
     </p:extLst>
   </p:cSld>
@@ -1035,7 +1641,7 @@
           <a:p>
             <a:fld id="{D2911D9F-4DFF-C841-8B4B-833128517E3F}" type="slidenum">
               <a:rPr lang="en-GB" smtClean="0"/>
-              <a:t>56</a:t>
+              <a:t>55</a:t>
             </a:fld>
             <a:endParaRPr lang="en-GB"/>
           </a:p>
@@ -1044,7 +1650,7 @@
     </p:spTree>
     <p:extLst>
       <p:ext uri="{BB962C8B-B14F-4D97-AF65-F5344CB8AC3E}">
-        <p14:creationId xmlns:p14="http://schemas.microsoft.com/office/powerpoint/2010/main" val="4028037324"/>
+        <p14:creationId xmlns:p14="http://schemas.microsoft.com/office/powerpoint/2010/main" val="3543884413"/>
       </p:ext>
     </p:extLst>
   </p:cSld>
@@ -1122,7 +1728,7 @@
           <a:p>
             <a:fld id="{D2911D9F-4DFF-C841-8B4B-833128517E3F}" type="slidenum">
               <a:rPr lang="en-GB" smtClean="0"/>
-              <a:t>57</a:t>
+              <a:t>56</a:t>
             </a:fld>
             <a:endParaRPr lang="en-GB"/>
           </a:p>
@@ -1131,7 +1737,7 @@
     </p:spTree>
     <p:extLst>
       <p:ext uri="{BB962C8B-B14F-4D97-AF65-F5344CB8AC3E}">
-        <p14:creationId xmlns:p14="http://schemas.microsoft.com/office/powerpoint/2010/main" val="2752305"/>
+        <p14:creationId xmlns:p14="http://schemas.microsoft.com/office/powerpoint/2010/main" val="4028037324"/>
       </p:ext>
     </p:extLst>
   </p:cSld>
@@ -1209,7 +1815,7 @@
           <a:p>
             <a:fld id="{D2911D9F-4DFF-C841-8B4B-833128517E3F}" type="slidenum">
               <a:rPr lang="en-GB" smtClean="0"/>
-              <a:t>58</a:t>
+              <a:t>57</a:t>
             </a:fld>
             <a:endParaRPr lang="en-GB"/>
           </a:p>
@@ -1218,7 +1824,7 @@
     </p:spTree>
     <p:extLst>
       <p:ext uri="{BB962C8B-B14F-4D97-AF65-F5344CB8AC3E}">
-        <p14:creationId xmlns:p14="http://schemas.microsoft.com/office/powerpoint/2010/main" val="3442266293"/>
+        <p14:creationId xmlns:p14="http://schemas.microsoft.com/office/powerpoint/2010/main" val="2752305"/>
       </p:ext>
     </p:extLst>
   </p:cSld>
@@ -1296,7 +1902,7 @@
           <a:p>
             <a:fld id="{D2911D9F-4DFF-C841-8B4B-833128517E3F}" type="slidenum">
               <a:rPr lang="en-GB" smtClean="0"/>
-              <a:t>59</a:t>
+              <a:t>58</a:t>
             </a:fld>
             <a:endParaRPr lang="en-GB"/>
           </a:p>
@@ -1305,7 +1911,7 @@
     </p:spTree>
     <p:extLst>
       <p:ext uri="{BB962C8B-B14F-4D97-AF65-F5344CB8AC3E}">
-        <p14:creationId xmlns:p14="http://schemas.microsoft.com/office/powerpoint/2010/main" val="1126172100"/>
+        <p14:creationId xmlns:p14="http://schemas.microsoft.com/office/powerpoint/2010/main" val="3442266293"/>
       </p:ext>
     </p:extLst>
   </p:cSld>
@@ -1383,7 +1989,7 @@
           <a:p>
             <a:fld id="{D2911D9F-4DFF-C841-8B4B-833128517E3F}" type="slidenum">
               <a:rPr lang="en-GB" smtClean="0"/>
-              <a:t>60</a:t>
+              <a:t>59</a:t>
             </a:fld>
             <a:endParaRPr lang="en-GB"/>
           </a:p>
@@ -1392,7 +1998,7 @@
     </p:spTree>
     <p:extLst>
       <p:ext uri="{BB962C8B-B14F-4D97-AF65-F5344CB8AC3E}">
-        <p14:creationId xmlns:p14="http://schemas.microsoft.com/office/powerpoint/2010/main" val="1534198656"/>
+        <p14:creationId xmlns:p14="http://schemas.microsoft.com/office/powerpoint/2010/main" val="1126172100"/>
       </p:ext>
     </p:extLst>
   </p:cSld>
@@ -1470,7 +2076,7 @@
           <a:p>
             <a:fld id="{D2911D9F-4DFF-C841-8B4B-833128517E3F}" type="slidenum">
               <a:rPr lang="en-GB" smtClean="0"/>
-              <a:t>61</a:t>
+              <a:t>60</a:t>
             </a:fld>
             <a:endParaRPr lang="en-GB"/>
           </a:p>
@@ -1479,7 +2085,7 @@
     </p:spTree>
     <p:extLst>
       <p:ext uri="{BB962C8B-B14F-4D97-AF65-F5344CB8AC3E}">
-        <p14:creationId xmlns:p14="http://schemas.microsoft.com/office/powerpoint/2010/main" val="1407127631"/>
+        <p14:creationId xmlns:p14="http://schemas.microsoft.com/office/powerpoint/2010/main" val="1534198656"/>
       </p:ext>
     </p:extLst>
   </p:cSld>
@@ -1557,7 +2163,7 @@
           <a:p>
             <a:fld id="{D2911D9F-4DFF-C841-8B4B-833128517E3F}" type="slidenum">
               <a:rPr lang="en-GB" smtClean="0"/>
-              <a:t>18</a:t>
+              <a:t>17</a:t>
             </a:fld>
             <a:endParaRPr lang="en-GB"/>
           </a:p>
@@ -1566,7 +2172,7 @@
     </p:spTree>
     <p:extLst>
       <p:ext uri="{BB962C8B-B14F-4D97-AF65-F5344CB8AC3E}">
-        <p14:creationId xmlns:p14="http://schemas.microsoft.com/office/powerpoint/2010/main" val="4237934227"/>
+        <p14:creationId xmlns:p14="http://schemas.microsoft.com/office/powerpoint/2010/main" val="975897117"/>
       </p:ext>
     </p:extLst>
   </p:cSld>
@@ -1644,7 +2250,7 @@
           <a:p>
             <a:fld id="{D2911D9F-4DFF-C841-8B4B-833128517E3F}" type="slidenum">
               <a:rPr lang="en-GB" smtClean="0"/>
-              <a:t>62</a:t>
+              <a:t>61</a:t>
             </a:fld>
             <a:endParaRPr lang="en-GB"/>
           </a:p>
@@ -1653,7 +2259,7 @@
     </p:spTree>
     <p:extLst>
       <p:ext uri="{BB962C8B-B14F-4D97-AF65-F5344CB8AC3E}">
-        <p14:creationId xmlns:p14="http://schemas.microsoft.com/office/powerpoint/2010/main" val="2947153048"/>
+        <p14:creationId xmlns:p14="http://schemas.microsoft.com/office/powerpoint/2010/main" val="1407127631"/>
       </p:ext>
     </p:extLst>
   </p:cSld>
@@ -1731,7 +2337,7 @@
           <a:p>
             <a:fld id="{D2911D9F-4DFF-C841-8B4B-833128517E3F}" type="slidenum">
               <a:rPr lang="en-GB" smtClean="0"/>
-              <a:t>63</a:t>
+              <a:t>62</a:t>
             </a:fld>
             <a:endParaRPr lang="en-GB"/>
           </a:p>
@@ -1740,7 +2346,7 @@
     </p:spTree>
     <p:extLst>
       <p:ext uri="{BB962C8B-B14F-4D97-AF65-F5344CB8AC3E}">
-        <p14:creationId xmlns:p14="http://schemas.microsoft.com/office/powerpoint/2010/main" val="2656746630"/>
+        <p14:creationId xmlns:p14="http://schemas.microsoft.com/office/powerpoint/2010/main" val="2947153048"/>
       </p:ext>
     </p:extLst>
   </p:cSld>
@@ -1818,7 +2424,7 @@
           <a:p>
             <a:fld id="{D2911D9F-4DFF-C841-8B4B-833128517E3F}" type="slidenum">
               <a:rPr lang="en-GB" smtClean="0"/>
-              <a:t>64</a:t>
+              <a:t>63</a:t>
             </a:fld>
             <a:endParaRPr lang="en-GB"/>
           </a:p>
@@ -1827,7 +2433,7 @@
     </p:spTree>
     <p:extLst>
       <p:ext uri="{BB962C8B-B14F-4D97-AF65-F5344CB8AC3E}">
-        <p14:creationId xmlns:p14="http://schemas.microsoft.com/office/powerpoint/2010/main" val="2620839954"/>
+        <p14:creationId xmlns:p14="http://schemas.microsoft.com/office/powerpoint/2010/main" val="2656746630"/>
       </p:ext>
     </p:extLst>
   </p:cSld>
@@ -1905,7 +2511,7 @@
           <a:p>
             <a:fld id="{D2911D9F-4DFF-C841-8B4B-833128517E3F}" type="slidenum">
               <a:rPr lang="en-GB" smtClean="0"/>
-              <a:t>65</a:t>
+              <a:t>64</a:t>
             </a:fld>
             <a:endParaRPr lang="en-GB"/>
           </a:p>
@@ -1914,7 +2520,7 @@
     </p:spTree>
     <p:extLst>
       <p:ext uri="{BB962C8B-B14F-4D97-AF65-F5344CB8AC3E}">
-        <p14:creationId xmlns:p14="http://schemas.microsoft.com/office/powerpoint/2010/main" val="4212439111"/>
+        <p14:creationId xmlns:p14="http://schemas.microsoft.com/office/powerpoint/2010/main" val="2620839954"/>
       </p:ext>
     </p:extLst>
   </p:cSld>
@@ -1992,6 +2598,93 @@
           <a:p>
             <a:fld id="{D2911D9F-4DFF-C841-8B4B-833128517E3F}" type="slidenum">
               <a:rPr lang="en-GB" smtClean="0"/>
+              <a:t>65</a:t>
+            </a:fld>
+            <a:endParaRPr lang="en-GB"/>
+          </a:p>
+        </p:txBody>
+      </p:sp>
+    </p:spTree>
+    <p:extLst>
+      <p:ext uri="{BB962C8B-B14F-4D97-AF65-F5344CB8AC3E}">
+        <p14:creationId xmlns:p14="http://schemas.microsoft.com/office/powerpoint/2010/main" val="4212439111"/>
+      </p:ext>
+    </p:extLst>
+  </p:cSld>
+  <p:clrMapOvr>
+    <a:masterClrMapping/>
+  </p:clrMapOvr>
+</p:notes>
+</file>
+
+<file path=ppt/notesSlides/notesSlide25.xml><?xml version="1.0" encoding="utf-8"?>
+<p:notes xmlns:a="http://schemas.openxmlformats.org/drawingml/2006/main" xmlns:r="http://schemas.openxmlformats.org/officeDocument/2006/relationships" xmlns:p="http://schemas.openxmlformats.org/presentationml/2006/main">
+  <p:cSld>
+    <p:spTree>
+      <p:nvGrpSpPr>
+        <p:cNvPr id="1" name=""/>
+        <p:cNvGrpSpPr/>
+        <p:nvPr/>
+      </p:nvGrpSpPr>
+      <p:grpSpPr>
+        <a:xfrm>
+          <a:off x="0" y="0"/>
+          <a:ext cx="0" cy="0"/>
+          <a:chOff x="0" y="0"/>
+          <a:chExt cx="0" cy="0"/>
+        </a:xfrm>
+      </p:grpSpPr>
+      <p:sp>
+        <p:nvSpPr>
+          <p:cNvPr id="2" name="Slide Image Placeholder 1"/>
+          <p:cNvSpPr>
+            <a:spLocks noGrp="1" noRot="1" noChangeAspect="1"/>
+          </p:cNvSpPr>
+          <p:nvPr>
+            <p:ph type="sldImg"/>
+          </p:nvPr>
+        </p:nvSpPr>
+        <p:spPr/>
+      </p:sp>
+      <p:sp>
+        <p:nvSpPr>
+          <p:cNvPr id="3" name="Notes Placeholder 2"/>
+          <p:cNvSpPr>
+            <a:spLocks noGrp="1"/>
+          </p:cNvSpPr>
+          <p:nvPr>
+            <p:ph type="body" idx="1"/>
+          </p:nvPr>
+        </p:nvSpPr>
+        <p:spPr/>
+        <p:txBody>
+          <a:bodyPr/>
+          <a:lstStyle/>
+          <a:p>
+            <a:r>
+              <a:rPr lang="en-GB" dirty="0"/>
+              <a:t>each curve represents a degree 3 polynomial that has been trained on a randomly chosen subset of data points (70 percent). Each random selection of training data points results in a different learnt polynomial hypothesis. These different hypotheses result in different predictions for the same feature value </a:t>
+            </a:r>
+          </a:p>
+        </p:txBody>
+      </p:sp>
+      <p:sp>
+        <p:nvSpPr>
+          <p:cNvPr id="4" name="Slide Number Placeholder 3"/>
+          <p:cNvSpPr>
+            <a:spLocks noGrp="1"/>
+          </p:cNvSpPr>
+          <p:nvPr>
+            <p:ph type="sldNum" sz="quarter" idx="5"/>
+          </p:nvPr>
+        </p:nvSpPr>
+        <p:spPr/>
+        <p:txBody>
+          <a:bodyPr/>
+          <a:lstStyle/>
+          <a:p>
+            <a:fld id="{D2911D9F-4DFF-C841-8B4B-833128517E3F}" type="slidenum">
+              <a:rPr lang="en-GB" smtClean="0"/>
               <a:t>66</a:t>
             </a:fld>
             <a:endParaRPr lang="en-GB"/>
@@ -2011,7 +2704,7 @@
 </p:notes>
 </file>
 
-<file path=ppt/notesSlides/notesSlide25.xml><?xml version="1.0" encoding="utf-8"?>
+<file path=ppt/notesSlides/notesSlide26.xml><?xml version="1.0" encoding="utf-8"?>
 <p:notes xmlns:a="http://schemas.openxmlformats.org/drawingml/2006/main" xmlns:r="http://schemas.openxmlformats.org/officeDocument/2006/relationships" xmlns:p="http://schemas.openxmlformats.org/presentationml/2006/main">
   <p:cSld>
     <p:spTree>
@@ -2166,7 +2859,7 @@
           <a:p>
             <a:fld id="{D2911D9F-4DFF-C841-8B4B-833128517E3F}" type="slidenum">
               <a:rPr lang="en-GB" smtClean="0"/>
-              <a:t>19</a:t>
+              <a:t>18</a:t>
             </a:fld>
             <a:endParaRPr lang="en-GB"/>
           </a:p>
@@ -2175,7 +2868,7 @@
     </p:spTree>
     <p:extLst>
       <p:ext uri="{BB962C8B-B14F-4D97-AF65-F5344CB8AC3E}">
-        <p14:creationId xmlns:p14="http://schemas.microsoft.com/office/powerpoint/2010/main" val="3313699729"/>
+        <p14:creationId xmlns:p14="http://schemas.microsoft.com/office/powerpoint/2010/main" val="4237934227"/>
       </p:ext>
     </p:extLst>
   </p:cSld>
@@ -2253,7 +2946,7 @@
           <a:p>
             <a:fld id="{D2911D9F-4DFF-C841-8B4B-833128517E3F}" type="slidenum">
               <a:rPr lang="en-GB" smtClean="0"/>
-              <a:t>26</a:t>
+              <a:t>19</a:t>
             </a:fld>
             <a:endParaRPr lang="en-GB"/>
           </a:p>
@@ -2262,7 +2955,7 @@
     </p:spTree>
     <p:extLst>
       <p:ext uri="{BB962C8B-B14F-4D97-AF65-F5344CB8AC3E}">
-        <p14:creationId xmlns:p14="http://schemas.microsoft.com/office/powerpoint/2010/main" val="2750978852"/>
+        <p14:creationId xmlns:p14="http://schemas.microsoft.com/office/powerpoint/2010/main" val="3313699729"/>
       </p:ext>
     </p:extLst>
   </p:cSld>
@@ -2316,7 +3009,10 @@
           <a:bodyPr/>
           <a:lstStyle/>
           <a:p>
-            <a:endParaRPr lang="en-GB" dirty="0"/>
+            <a:r>
+              <a:rPr lang="en-GB" dirty="0"/>
+              <a:t>each curve represents a degree 3 polynomial that has been trained on a randomly chosen subset of data points (70 percent). Each random selection of training data points results in a different learnt polynomial hypothesis. These different hypotheses result in different predictions for the same feature value </a:t>
+            </a:r>
           </a:p>
         </p:txBody>
       </p:sp>
@@ -2337,7 +3033,7 @@
           <a:p>
             <a:fld id="{D2911D9F-4DFF-C841-8B4B-833128517E3F}" type="slidenum">
               <a:rPr lang="en-GB" smtClean="0"/>
-              <a:t>47</a:t>
+              <a:t>26</a:t>
             </a:fld>
             <a:endParaRPr lang="en-GB"/>
           </a:p>
@@ -2346,7 +3042,7 @@
     </p:spTree>
     <p:extLst>
       <p:ext uri="{BB962C8B-B14F-4D97-AF65-F5344CB8AC3E}">
-        <p14:creationId xmlns:p14="http://schemas.microsoft.com/office/powerpoint/2010/main" val="2988461379"/>
+        <p14:creationId xmlns:p14="http://schemas.microsoft.com/office/powerpoint/2010/main" val="2750978852"/>
       </p:ext>
     </p:extLst>
   </p:cSld>
@@ -2400,10 +3096,7 @@
           <a:bodyPr/>
           <a:lstStyle/>
           <a:p>
-            <a:r>
-              <a:rPr lang="en-GB" dirty="0"/>
-              <a:t>each curve represents a degree 3 polynomial that has been trained on a randomly chosen subset of data points (70 percent). Each random selection of training data points results in a different learnt polynomial hypothesis. These different hypotheses result in different predictions for the same feature value </a:t>
-            </a:r>
+            <a:endParaRPr lang="en-GB" dirty="0"/>
           </a:p>
         </p:txBody>
       </p:sp>
@@ -2424,7 +3117,7 @@
           <a:p>
             <a:fld id="{D2911D9F-4DFF-C841-8B4B-833128517E3F}" type="slidenum">
               <a:rPr lang="en-GB" smtClean="0"/>
-              <a:t>48</a:t>
+              <a:t>47</a:t>
             </a:fld>
             <a:endParaRPr lang="en-GB"/>
           </a:p>
@@ -2433,7 +3126,7 @@
     </p:spTree>
     <p:extLst>
       <p:ext uri="{BB962C8B-B14F-4D97-AF65-F5344CB8AC3E}">
-        <p14:creationId xmlns:p14="http://schemas.microsoft.com/office/powerpoint/2010/main" val="3059922068"/>
+        <p14:creationId xmlns:p14="http://schemas.microsoft.com/office/powerpoint/2010/main" val="2988461379"/>
       </p:ext>
     </p:extLst>
   </p:cSld>
@@ -2511,7 +3204,7 @@
           <a:p>
             <a:fld id="{D2911D9F-4DFF-C841-8B4B-833128517E3F}" type="slidenum">
               <a:rPr lang="en-GB" smtClean="0"/>
-              <a:t>49</a:t>
+              <a:t>48</a:t>
             </a:fld>
             <a:endParaRPr lang="en-GB"/>
           </a:p>
@@ -2520,7 +3213,7 @@
     </p:spTree>
     <p:extLst>
       <p:ext uri="{BB962C8B-B14F-4D97-AF65-F5344CB8AC3E}">
-        <p14:creationId xmlns:p14="http://schemas.microsoft.com/office/powerpoint/2010/main" val="4218727999"/>
+        <p14:creationId xmlns:p14="http://schemas.microsoft.com/office/powerpoint/2010/main" val="3059922068"/>
       </p:ext>
     </p:extLst>
   </p:cSld>
@@ -2598,7 +3291,7 @@
           <a:p>
             <a:fld id="{D2911D9F-4DFF-C841-8B4B-833128517E3F}" type="slidenum">
               <a:rPr lang="en-GB" smtClean="0"/>
-              <a:t>50</a:t>
+              <a:t>49</a:t>
             </a:fld>
             <a:endParaRPr lang="en-GB"/>
           </a:p>
@@ -2607,7 +3300,7 @@
     </p:spTree>
     <p:extLst>
       <p:ext uri="{BB962C8B-B14F-4D97-AF65-F5344CB8AC3E}">
-        <p14:creationId xmlns:p14="http://schemas.microsoft.com/office/powerpoint/2010/main" val="2205296384"/>
+        <p14:creationId xmlns:p14="http://schemas.microsoft.com/office/powerpoint/2010/main" val="4218727999"/>
       </p:ext>
     </p:extLst>
   </p:cSld>
@@ -2685,7 +3378,7 @@
           <a:p>
             <a:fld id="{D2911D9F-4DFF-C841-8B4B-833128517E3F}" type="slidenum">
               <a:rPr lang="en-GB" smtClean="0"/>
-              <a:t>51</a:t>
+              <a:t>50</a:t>
             </a:fld>
             <a:endParaRPr lang="en-GB"/>
           </a:p>
@@ -2694,7 +3387,7 @@
     </p:spTree>
     <p:extLst>
       <p:ext uri="{BB962C8B-B14F-4D97-AF65-F5344CB8AC3E}">
-        <p14:creationId xmlns:p14="http://schemas.microsoft.com/office/powerpoint/2010/main" val="1381329105"/>
+        <p14:creationId xmlns:p14="http://schemas.microsoft.com/office/powerpoint/2010/main" val="2205296384"/>
       </p:ext>
     </p:extLst>
   </p:cSld>
@@ -2853,7 +3546,7 @@
           <a:p>
             <a:fld id="{60983515-C3A7-EC42-A2D9-6406C0E60223}" type="datetime1">
               <a:rPr lang="en-US" smtClean="0"/>
-              <a:t>6/27/23</a:t>
+              <a:t>6/28/23</a:t>
             </a:fld>
             <a:endParaRPr lang="en-US"/>
           </a:p>
@@ -3060,7 +3753,7 @@
           <a:p>
             <a:fld id="{37F46319-B0A6-E540-BA62-34FF6F86A239}" type="datetime1">
               <a:rPr lang="en-US" smtClean="0"/>
-              <a:t>6/27/23</a:t>
+              <a:t>6/28/23</a:t>
             </a:fld>
             <a:endParaRPr lang="en-US" dirty="0"/>
           </a:p>
@@ -3349,7 +4042,7 @@
           <a:p>
             <a:fld id="{21892368-0A41-804A-A995-303611B2F4C3}" type="datetime1">
               <a:rPr lang="en-US" smtClean="0"/>
-              <a:t>6/27/23</a:t>
+              <a:t>6/28/23</a:t>
             </a:fld>
             <a:endParaRPr lang="en-US"/>
           </a:p>
@@ -3595,7 +4288,7 @@
           <a:p>
             <a:fld id="{3C6CEFEA-3D3F-5C43-91CF-085BCF3B622D}" type="datetime1">
               <a:rPr lang="en-US" smtClean="0"/>
-              <a:t>6/27/23</a:t>
+              <a:t>6/28/23</a:t>
             </a:fld>
             <a:endParaRPr lang="en-US" dirty="0"/>
           </a:p>
@@ -4212,7 +4905,7 @@
           <a:p>
             <a:fld id="{7FC2010D-F55F-5C4B-BE2D-2FA544ABAF45}" type="datetime1">
               <a:rPr lang="en-US" smtClean="0"/>
-              <a:t>6/27/23</a:t>
+              <a:t>6/28/23</a:t>
             </a:fld>
             <a:endParaRPr lang="en-US"/>
           </a:p>
@@ -4509,7 +5202,7 @@
           <a:p>
             <a:fld id="{F77FB223-3AA1-3548-9708-3CCEB78EFD95}" type="datetime1">
               <a:rPr lang="en-US" smtClean="0"/>
-              <a:t>6/27/23</a:t>
+              <a:t>6/28/23</a:t>
             </a:fld>
             <a:endParaRPr lang="en-US" dirty="0"/>
           </a:p>
@@ -5654,7 +6347,7 @@
           <a:p>
             <a:fld id="{F04A5297-D311-2045-8BA1-68E67D55CB31}" type="datetime1">
               <a:rPr lang="en-US" smtClean="0"/>
-              <a:t>6/27/23</a:t>
+              <a:t>6/28/23</a:t>
             </a:fld>
             <a:endParaRPr lang="en-US" dirty="0"/>
           </a:p>
@@ -6126,7 +6819,7 @@
           <a:p>
             <a:fld id="{27F74DA4-35EE-5546-831C-0B4BFCE85499}" type="datetime1">
               <a:rPr lang="en-US" smtClean="0"/>
-              <a:t>6/27/23</a:t>
+              <a:t>6/28/23</a:t>
             </a:fld>
             <a:endParaRPr lang="en-US" dirty="0"/>
           </a:p>
@@ -6447,7 +7140,7 @@
           <a:p>
             <a:fld id="{67F3568A-B388-C945-B1D0-F2A605BF3697}" type="datetime1">
               <a:rPr lang="en-US" smtClean="0"/>
-              <a:t>6/27/23</a:t>
+              <a:t>6/28/23</a:t>
             </a:fld>
             <a:endParaRPr lang="en-US" dirty="0"/>
           </a:p>
@@ -6578,6 +7271,57 @@
           </a:p>
         </p:txBody>
       </p:sp>
+      <mc:AlternateContent xmlns:mc="http://schemas.openxmlformats.org/markup-compatibility/2006">
+        <mc:Choice xmlns:p14="http://schemas.microsoft.com/office/powerpoint/2010/main" Requires="p14">
+          <p:contentPart p14:bwMode="auto" r:id="rId2">
+            <p14:nvContentPartPr>
+              <p14:cNvPr id="9" name="Ink 8">
+                <a:extLst>
+                  <a:ext uri="{FF2B5EF4-FFF2-40B4-BE49-F238E27FC236}">
+                    <a16:creationId xmlns:a16="http://schemas.microsoft.com/office/drawing/2014/main" id="{9113A47D-EBC1-6A43-CF30-B466828B91A5}"/>
+                  </a:ext>
+                </a:extLst>
+              </p14:cNvPr>
+              <p14:cNvContentPartPr/>
+              <p14:nvPr/>
+            </p14:nvContentPartPr>
+            <p14:xfrm>
+              <a:off x="828720" y="3263760"/>
+              <a:ext cx="6288840" cy="2333880"/>
+            </p14:xfrm>
+          </p:contentPart>
+        </mc:Choice>
+        <mc:Fallback>
+          <p:pic>
+            <p:nvPicPr>
+              <p:cNvPr id="9" name="Ink 8">
+                <a:extLst>
+                  <a:ext uri="{FF2B5EF4-FFF2-40B4-BE49-F238E27FC236}">
+                    <a16:creationId xmlns:a16="http://schemas.microsoft.com/office/drawing/2014/main" id="{9113A47D-EBC1-6A43-CF30-B466828B91A5}"/>
+                  </a:ext>
+                </a:extLst>
+              </p:cNvPr>
+              <p:cNvPicPr/>
+              <p:nvPr/>
+            </p:nvPicPr>
+            <p:blipFill>
+              <a:blip r:embed="rId3"/>
+              <a:stretch>
+                <a:fillRect/>
+              </a:stretch>
+            </p:blipFill>
+            <p:spPr>
+              <a:xfrm>
+                <a:off x="819360" y="3254400"/>
+                <a:ext cx="6307560" cy="2352600"/>
+              </a:xfrm>
+              <a:prstGeom prst="rect">
+                <a:avLst/>
+              </a:prstGeom>
+            </p:spPr>
+          </p:pic>
+        </mc:Fallback>
+      </mc:AlternateContent>
     </p:spTree>
     <p:extLst>
       <p:ext uri="{BB962C8B-B14F-4D97-AF65-F5344CB8AC3E}">
@@ -7802,7 +8546,7 @@
           <a:p>
             <a:fld id="{16DB143D-CF0B-2548-AFBD-963C344A1576}" type="datetime1">
               <a:rPr lang="en-US" smtClean="0"/>
-              <a:t>6/27/23</a:t>
+              <a:t>6/28/23</a:t>
             </a:fld>
             <a:endParaRPr lang="en-US" dirty="0"/>
           </a:p>
@@ -9129,12 +9873,63 @@
           <a:p>
             <a:fld id="{734961AB-163F-E045-AE33-7CCD06D9D00F}" type="datetime1">
               <a:rPr lang="en-US" smtClean="0"/>
-              <a:t>6/27/23</a:t>
+              <a:t>6/28/23</a:t>
             </a:fld>
             <a:endParaRPr lang="en-US" dirty="0"/>
           </a:p>
         </p:txBody>
       </p:sp>
+      <mc:AlternateContent xmlns:mc="http://schemas.openxmlformats.org/markup-compatibility/2006">
+        <mc:Choice xmlns:p14="http://schemas.microsoft.com/office/powerpoint/2010/main" Requires="p14">
+          <p:contentPart p14:bwMode="auto" r:id="rId5">
+            <p14:nvContentPartPr>
+              <p14:cNvPr id="7" name="Ink 6">
+                <a:extLst>
+                  <a:ext uri="{FF2B5EF4-FFF2-40B4-BE49-F238E27FC236}">
+                    <a16:creationId xmlns:a16="http://schemas.microsoft.com/office/drawing/2014/main" id="{1C8392E3-44AA-8532-58BB-B20FAF8A1E83}"/>
+                  </a:ext>
+                </a:extLst>
+              </p14:cNvPr>
+              <p14:cNvContentPartPr/>
+              <p14:nvPr/>
+            </p14:nvContentPartPr>
+            <p14:xfrm>
+              <a:off x="3435120" y="2639160"/>
+              <a:ext cx="821160" cy="3459960"/>
+            </p14:xfrm>
+          </p:contentPart>
+        </mc:Choice>
+        <mc:Fallback>
+          <p:pic>
+            <p:nvPicPr>
+              <p:cNvPr id="7" name="Ink 6">
+                <a:extLst>
+                  <a:ext uri="{FF2B5EF4-FFF2-40B4-BE49-F238E27FC236}">
+                    <a16:creationId xmlns:a16="http://schemas.microsoft.com/office/drawing/2014/main" id="{1C8392E3-44AA-8532-58BB-B20FAF8A1E83}"/>
+                  </a:ext>
+                </a:extLst>
+              </p:cNvPr>
+              <p:cNvPicPr/>
+              <p:nvPr/>
+            </p:nvPicPr>
+            <p:blipFill>
+              <a:blip r:embed="rId6"/>
+              <a:stretch>
+                <a:fillRect/>
+              </a:stretch>
+            </p:blipFill>
+            <p:spPr>
+              <a:xfrm>
+                <a:off x="3425760" y="2629800"/>
+                <a:ext cx="839880" cy="3478680"/>
+              </a:xfrm>
+              <a:prstGeom prst="rect">
+                <a:avLst/>
+              </a:prstGeom>
+            </p:spPr>
+          </p:pic>
+        </mc:Fallback>
+      </mc:AlternateContent>
     </p:spTree>
     <p:extLst>
       <p:ext uri="{BB962C8B-B14F-4D97-AF65-F5344CB8AC3E}">
@@ -9449,7 +10244,7 @@
           <a:p>
             <a:fld id="{6815E870-392F-2A42-AC37-9C60E501A6A0}" type="datetime1">
               <a:rPr lang="en-US" smtClean="0"/>
-              <a:t>6/27/23</a:t>
+              <a:t>6/28/23</a:t>
             </a:fld>
             <a:endParaRPr lang="en-US" dirty="0"/>
           </a:p>
@@ -9565,7 +10360,7 @@
           <a:p>
             <a:fld id="{29F5F5BA-DA8E-9047-874D-7D3F699C4035}" type="datetime1">
               <a:rPr lang="en-US" smtClean="0"/>
-              <a:t>6/27/23</a:t>
+              <a:t>6/28/23</a:t>
             </a:fld>
             <a:endParaRPr lang="en-US" dirty="0"/>
           </a:p>
@@ -9852,6 +10647,57 @@
           </a:p>
         </p:txBody>
       </p:sp>
+      <mc:AlternateContent xmlns:mc="http://schemas.openxmlformats.org/markup-compatibility/2006">
+        <mc:Choice xmlns:p14="http://schemas.microsoft.com/office/powerpoint/2010/main" Requires="p14">
+          <p:contentPart p14:bwMode="auto" r:id="rId3">
+            <p14:nvContentPartPr>
+              <p14:cNvPr id="2" name="Ink 1">
+                <a:extLst>
+                  <a:ext uri="{FF2B5EF4-FFF2-40B4-BE49-F238E27FC236}">
+                    <a16:creationId xmlns:a16="http://schemas.microsoft.com/office/drawing/2014/main" id="{B1F91899-9C8E-B4AC-FC9D-9B417EAA67F6}"/>
+                  </a:ext>
+                </a:extLst>
+              </p14:cNvPr>
+              <p14:cNvContentPartPr/>
+              <p14:nvPr/>
+            </p14:nvContentPartPr>
+            <p14:xfrm>
+              <a:off x="1159560" y="1828080"/>
+              <a:ext cx="4032360" cy="3924720"/>
+            </p14:xfrm>
+          </p:contentPart>
+        </mc:Choice>
+        <mc:Fallback>
+          <p:pic>
+            <p:nvPicPr>
+              <p:cNvPr id="2" name="Ink 1">
+                <a:extLst>
+                  <a:ext uri="{FF2B5EF4-FFF2-40B4-BE49-F238E27FC236}">
+                    <a16:creationId xmlns:a16="http://schemas.microsoft.com/office/drawing/2014/main" id="{B1F91899-9C8E-B4AC-FC9D-9B417EAA67F6}"/>
+                  </a:ext>
+                </a:extLst>
+              </p:cNvPr>
+              <p:cNvPicPr/>
+              <p:nvPr/>
+            </p:nvPicPr>
+            <p:blipFill>
+              <a:blip r:embed="rId4"/>
+              <a:stretch>
+                <a:fillRect/>
+              </a:stretch>
+            </p:blipFill>
+            <p:spPr>
+              <a:xfrm>
+                <a:off x="1150200" y="1818720"/>
+                <a:ext cx="4051080" cy="3943440"/>
+              </a:xfrm>
+              <a:prstGeom prst="rect">
+                <a:avLst/>
+              </a:prstGeom>
+            </p:spPr>
+          </p:pic>
+        </mc:Fallback>
+      </mc:AlternateContent>
     </p:spTree>
     <p:extLst>
       <p:ext uri="{BB962C8B-B14F-4D97-AF65-F5344CB8AC3E}">
@@ -9962,7 +10808,7 @@
           <a:p>
             <a:fld id="{518D79C6-D6B3-5E4C-B51C-FEA686CBB4DE}" type="datetime1">
               <a:rPr lang="en-US" smtClean="0"/>
-              <a:t>6/27/23</a:t>
+              <a:t>6/28/23</a:t>
             </a:fld>
             <a:endParaRPr lang="en-US" dirty="0"/>
           </a:p>
@@ -10237,6 +11083,57 @@
           </a:p>
         </p:txBody>
       </p:sp>
+      <mc:AlternateContent xmlns:mc="http://schemas.openxmlformats.org/markup-compatibility/2006">
+        <mc:Choice xmlns:p14="http://schemas.microsoft.com/office/powerpoint/2010/main" Requires="p14">
+          <p:contentPart p14:bwMode="auto" r:id="rId3">
+            <p14:nvContentPartPr>
+              <p14:cNvPr id="2" name="Ink 1">
+                <a:extLst>
+                  <a:ext uri="{FF2B5EF4-FFF2-40B4-BE49-F238E27FC236}">
+                    <a16:creationId xmlns:a16="http://schemas.microsoft.com/office/drawing/2014/main" id="{F4B254D3-B1C6-A752-B1C6-21A18AAC1B02}"/>
+                  </a:ext>
+                </a:extLst>
+              </p14:cNvPr>
+              <p14:cNvContentPartPr/>
+              <p14:nvPr/>
+            </p14:nvContentPartPr>
+            <p14:xfrm>
+              <a:off x="3651120" y="4887360"/>
+              <a:ext cx="69120" cy="716040"/>
+            </p14:xfrm>
+          </p:contentPart>
+        </mc:Choice>
+        <mc:Fallback>
+          <p:pic>
+            <p:nvPicPr>
+              <p:cNvPr id="2" name="Ink 1">
+                <a:extLst>
+                  <a:ext uri="{FF2B5EF4-FFF2-40B4-BE49-F238E27FC236}">
+                    <a16:creationId xmlns:a16="http://schemas.microsoft.com/office/drawing/2014/main" id="{F4B254D3-B1C6-A752-B1C6-21A18AAC1B02}"/>
+                  </a:ext>
+                </a:extLst>
+              </p:cNvPr>
+              <p:cNvPicPr/>
+              <p:nvPr/>
+            </p:nvPicPr>
+            <p:blipFill>
+              <a:blip r:embed="rId4"/>
+              <a:stretch>
+                <a:fillRect/>
+              </a:stretch>
+            </p:blipFill>
+            <p:spPr>
+              <a:xfrm>
+                <a:off x="3641760" y="4878000"/>
+                <a:ext cx="87840" cy="734760"/>
+              </a:xfrm>
+              <a:prstGeom prst="rect">
+                <a:avLst/>
+              </a:prstGeom>
+            </p:spPr>
+          </p:pic>
+        </mc:Fallback>
+      </mc:AlternateContent>
     </p:spTree>
     <p:extLst>
       <p:ext uri="{BB962C8B-B14F-4D97-AF65-F5344CB8AC3E}">
@@ -10347,7 +11244,7 @@
           <a:p>
             <a:fld id="{FCCD1EBA-AA6A-5A49-A00B-43B75F130DED}" type="datetime1">
               <a:rPr lang="en-US" smtClean="0"/>
-              <a:t>6/27/23</a:t>
+              <a:t>6/28/23</a:t>
             </a:fld>
             <a:endParaRPr lang="en-US" dirty="0"/>
           </a:p>
@@ -10845,7 +11742,7 @@
           <a:p>
             <a:fld id="{3F111B97-A5B0-CF49-8BF3-C5E95C9BC992}" type="datetime1">
               <a:rPr lang="en-US" smtClean="0"/>
-              <a:t>6/27/23</a:t>
+              <a:t>6/28/23</a:t>
             </a:fld>
             <a:endParaRPr lang="en-US" dirty="0"/>
           </a:p>
@@ -12378,7 +13275,7 @@
           <a:p>
             <a:fld id="{647B36DE-C405-AC4C-BE3E-66F25995F75D}" type="datetime1">
               <a:rPr lang="en-US" smtClean="0"/>
-              <a:t>6/27/23</a:t>
+              <a:t>6/28/23</a:t>
             </a:fld>
             <a:endParaRPr lang="en-US" dirty="0"/>
           </a:p>
@@ -12535,7 +13432,7 @@
           <a:p>
             <a:fld id="{9BB66C1C-3349-864C-A46C-6A0EB8CA4AD7}" type="datetime1">
               <a:rPr lang="en-US" smtClean="0"/>
-              <a:t>6/27/23</a:t>
+              <a:t>6/28/23</a:t>
             </a:fld>
             <a:endParaRPr lang="en-US" dirty="0"/>
           </a:p>
@@ -12692,7 +13589,7 @@
           <a:p>
             <a:fld id="{33825418-9DC0-F44D-8D5D-DAEB8E3BDE26}" type="datetime1">
               <a:rPr lang="en-US" smtClean="0"/>
-              <a:t>6/27/23</a:t>
+              <a:t>6/28/23</a:t>
             </a:fld>
             <a:endParaRPr lang="en-US" dirty="0"/>
           </a:p>
@@ -12979,7 +13876,7 @@
           <a:p>
             <a:fld id="{22D6C32F-FB27-DA44-9F26-0C12158735E0}" type="datetime1">
               <a:rPr lang="en-US" smtClean="0"/>
-              <a:t>6/27/23</a:t>
+              <a:t>6/28/23</a:t>
             </a:fld>
             <a:endParaRPr lang="en-US" dirty="0"/>
           </a:p>
@@ -13854,12 +14751,63 @@
           <a:p>
             <a:fld id="{EBC5A82A-DD8F-0541-85B8-7AD32FE2C7ED}" type="datetime1">
               <a:rPr lang="en-US" smtClean="0"/>
-              <a:t>6/27/23</a:t>
+              <a:t>6/28/23</a:t>
             </a:fld>
             <a:endParaRPr lang="en-US" dirty="0"/>
           </a:p>
         </p:txBody>
       </p:sp>
+      <mc:AlternateContent xmlns:mc="http://schemas.openxmlformats.org/markup-compatibility/2006">
+        <mc:Choice xmlns:p14="http://schemas.microsoft.com/office/powerpoint/2010/main" Requires="p14">
+          <p:contentPart p14:bwMode="auto" r:id="rId2">
+            <p14:nvContentPartPr>
+              <p14:cNvPr id="7" name="Ink 6">
+                <a:extLst>
+                  <a:ext uri="{FF2B5EF4-FFF2-40B4-BE49-F238E27FC236}">
+                    <a16:creationId xmlns:a16="http://schemas.microsoft.com/office/drawing/2014/main" id="{890B5010-3BFE-A287-C76F-5E8C3769BAC7}"/>
+                  </a:ext>
+                </a:extLst>
+              </p14:cNvPr>
+              <p14:cNvContentPartPr/>
+              <p14:nvPr/>
+            </p14:nvContentPartPr>
+            <p14:xfrm>
+              <a:off x="691200" y="460080"/>
+              <a:ext cx="1791000" cy="1089000"/>
+            </p14:xfrm>
+          </p:contentPart>
+        </mc:Choice>
+        <mc:Fallback>
+          <p:pic>
+            <p:nvPicPr>
+              <p:cNvPr id="7" name="Ink 6">
+                <a:extLst>
+                  <a:ext uri="{FF2B5EF4-FFF2-40B4-BE49-F238E27FC236}">
+                    <a16:creationId xmlns:a16="http://schemas.microsoft.com/office/drawing/2014/main" id="{890B5010-3BFE-A287-C76F-5E8C3769BAC7}"/>
+                  </a:ext>
+                </a:extLst>
+              </p:cNvPr>
+              <p:cNvPicPr/>
+              <p:nvPr/>
+            </p:nvPicPr>
+            <p:blipFill>
+              <a:blip r:embed="rId3"/>
+              <a:stretch>
+                <a:fillRect/>
+              </a:stretch>
+            </p:blipFill>
+            <p:spPr>
+              <a:xfrm>
+                <a:off x="681840" y="450720"/>
+                <a:ext cx="1809720" cy="1107720"/>
+              </a:xfrm>
+              <a:prstGeom prst="rect">
+                <a:avLst/>
+              </a:prstGeom>
+            </p:spPr>
+          </p:pic>
+        </mc:Fallback>
+      </mc:AlternateContent>
     </p:spTree>
     <p:extLst>
       <p:ext uri="{BB962C8B-B14F-4D97-AF65-F5344CB8AC3E}">
@@ -14602,7 +15550,7 @@
           <a:p>
             <a:fld id="{91E08C63-4C9F-A54B-BA9C-21B64A8C4118}" type="datetime1">
               <a:rPr lang="en-US" smtClean="0"/>
-              <a:t>6/27/23</a:t>
+              <a:t>6/28/23</a:t>
             </a:fld>
             <a:endParaRPr lang="en-US" dirty="0"/>
           </a:p>
@@ -15031,6 +15979,57 @@
           </a:p>
         </p:txBody>
       </p:sp>
+      <mc:AlternateContent xmlns:mc="http://schemas.openxmlformats.org/markup-compatibility/2006">
+        <mc:Choice xmlns:p14="http://schemas.microsoft.com/office/powerpoint/2010/main" Requires="p14">
+          <p:contentPart p14:bwMode="auto" r:id="rId2">
+            <p14:nvContentPartPr>
+              <p14:cNvPr id="7" name="Ink 6">
+                <a:extLst>
+                  <a:ext uri="{FF2B5EF4-FFF2-40B4-BE49-F238E27FC236}">
+                    <a16:creationId xmlns:a16="http://schemas.microsoft.com/office/drawing/2014/main" id="{8254C350-FD1C-C6EE-EBB0-29FF4591B2A3}"/>
+                  </a:ext>
+                </a:extLst>
+              </p14:cNvPr>
+              <p14:cNvContentPartPr/>
+              <p14:nvPr/>
+            </p14:nvContentPartPr>
+            <p14:xfrm>
+              <a:off x="404280" y="118440"/>
+              <a:ext cx="1580760" cy="974880"/>
+            </p14:xfrm>
+          </p:contentPart>
+        </mc:Choice>
+        <mc:Fallback>
+          <p:pic>
+            <p:nvPicPr>
+              <p:cNvPr id="7" name="Ink 6">
+                <a:extLst>
+                  <a:ext uri="{FF2B5EF4-FFF2-40B4-BE49-F238E27FC236}">
+                    <a16:creationId xmlns:a16="http://schemas.microsoft.com/office/drawing/2014/main" id="{8254C350-FD1C-C6EE-EBB0-29FF4591B2A3}"/>
+                  </a:ext>
+                </a:extLst>
+              </p:cNvPr>
+              <p:cNvPicPr/>
+              <p:nvPr/>
+            </p:nvPicPr>
+            <p:blipFill>
+              <a:blip r:embed="rId3"/>
+              <a:stretch>
+                <a:fillRect/>
+              </a:stretch>
+            </p:blipFill>
+            <p:spPr>
+              <a:xfrm>
+                <a:off x="394920" y="109080"/>
+                <a:ext cx="1599480" cy="993600"/>
+              </a:xfrm>
+              <a:prstGeom prst="rect">
+                <a:avLst/>
+              </a:prstGeom>
+            </p:spPr>
+          </p:pic>
+        </mc:Fallback>
+      </mc:AlternateContent>
     </p:spTree>
     <p:extLst>
       <p:ext uri="{BB962C8B-B14F-4D97-AF65-F5344CB8AC3E}">
@@ -15176,7 +16175,7 @@
           <a:p>
             <a:fld id="{42C69A5E-698A-C243-B0B8-7E246C39681F}" type="datetime1">
               <a:rPr lang="en-US" smtClean="0"/>
-              <a:t>6/27/23</a:t>
+              <a:t>6/28/23</a:t>
             </a:fld>
             <a:endParaRPr lang="en-US" dirty="0"/>
           </a:p>
@@ -15429,7 +16428,7 @@
           <a:p>
             <a:fld id="{FF7739A3-B353-5E48-B4E6-089886CFB285}" type="datetime1">
               <a:rPr lang="en-US" smtClean="0"/>
-              <a:t>6/27/23</a:t>
+              <a:t>6/28/23</a:t>
             </a:fld>
             <a:endParaRPr lang="en-US" dirty="0"/>
           </a:p>
@@ -15662,7 +16661,7 @@
           <a:p>
             <a:fld id="{E8316AC1-FC7A-C04D-92FC-DA9953148C33}" type="datetime1">
               <a:rPr lang="en-US" smtClean="0"/>
-              <a:t>6/27/23</a:t>
+              <a:t>6/28/23</a:t>
             </a:fld>
             <a:endParaRPr lang="en-US" dirty="0"/>
           </a:p>
@@ -15889,7 +16888,7 @@
           <a:p>
             <a:fld id="{D3A6DCD4-3ED5-7545-A84E-6AD4FC3AE1BA}" type="datetime1">
               <a:rPr lang="en-US" smtClean="0"/>
-              <a:t>6/27/23</a:t>
+              <a:t>6/28/23</a:t>
             </a:fld>
             <a:endParaRPr lang="en-US" dirty="0"/>
           </a:p>
@@ -16061,7 +17060,7 @@
           <a:p>
             <a:fld id="{EAC0A476-370D-4943-B796-490FE8744762}" type="datetime1">
               <a:rPr lang="en-US" smtClean="0"/>
-              <a:t>6/27/23</a:t>
+              <a:t>6/28/23</a:t>
             </a:fld>
             <a:endParaRPr lang="en-US" dirty="0"/>
           </a:p>
@@ -16769,7 +17768,7 @@
           <a:p>
             <a:fld id="{E133F6BC-020A-5A43-970E-644A7DDAEF55}" type="datetime1">
               <a:rPr lang="en-US" smtClean="0"/>
-              <a:t>6/27/23</a:t>
+              <a:t>6/28/23</a:t>
             </a:fld>
             <a:endParaRPr lang="en-US" dirty="0"/>
           </a:p>
@@ -18453,7 +19452,7 @@
           <a:p>
             <a:fld id="{B6E892D9-DA31-B646-9425-454F17D80210}" type="datetime1">
               <a:rPr lang="en-US" smtClean="0"/>
-              <a:t>6/27/23</a:t>
+              <a:t>6/28/23</a:t>
             </a:fld>
             <a:endParaRPr lang="en-US" dirty="0"/>
           </a:p>
@@ -19918,7 +20917,7 @@
           <a:p>
             <a:fld id="{29600B9D-1433-BD44-B670-49B73E81F630}" type="datetime1">
               <a:rPr lang="en-US" smtClean="0"/>
-              <a:t>6/27/23</a:t>
+              <a:t>6/28/23</a:t>
             </a:fld>
             <a:endParaRPr lang="en-US" dirty="0"/>
           </a:p>
@@ -20403,7 +21402,7 @@
           <a:p>
             <a:fld id="{AB9A8F64-83C7-8040-81BE-61B9312EA7AF}" type="datetime1">
               <a:rPr lang="en-US" smtClean="0"/>
-              <a:t>6/27/23</a:t>
+              <a:t>6/28/23</a:t>
             </a:fld>
             <a:endParaRPr lang="en-US" dirty="0"/>
           </a:p>
@@ -21024,12 +22023,63 @@
           <a:p>
             <a:fld id="{C9BC0C8B-607B-7D4B-8ED4-FACED7EA3D0D}" type="datetime1">
               <a:rPr lang="en-US" smtClean="0"/>
-              <a:t>6/27/23</a:t>
+              <a:t>6/28/23</a:t>
             </a:fld>
             <a:endParaRPr lang="en-US" dirty="0"/>
           </a:p>
         </p:txBody>
       </p:sp>
+      <mc:AlternateContent xmlns:mc="http://schemas.openxmlformats.org/markup-compatibility/2006">
+        <mc:Choice xmlns:p14="http://schemas.microsoft.com/office/powerpoint/2010/main" Requires="p14">
+          <p:contentPart p14:bwMode="auto" r:id="rId3">
+            <p14:nvContentPartPr>
+              <p14:cNvPr id="9" name="Ink 8">
+                <a:extLst>
+                  <a:ext uri="{FF2B5EF4-FFF2-40B4-BE49-F238E27FC236}">
+                    <a16:creationId xmlns:a16="http://schemas.microsoft.com/office/drawing/2014/main" id="{828B9F78-39A1-BCD7-406D-A00A3FD974DC}"/>
+                  </a:ext>
+                </a:extLst>
+              </p14:cNvPr>
+              <p14:cNvContentPartPr/>
+              <p14:nvPr/>
+            </p14:nvContentPartPr>
+            <p14:xfrm>
+              <a:off x="1122480" y="2001600"/>
+              <a:ext cx="8195040" cy="3912480"/>
+            </p14:xfrm>
+          </p:contentPart>
+        </mc:Choice>
+        <mc:Fallback>
+          <p:pic>
+            <p:nvPicPr>
+              <p:cNvPr id="9" name="Ink 8">
+                <a:extLst>
+                  <a:ext uri="{FF2B5EF4-FFF2-40B4-BE49-F238E27FC236}">
+                    <a16:creationId xmlns:a16="http://schemas.microsoft.com/office/drawing/2014/main" id="{828B9F78-39A1-BCD7-406D-A00A3FD974DC}"/>
+                  </a:ext>
+                </a:extLst>
+              </p:cNvPr>
+              <p:cNvPicPr/>
+              <p:nvPr/>
+            </p:nvPicPr>
+            <p:blipFill>
+              <a:blip r:embed="rId4"/>
+              <a:stretch>
+                <a:fillRect/>
+              </a:stretch>
+            </p:blipFill>
+            <p:spPr>
+              <a:xfrm>
+                <a:off x="1113120" y="1992240"/>
+                <a:ext cx="8213760" cy="3931200"/>
+              </a:xfrm>
+              <a:prstGeom prst="rect">
+                <a:avLst/>
+              </a:prstGeom>
+            </p:spPr>
+          </p:pic>
+        </mc:Fallback>
+      </mc:AlternateContent>
     </p:spTree>
     <p:extLst>
       <p:ext uri="{BB962C8B-B14F-4D97-AF65-F5344CB8AC3E}">
@@ -21262,7 +22312,7 @@
           <a:p>
             <a:fld id="{880705B0-54AA-894D-81C7-F8AB6C7DEEDD}" type="datetime1">
               <a:rPr lang="en-US" smtClean="0"/>
-              <a:t>6/27/23</a:t>
+              <a:t>6/28/23</a:t>
             </a:fld>
             <a:endParaRPr lang="en-US" dirty="0"/>
           </a:p>
@@ -21652,6 +22702,57 @@
           </a:p>
         </p:txBody>
       </p:sp>
+      <mc:AlternateContent xmlns:mc="http://schemas.openxmlformats.org/markup-compatibility/2006">
+        <mc:Choice xmlns:p14="http://schemas.microsoft.com/office/powerpoint/2010/main" Requires="p14">
+          <p:contentPart p14:bwMode="auto" r:id="rId2">
+            <p14:nvContentPartPr>
+              <p14:cNvPr id="3" name="Ink 2">
+                <a:extLst>
+                  <a:ext uri="{FF2B5EF4-FFF2-40B4-BE49-F238E27FC236}">
+                    <a16:creationId xmlns:a16="http://schemas.microsoft.com/office/drawing/2014/main" id="{17C6E824-C4F9-674B-1D9C-10FFC82AECC7}"/>
+                  </a:ext>
+                </a:extLst>
+              </p14:cNvPr>
+              <p14:cNvContentPartPr/>
+              <p14:nvPr/>
+            </p14:nvContentPartPr>
+            <p14:xfrm>
+              <a:off x="957960" y="1421640"/>
+              <a:ext cx="8121600" cy="4770360"/>
+            </p14:xfrm>
+          </p:contentPart>
+        </mc:Choice>
+        <mc:Fallback>
+          <p:pic>
+            <p:nvPicPr>
+              <p:cNvPr id="3" name="Ink 2">
+                <a:extLst>
+                  <a:ext uri="{FF2B5EF4-FFF2-40B4-BE49-F238E27FC236}">
+                    <a16:creationId xmlns:a16="http://schemas.microsoft.com/office/drawing/2014/main" id="{17C6E824-C4F9-674B-1D9C-10FFC82AECC7}"/>
+                  </a:ext>
+                </a:extLst>
+              </p:cNvPr>
+              <p:cNvPicPr/>
+              <p:nvPr/>
+            </p:nvPicPr>
+            <p:blipFill>
+              <a:blip r:embed="rId3"/>
+              <a:stretch>
+                <a:fillRect/>
+              </a:stretch>
+            </p:blipFill>
+            <p:spPr>
+              <a:xfrm>
+                <a:off x="948600" y="1412280"/>
+                <a:ext cx="8140320" cy="4789080"/>
+              </a:xfrm>
+              <a:prstGeom prst="rect">
+                <a:avLst/>
+              </a:prstGeom>
+            </p:spPr>
+          </p:pic>
+        </mc:Fallback>
+      </mc:AlternateContent>
     </p:spTree>
     <p:extLst>
       <p:ext uri="{BB962C8B-B14F-4D97-AF65-F5344CB8AC3E}">
@@ -21867,7 +22968,7 @@
           <a:p>
             <a:fld id="{F4E28950-46D0-3647-B789-7F5BB97F1471}" type="datetime1">
               <a:rPr lang="en-US" smtClean="0"/>
-              <a:t>6/27/23</a:t>
+              <a:t>6/28/23</a:t>
             </a:fld>
             <a:endParaRPr lang="en-US" dirty="0"/>
           </a:p>
@@ -24420,12 +25521,63 @@
           <a:p>
             <a:fld id="{B6D1FFEC-843E-3740-9958-E4C5DB0F7EEC}" type="datetime1">
               <a:rPr lang="en-US" smtClean="0"/>
-              <a:t>6/27/23</a:t>
+              <a:t>6/28/23</a:t>
             </a:fld>
             <a:endParaRPr lang="en-US" dirty="0"/>
           </a:p>
         </p:txBody>
       </p:sp>
+      <mc:AlternateContent xmlns:mc="http://schemas.openxmlformats.org/markup-compatibility/2006">
+        <mc:Choice xmlns:p14="http://schemas.microsoft.com/office/powerpoint/2010/main" Requires="p14">
+          <p:contentPart p14:bwMode="auto" r:id="rId2">
+            <p14:nvContentPartPr>
+              <p14:cNvPr id="6" name="Ink 5">
+                <a:extLst>
+                  <a:ext uri="{FF2B5EF4-FFF2-40B4-BE49-F238E27FC236}">
+                    <a16:creationId xmlns:a16="http://schemas.microsoft.com/office/drawing/2014/main" id="{4DE0AC06-6913-F085-431D-649ACB7AB980}"/>
+                  </a:ext>
+                </a:extLst>
+              </p14:cNvPr>
+              <p14:cNvContentPartPr/>
+              <p14:nvPr/>
+            </p14:nvContentPartPr>
+            <p14:xfrm>
+              <a:off x="378720" y="1474560"/>
+              <a:ext cx="5587920" cy="3779280"/>
+            </p14:xfrm>
+          </p:contentPart>
+        </mc:Choice>
+        <mc:Fallback>
+          <p:pic>
+            <p:nvPicPr>
+              <p:cNvPr id="6" name="Ink 5">
+                <a:extLst>
+                  <a:ext uri="{FF2B5EF4-FFF2-40B4-BE49-F238E27FC236}">
+                    <a16:creationId xmlns:a16="http://schemas.microsoft.com/office/drawing/2014/main" id="{4DE0AC06-6913-F085-431D-649ACB7AB980}"/>
+                  </a:ext>
+                </a:extLst>
+              </p:cNvPr>
+              <p:cNvPicPr/>
+              <p:nvPr/>
+            </p:nvPicPr>
+            <p:blipFill>
+              <a:blip r:embed="rId3"/>
+              <a:stretch>
+                <a:fillRect/>
+              </a:stretch>
+            </p:blipFill>
+            <p:spPr>
+              <a:xfrm>
+                <a:off x="369360" y="1465200"/>
+                <a:ext cx="5606640" cy="3798000"/>
+              </a:xfrm>
+              <a:prstGeom prst="rect">
+                <a:avLst/>
+              </a:prstGeom>
+            </p:spPr>
+          </p:pic>
+        </mc:Fallback>
+      </mc:AlternateContent>
     </p:spTree>
     <p:extLst>
       <p:ext uri="{BB962C8B-B14F-4D97-AF65-F5344CB8AC3E}">
@@ -24571,7 +25723,7 @@
           <a:p>
             <a:fld id="{CBAB3929-8D4E-D545-9E6E-A8D247BE6E08}" type="datetime1">
               <a:rPr lang="en-US" smtClean="0"/>
-              <a:t>6/27/23</a:t>
+              <a:t>6/28/23</a:t>
             </a:fld>
             <a:endParaRPr lang="en-US" dirty="0"/>
           </a:p>
@@ -24794,7 +25946,7 @@
           <a:p>
             <a:fld id="{0F8E28FD-A20E-5840-B1BF-B7E45DBA7616}" type="datetime1">
               <a:rPr lang="en-US" smtClean="0"/>
-              <a:t>6/27/23</a:t>
+              <a:t>6/28/23</a:t>
             </a:fld>
             <a:endParaRPr lang="en-US" dirty="0"/>
           </a:p>
@@ -25169,7 +26321,7 @@
           <a:p>
             <a:fld id="{777E3829-EFAB-9344-968B-97FA7E9BF617}" type="datetime1">
               <a:rPr lang="en-US" smtClean="0"/>
-              <a:t>6/27/23</a:t>
+              <a:t>6/28/23</a:t>
             </a:fld>
             <a:endParaRPr lang="en-US" dirty="0"/>
           </a:p>
@@ -25263,7 +26415,7 @@
           <a:p>
             <a:fld id="{DF87D066-8E11-7B44-99C6-D66FFAF16DD2}" type="datetime1">
               <a:rPr lang="en-US" smtClean="0"/>
-              <a:t>6/27/23</a:t>
+              <a:t>6/28/23</a:t>
             </a:fld>
             <a:endParaRPr lang="en-US" dirty="0"/>
           </a:p>
@@ -25518,7 +26670,7 @@
           <a:p>
             <a:fld id="{42C3B22D-0117-0047-B1AB-240DFFCA87BA}" type="datetime1">
               <a:rPr lang="en-US" smtClean="0"/>
-              <a:t>6/27/23</a:t>
+              <a:t>6/28/23</a:t>
             </a:fld>
             <a:endParaRPr lang="en-US" dirty="0"/>
           </a:p>
@@ -25749,7 +26901,7 @@
           <a:p>
             <a:fld id="{03F317E5-4835-4E4B-84F6-1CD4EDFA7629}" type="datetime1">
               <a:rPr lang="en-US" smtClean="0"/>
-              <a:t>6/27/23</a:t>
+              <a:t>6/28/23</a:t>
             </a:fld>
             <a:endParaRPr lang="en-US" dirty="0"/>
           </a:p>
@@ -25995,7 +27147,7 @@
           <a:p>
             <a:fld id="{19C1475C-6EA6-054B-B383-EFA2DB00B3F7}" type="datetime1">
               <a:rPr lang="en-US" smtClean="0"/>
-              <a:t>6/27/23</a:t>
+              <a:t>6/28/23</a:t>
             </a:fld>
             <a:endParaRPr lang="en-US" dirty="0"/>
           </a:p>
@@ -26180,7 +27332,7 @@
           <a:p>
             <a:fld id="{87DC36BF-C4A5-8643-9D13-09EC0FC523C5}" type="datetime1">
               <a:rPr lang="en-US" smtClean="0"/>
-              <a:t>6/27/23</a:t>
+              <a:t>6/28/23</a:t>
             </a:fld>
             <a:endParaRPr lang="en-US" dirty="0"/>
           </a:p>
@@ -26293,13 +27445,13 @@
         </p:nvSpPr>
         <p:spPr>
           <a:xfrm>
-            <a:off x="433277" y="2095149"/>
-            <a:ext cx="11325446" cy="2667702"/>
+            <a:off x="216638" y="2524640"/>
+            <a:ext cx="11758723" cy="2667702"/>
           </a:xfrm>
         </p:spPr>
         <p:txBody>
           <a:bodyPr>
-            <a:normAutofit fontScale="92500"/>
+            <a:normAutofit/>
           </a:bodyPr>
           <a:lstStyle/>
           <a:p>
@@ -26308,7 +27460,7 @@
             </a:pPr>
             <a:r>
               <a:rPr lang="en-GB" sz="8000" dirty="0"/>
-              <a:t>“Bias” error component due to model being too small</a:t>
+              <a:t>“Bias” reflects error due to model being too small</a:t>
             </a:r>
           </a:p>
         </p:txBody>
@@ -26336,7 +27488,7 @@
           <a:p>
             <a:fld id="{F7BAC8D9-7075-2B49-8814-E24F7FAB74D5}" type="datetime1">
               <a:rPr lang="en-US" smtClean="0"/>
-              <a:t>6/27/23</a:t>
+              <a:t>6/28/23</a:t>
             </a:fld>
             <a:endParaRPr lang="en-US" dirty="0"/>
           </a:p>
@@ -26492,7 +27644,7 @@
           <a:p>
             <a:fld id="{D80FA003-E49D-D641-AADA-2CB5E08D2B43}" type="datetime1">
               <a:rPr lang="en-US" smtClean="0"/>
-              <a:t>6/27/23</a:t>
+              <a:t>6/28/23</a:t>
             </a:fld>
             <a:endParaRPr lang="en-US" dirty="0"/>
           </a:p>
@@ -26738,7 +27890,7 @@
           <a:p>
             <a:fld id="{A7C2EE58-1DEB-D049-AFCF-20D22A413CF7}" type="datetime1">
               <a:rPr lang="en-US" smtClean="0"/>
-              <a:t>6/27/23</a:t>
+              <a:t>6/28/23</a:t>
             </a:fld>
             <a:endParaRPr lang="en-US" dirty="0"/>
           </a:p>
@@ -27136,7 +28288,7 @@
           <a:p>
             <a:fld id="{12165D6F-7D32-4E42-BE53-C4606F6BC7B3}" type="datetime1">
               <a:rPr lang="en-US" smtClean="0"/>
-              <a:t>6/27/23</a:t>
+              <a:t>6/28/23</a:t>
             </a:fld>
             <a:endParaRPr lang="en-US" dirty="0"/>
           </a:p>
@@ -27548,7 +28700,7 @@
           <a:p>
             <a:fld id="{52E8D3AB-E3CA-C041-8524-E4E764A2DD2E}" type="datetime1">
               <a:rPr lang="en-US" smtClean="0"/>
-              <a:t>6/27/23</a:t>
+              <a:t>6/28/23</a:t>
             </a:fld>
             <a:endParaRPr lang="en-US" dirty="0"/>
           </a:p>
@@ -28210,7 +29362,7 @@
           <a:p>
             <a:fld id="{EF8A62EE-4E8E-E44E-AFF3-766CC5C61E02}" type="datetime1">
               <a:rPr lang="en-US" smtClean="0"/>
-              <a:t>6/27/23</a:t>
+              <a:t>6/28/23</a:t>
             </a:fld>
             <a:endParaRPr lang="en-US" dirty="0"/>
           </a:p>
@@ -28361,7 +29513,7 @@
           <a:p>
             <a:fld id="{6FFC7995-540D-3943-8220-57E3AA3C8ACB}" type="datetime1">
               <a:rPr lang="en-US" smtClean="0"/>
-              <a:t>6/27/23</a:t>
+              <a:t>6/28/23</a:t>
             </a:fld>
             <a:endParaRPr lang="en-US" dirty="0"/>
           </a:p>
@@ -28747,7 +29899,7 @@
           <a:p>
             <a:fld id="{AFBED9E0-8D76-F741-8D1C-320B53F7B0EE}" type="datetime1">
               <a:rPr lang="en-US" smtClean="0"/>
-              <a:t>6/27/23</a:t>
+              <a:t>6/28/23</a:t>
             </a:fld>
             <a:endParaRPr lang="en-US" dirty="0"/>
           </a:p>
@@ -29008,7 +30160,7 @@
           <a:p>
             <a:fld id="{7B06F805-A4A0-724F-B384-7EB45B00F770}" type="datetime1">
               <a:rPr lang="en-US" smtClean="0"/>
-              <a:t>6/27/23</a:t>
+              <a:t>6/28/23</a:t>
             </a:fld>
             <a:endParaRPr lang="en-US" dirty="0"/>
           </a:p>
@@ -29311,7 +30463,7 @@
           <a:p>
             <a:fld id="{245C73B9-8C2C-AF4D-8117-A78940750DC4}" type="datetime1">
               <a:rPr lang="en-US" smtClean="0"/>
-              <a:t>6/27/23</a:t>
+              <a:t>6/28/23</a:t>
             </a:fld>
             <a:endParaRPr lang="en-US" dirty="0"/>
           </a:p>
@@ -29803,6 +30955,57 @@
           </a:p>
         </p:txBody>
       </p:sp>
+      <mc:AlternateContent xmlns:mc="http://schemas.openxmlformats.org/markup-compatibility/2006">
+        <mc:Choice xmlns:p14="http://schemas.microsoft.com/office/powerpoint/2010/main" Requires="p14">
+          <p:contentPart p14:bwMode="auto" r:id="rId3">
+            <p14:nvContentPartPr>
+              <p14:cNvPr id="7" name="Ink 6">
+                <a:extLst>
+                  <a:ext uri="{FF2B5EF4-FFF2-40B4-BE49-F238E27FC236}">
+                    <a16:creationId xmlns:a16="http://schemas.microsoft.com/office/drawing/2014/main" id="{488D1333-7D4F-1C69-BC75-2697FA42EE31}"/>
+                  </a:ext>
+                </a:extLst>
+              </p14:cNvPr>
+              <p14:cNvContentPartPr/>
+              <p14:nvPr/>
+            </p14:nvContentPartPr>
+            <p14:xfrm>
+              <a:off x="3022920" y="3988080"/>
+              <a:ext cx="506520" cy="727560"/>
+            </p14:xfrm>
+          </p:contentPart>
+        </mc:Choice>
+        <mc:Fallback>
+          <p:pic>
+            <p:nvPicPr>
+              <p:cNvPr id="7" name="Ink 6">
+                <a:extLst>
+                  <a:ext uri="{FF2B5EF4-FFF2-40B4-BE49-F238E27FC236}">
+                    <a16:creationId xmlns:a16="http://schemas.microsoft.com/office/drawing/2014/main" id="{488D1333-7D4F-1C69-BC75-2697FA42EE31}"/>
+                  </a:ext>
+                </a:extLst>
+              </p:cNvPr>
+              <p:cNvPicPr/>
+              <p:nvPr/>
+            </p:nvPicPr>
+            <p:blipFill>
+              <a:blip r:embed="rId4"/>
+              <a:stretch>
+                <a:fillRect/>
+              </a:stretch>
+            </p:blipFill>
+            <p:spPr>
+              <a:xfrm>
+                <a:off x="3013560" y="3978720"/>
+                <a:ext cx="525240" cy="746280"/>
+              </a:xfrm>
+              <a:prstGeom prst="rect">
+                <a:avLst/>
+              </a:prstGeom>
+            </p:spPr>
+          </p:pic>
+        </mc:Fallback>
+      </mc:AlternateContent>
     </p:spTree>
     <p:extLst>
       <p:ext uri="{BB962C8B-B14F-4D97-AF65-F5344CB8AC3E}">
@@ -29913,7 +31116,7 @@
           <a:p>
             <a:fld id="{0A0C4C75-5681-8840-B2A4-B40477E5D3A0}" type="datetime1">
               <a:rPr lang="en-US" smtClean="0"/>
-              <a:t>6/27/23</a:t>
+              <a:t>6/28/23</a:t>
             </a:fld>
             <a:endParaRPr lang="en-US" dirty="0"/>
           </a:p>
@@ -30509,7 +31712,7 @@
           <a:p>
             <a:fld id="{E5990AE0-9FF5-634C-AD3D-61D5E607B1DD}" type="datetime1">
               <a:rPr lang="en-US" smtClean="0"/>
-              <a:t>6/27/23</a:t>
+              <a:t>6/28/23</a:t>
             </a:fld>
             <a:endParaRPr lang="en-US" dirty="0"/>
           </a:p>
@@ -31097,7 +32300,7 @@
           <a:p>
             <a:fld id="{83A144FB-FD2C-494B-A1D4-A502D8A2D7C1}" type="datetime1">
               <a:rPr lang="en-US" smtClean="0"/>
-              <a:t>6/27/23</a:t>
+              <a:t>6/28/23</a:t>
             </a:fld>
             <a:endParaRPr lang="en-US" dirty="0"/>
           </a:p>
@@ -31685,7 +32888,7 @@
           <a:p>
             <a:fld id="{05749FF6-1783-1247-B5D5-57BFE2C58B22}" type="datetime1">
               <a:rPr lang="en-US" smtClean="0"/>
-              <a:t>6/27/23</a:t>
+              <a:t>6/28/23</a:t>
             </a:fld>
             <a:endParaRPr lang="en-US" dirty="0"/>
           </a:p>
@@ -32273,7 +33476,7 @@
           <a:p>
             <a:fld id="{2D311CC5-B871-D940-A6FA-A31953C82E5A}" type="datetime1">
               <a:rPr lang="en-US" smtClean="0"/>
-              <a:t>6/27/23</a:t>
+              <a:t>6/28/23</a:t>
             </a:fld>
             <a:endParaRPr lang="en-US" dirty="0"/>
           </a:p>
@@ -32500,7 +33703,7 @@
           <a:p>
             <a:fld id="{52B30DAA-343A-5041-ABA4-802CFDB15D21}" type="datetime1">
               <a:rPr lang="en-US" smtClean="0"/>
-              <a:t>6/27/23</a:t>
+              <a:t>6/28/23</a:t>
             </a:fld>
             <a:endParaRPr lang="en-US" dirty="0"/>
           </a:p>
@@ -32764,7 +33967,7 @@
           <a:p>
             <a:fld id="{FFA44D49-6EC6-2945-BDC9-C8F78F6AC230}" type="datetime1">
               <a:rPr lang="en-US" smtClean="0"/>
-              <a:t>6/27/23</a:t>
+              <a:t>6/28/23</a:t>
             </a:fld>
             <a:endParaRPr lang="en-US" dirty="0"/>
           </a:p>
@@ -32921,7 +34124,7 @@
           <a:p>
             <a:fld id="{18A17836-1AE3-5045-828C-2166B9D85402}" type="datetime1">
               <a:rPr lang="en-US" smtClean="0"/>
-              <a:t>6/27/23</a:t>
+              <a:t>6/28/23</a:t>
             </a:fld>
             <a:endParaRPr lang="en-US" dirty="0"/>
           </a:p>
@@ -33316,7 +34519,7 @@
           <a:p>
             <a:fld id="{36DCEF1B-3380-0C4B-9E7E-FACC9B6AD2CA}" type="datetime1">
               <a:rPr lang="en-US" smtClean="0"/>
-              <a:t>6/27/23</a:t>
+              <a:t>6/28/23</a:t>
             </a:fld>
             <a:endParaRPr lang="en-US" dirty="0"/>
           </a:p>
@@ -33603,7 +34806,7 @@
           <a:p>
             <a:fld id="{69BFC749-0BD2-3747-B574-11BF952CE1E0}" type="datetime1">
               <a:rPr lang="en-US" smtClean="0"/>
-              <a:t>6/27/23</a:t>
+              <a:t>6/28/23</a:t>
             </a:fld>
             <a:endParaRPr lang="en-US" dirty="0"/>
           </a:p>
@@ -33754,7 +34957,7 @@
           <a:p>
             <a:fld id="{6B71B7B7-86A5-9B4A-9B75-75827BCCB784}" type="datetime1">
               <a:rPr lang="en-US" smtClean="0"/>
-              <a:t>6/27/23</a:t>
+              <a:t>6/28/23</a:t>
             </a:fld>
             <a:endParaRPr lang="en-US" dirty="0"/>
           </a:p>
@@ -34019,7 +35222,7 @@
           <a:p>
             <a:fld id="{B9101EBF-6900-0A44-AD40-39A6A2D06692}" type="datetime1">
               <a:rPr lang="en-US" smtClean="0"/>
-              <a:t>6/27/23</a:t>
+              <a:t>6/28/23</a:t>
             </a:fld>
             <a:endParaRPr lang="en-US" dirty="0"/>
           </a:p>
@@ -34165,6 +35368,57 @@
           </a:p>
         </p:txBody>
       </p:sp>
+      <mc:AlternateContent xmlns:mc="http://schemas.openxmlformats.org/markup-compatibility/2006">
+        <mc:Choice xmlns:p14="http://schemas.microsoft.com/office/powerpoint/2010/main" Requires="p14">
+          <p:contentPart p14:bwMode="auto" r:id="rId3">
+            <p14:nvContentPartPr>
+              <p14:cNvPr id="2" name="Ink 1">
+                <a:extLst>
+                  <a:ext uri="{FF2B5EF4-FFF2-40B4-BE49-F238E27FC236}">
+                    <a16:creationId xmlns:a16="http://schemas.microsoft.com/office/drawing/2014/main" id="{8A78AAE0-F0D7-9F5F-4634-9884AD16532F}"/>
+                  </a:ext>
+                </a:extLst>
+              </p14:cNvPr>
+              <p14:cNvContentPartPr/>
+              <p14:nvPr/>
+            </p14:nvContentPartPr>
+            <p14:xfrm>
+              <a:off x="5231160" y="1457640"/>
+              <a:ext cx="4766040" cy="3157920"/>
+            </p14:xfrm>
+          </p:contentPart>
+        </mc:Choice>
+        <mc:Fallback>
+          <p:pic>
+            <p:nvPicPr>
+              <p:cNvPr id="2" name="Ink 1">
+                <a:extLst>
+                  <a:ext uri="{FF2B5EF4-FFF2-40B4-BE49-F238E27FC236}">
+                    <a16:creationId xmlns:a16="http://schemas.microsoft.com/office/drawing/2014/main" id="{8A78AAE0-F0D7-9F5F-4634-9884AD16532F}"/>
+                  </a:ext>
+                </a:extLst>
+              </p:cNvPr>
+              <p:cNvPicPr/>
+              <p:nvPr/>
+            </p:nvPicPr>
+            <p:blipFill>
+              <a:blip r:embed="rId4"/>
+              <a:stretch>
+                <a:fillRect/>
+              </a:stretch>
+            </p:blipFill>
+            <p:spPr>
+              <a:xfrm>
+                <a:off x="5221800" y="1448280"/>
+                <a:ext cx="4784760" cy="3176640"/>
+              </a:xfrm>
+              <a:prstGeom prst="rect">
+                <a:avLst/>
+              </a:prstGeom>
+            </p:spPr>
+          </p:pic>
+        </mc:Fallback>
+      </mc:AlternateContent>
     </p:spTree>
     <p:extLst>
       <p:ext uri="{BB962C8B-B14F-4D97-AF65-F5344CB8AC3E}">
@@ -34275,7 +35529,7 @@
           <a:p>
             <a:fld id="{60273603-3762-1A4B-BB6A-E531C4A80A7D}" type="datetime1">
               <a:rPr lang="en-US" smtClean="0"/>
-              <a:t>6/27/23</a:t>
+              <a:t>6/28/23</a:t>
             </a:fld>
             <a:endParaRPr lang="en-US" dirty="0"/>
           </a:p>
@@ -34570,6 +35824,57 @@
           </a:p>
         </p:txBody>
       </p:sp>
+      <mc:AlternateContent xmlns:mc="http://schemas.openxmlformats.org/markup-compatibility/2006">
+        <mc:Choice xmlns:p14="http://schemas.microsoft.com/office/powerpoint/2010/main" Requires="p14">
+          <p:contentPart p14:bwMode="auto" r:id="rId3">
+            <p14:nvContentPartPr>
+              <p14:cNvPr id="2" name="Ink 1">
+                <a:extLst>
+                  <a:ext uri="{FF2B5EF4-FFF2-40B4-BE49-F238E27FC236}">
+                    <a16:creationId xmlns:a16="http://schemas.microsoft.com/office/drawing/2014/main" id="{2F0C8B18-6114-AAEB-F1AB-CF85C0092F33}"/>
+                  </a:ext>
+                </a:extLst>
+              </p14:cNvPr>
+              <p14:cNvContentPartPr/>
+              <p14:nvPr/>
+            </p14:nvContentPartPr>
+            <p14:xfrm>
+              <a:off x="588240" y="2924640"/>
+              <a:ext cx="10366920" cy="1820520"/>
+            </p14:xfrm>
+          </p:contentPart>
+        </mc:Choice>
+        <mc:Fallback>
+          <p:pic>
+            <p:nvPicPr>
+              <p:cNvPr id="2" name="Ink 1">
+                <a:extLst>
+                  <a:ext uri="{FF2B5EF4-FFF2-40B4-BE49-F238E27FC236}">
+                    <a16:creationId xmlns:a16="http://schemas.microsoft.com/office/drawing/2014/main" id="{2F0C8B18-6114-AAEB-F1AB-CF85C0092F33}"/>
+                  </a:ext>
+                </a:extLst>
+              </p:cNvPr>
+              <p:cNvPicPr/>
+              <p:nvPr/>
+            </p:nvPicPr>
+            <p:blipFill>
+              <a:blip r:embed="rId4"/>
+              <a:stretch>
+                <a:fillRect/>
+              </a:stretch>
+            </p:blipFill>
+            <p:spPr>
+              <a:xfrm>
+                <a:off x="578880" y="2915280"/>
+                <a:ext cx="10385640" cy="1839240"/>
+              </a:xfrm>
+              <a:prstGeom prst="rect">
+                <a:avLst/>
+              </a:prstGeom>
+            </p:spPr>
+          </p:pic>
+        </mc:Fallback>
+      </mc:AlternateContent>
     </p:spTree>
     <p:extLst>
       <p:ext uri="{BB962C8B-B14F-4D97-AF65-F5344CB8AC3E}">
@@ -34726,7 +36031,7 @@
           <a:p>
             <a:fld id="{8AAFF892-0DF8-0E44-B21C-24E813696083}" type="datetime1">
               <a:rPr lang="en-US" smtClean="0"/>
-              <a:t>6/27/23</a:t>
+              <a:t>6/28/23</a:t>
             </a:fld>
             <a:endParaRPr lang="en-US" dirty="0"/>
           </a:p>
@@ -34915,6 +36220,57 @@
           </a:fontRef>
         </p:style>
       </p:cxnSp>
+      <mc:AlternateContent xmlns:mc="http://schemas.openxmlformats.org/markup-compatibility/2006">
+        <mc:Choice xmlns:p14="http://schemas.microsoft.com/office/powerpoint/2010/main" Requires="p14">
+          <p:contentPart p14:bwMode="auto" r:id="rId3">
+            <p14:nvContentPartPr>
+              <p14:cNvPr id="2" name="Ink 1">
+                <a:extLst>
+                  <a:ext uri="{FF2B5EF4-FFF2-40B4-BE49-F238E27FC236}">
+                    <a16:creationId xmlns:a16="http://schemas.microsoft.com/office/drawing/2014/main" id="{8D76C73B-3233-37E1-8355-B0F25FA9122A}"/>
+                  </a:ext>
+                </a:extLst>
+              </p14:cNvPr>
+              <p14:cNvContentPartPr/>
+              <p14:nvPr/>
+            </p14:nvContentPartPr>
+            <p14:xfrm>
+              <a:off x="401760" y="2635920"/>
+              <a:ext cx="9351360" cy="2732760"/>
+            </p14:xfrm>
+          </p:contentPart>
+        </mc:Choice>
+        <mc:Fallback>
+          <p:pic>
+            <p:nvPicPr>
+              <p:cNvPr id="2" name="Ink 1">
+                <a:extLst>
+                  <a:ext uri="{FF2B5EF4-FFF2-40B4-BE49-F238E27FC236}">
+                    <a16:creationId xmlns:a16="http://schemas.microsoft.com/office/drawing/2014/main" id="{8D76C73B-3233-37E1-8355-B0F25FA9122A}"/>
+                  </a:ext>
+                </a:extLst>
+              </p:cNvPr>
+              <p:cNvPicPr/>
+              <p:nvPr/>
+            </p:nvPicPr>
+            <p:blipFill>
+              <a:blip r:embed="rId4"/>
+              <a:stretch>
+                <a:fillRect/>
+              </a:stretch>
+            </p:blipFill>
+            <p:spPr>
+              <a:xfrm>
+                <a:off x="392400" y="2626560"/>
+                <a:ext cx="9370080" cy="2751480"/>
+              </a:xfrm>
+              <a:prstGeom prst="rect">
+                <a:avLst/>
+              </a:prstGeom>
+            </p:spPr>
+          </p:pic>
+        </mc:Fallback>
+      </mc:AlternateContent>
     </p:spTree>
     <p:extLst>
       <p:ext uri="{BB962C8B-B14F-4D97-AF65-F5344CB8AC3E}">
@@ -35071,7 +36427,7 @@
           <a:p>
             <a:fld id="{DD4F700D-F6F7-7646-8BA4-603090AC79FF}" type="datetime1">
               <a:rPr lang="en-US" smtClean="0"/>
-              <a:t>6/27/23</a:t>
+              <a:t>6/28/23</a:t>
             </a:fld>
             <a:endParaRPr lang="en-US" dirty="0"/>
           </a:p>
@@ -35250,6 +36606,57 @@
           </a:fontRef>
         </p:style>
       </p:cxnSp>
+      <mc:AlternateContent xmlns:mc="http://schemas.openxmlformats.org/markup-compatibility/2006">
+        <mc:Choice xmlns:p14="http://schemas.microsoft.com/office/powerpoint/2010/main" Requires="p14">
+          <p:contentPart p14:bwMode="auto" r:id="rId3">
+            <p14:nvContentPartPr>
+              <p14:cNvPr id="2" name="Ink 1">
+                <a:extLst>
+                  <a:ext uri="{FF2B5EF4-FFF2-40B4-BE49-F238E27FC236}">
+                    <a16:creationId xmlns:a16="http://schemas.microsoft.com/office/drawing/2014/main" id="{F7F5C331-ECC6-4A73-6032-BC16376B9552}"/>
+                  </a:ext>
+                </a:extLst>
+              </p14:cNvPr>
+              <p14:cNvContentPartPr/>
+              <p14:nvPr/>
+            </p14:nvContentPartPr>
+            <p14:xfrm>
+              <a:off x="5572440" y="1075680"/>
+              <a:ext cx="2208240" cy="1928520"/>
+            </p14:xfrm>
+          </p:contentPart>
+        </mc:Choice>
+        <mc:Fallback>
+          <p:pic>
+            <p:nvPicPr>
+              <p:cNvPr id="2" name="Ink 1">
+                <a:extLst>
+                  <a:ext uri="{FF2B5EF4-FFF2-40B4-BE49-F238E27FC236}">
+                    <a16:creationId xmlns:a16="http://schemas.microsoft.com/office/drawing/2014/main" id="{F7F5C331-ECC6-4A73-6032-BC16376B9552}"/>
+                  </a:ext>
+                </a:extLst>
+              </p:cNvPr>
+              <p:cNvPicPr/>
+              <p:nvPr/>
+            </p:nvPicPr>
+            <p:blipFill>
+              <a:blip r:embed="rId4"/>
+              <a:stretch>
+                <a:fillRect/>
+              </a:stretch>
+            </p:blipFill>
+            <p:spPr>
+              <a:xfrm>
+                <a:off x="5563080" y="1066320"/>
+                <a:ext cx="2226960" cy="1947240"/>
+              </a:xfrm>
+              <a:prstGeom prst="rect">
+                <a:avLst/>
+              </a:prstGeom>
+            </p:spPr>
+          </p:pic>
+        </mc:Fallback>
+      </mc:AlternateContent>
     </p:spTree>
     <p:extLst>
       <p:ext uri="{BB962C8B-B14F-4D97-AF65-F5344CB8AC3E}">
@@ -35484,7 +36891,7 @@
           <a:p>
             <a:fld id="{C77B4B7D-49F8-E744-A912-3381B8145B62}" type="datetime1">
               <a:rPr lang="en-US" smtClean="0"/>
-              <a:t>6/27/23</a:t>
+              <a:t>6/28/23</a:t>
             </a:fld>
             <a:endParaRPr lang="en-US" dirty="0"/>
           </a:p>
@@ -35673,7 +37080,7 @@
           <a:p>
             <a:fld id="{65E18FCD-8B2C-184A-9069-92A2DCC988FE}" type="datetime1">
               <a:rPr lang="en-US" smtClean="0"/>
-              <a:t>6/27/23</a:t>
+              <a:t>6/28/23</a:t>
             </a:fld>
             <a:endParaRPr lang="en-US" dirty="0"/>
           </a:p>
@@ -35826,7 +37233,7 @@
           <a:p>
             <a:fld id="{DDC63E00-3DEB-734E-90C5-99B825A329FC}" type="datetime1">
               <a:rPr lang="en-US" smtClean="0"/>
-              <a:t>6/27/23</a:t>
+              <a:t>6/28/23</a:t>
             </a:fld>
             <a:endParaRPr lang="en-US" dirty="0"/>
           </a:p>
@@ -36434,7 +37841,7 @@
           <a:p>
             <a:fld id="{32992015-53EC-A94E-AD06-D6BF3033AEF1}" type="datetime1">
               <a:rPr lang="en-US" smtClean="0"/>
-              <a:t>6/27/23</a:t>
+              <a:t>6/28/23</a:t>
             </a:fld>
             <a:endParaRPr lang="en-US" dirty="0"/>
           </a:p>
@@ -37309,7 +38716,7 @@
           <a:p>
             <a:fld id="{5414DD6E-6CD3-D64D-ADCD-81196FAF6343}" type="datetime1">
               <a:rPr lang="en-US" smtClean="0"/>
-              <a:t>6/27/23</a:t>
+              <a:t>6/28/23</a:t>
             </a:fld>
             <a:endParaRPr lang="en-US" dirty="0"/>
           </a:p>
